--- a/final/presentation_poster.pptx
+++ b/final/presentation_poster.pptx
@@ -3026,7 +3026,7 @@
               <a:buNone/>
             </a:pPr>
             <a:r>
-              <a:rPr lang="en-US" sz="3700" b="1" i="0" u="none" strike="noStrike" cap="none" dirty="0">
+              <a:rPr lang="en-US" sz="7200" b="1" i="0" u="none" strike="noStrike" cap="none" dirty="0">
                 <a:solidFill>
                   <a:schemeClr val="dk1"/>
                 </a:solidFill>
@@ -3038,7 +3038,7 @@
               <a:t>Dis</a:t>
             </a:r>
             <a:r>
-              <a:rPr lang="en-US" sz="3700" b="1" dirty="0">
+              <a:rPr lang="en-US" sz="7200" b="1" dirty="0">
                 <a:solidFill>
                   <a:schemeClr val="dk1"/>
                 </a:solidFill>
@@ -3049,7 +3049,7 @@
               </a:rPr>
               <a:t>crete Action Space Task Results</a:t>
             </a:r>
-            <a:endParaRPr sz="4200" b="1" i="0" u="none" strike="noStrike" cap="none" dirty="0">
+            <a:endParaRPr sz="7200" b="1" i="0" u="none" strike="noStrike" cap="none" dirty="0">
               <a:solidFill>
                 <a:schemeClr val="dk1"/>
               </a:solidFill>
@@ -3517,7 +3517,7 @@
               <a:buNone/>
             </a:pPr>
             <a:r>
-              <a:rPr lang="en-US" sz="5100" b="1" i="0" u="none" strike="noStrike" cap="none" dirty="0">
+              <a:rPr lang="en-US" sz="7200" b="1" i="0" u="none" strike="noStrike" cap="none" dirty="0">
                 <a:solidFill>
                   <a:schemeClr val="dk1"/>
                 </a:solidFill>
@@ -3584,7 +3584,7 @@
               <a:buNone/>
             </a:pPr>
             <a:r>
-              <a:rPr lang="en-US" sz="5100" b="1" i="0" u="none" strike="noStrike" cap="none" dirty="0">
+              <a:rPr lang="en-US" sz="7200" b="1" i="0" u="none" strike="noStrike" cap="none" dirty="0">
                 <a:solidFill>
                   <a:schemeClr val="dk1"/>
                 </a:solidFill>
@@ -3650,7 +3650,7 @@
               <a:buNone/>
             </a:pPr>
             <a:r>
-              <a:rPr lang="en-US" sz="5100" b="1" i="0" u="none" strike="noStrike" cap="none" dirty="0">
+              <a:rPr lang="en-US" sz="7200" b="1" i="0" u="none" strike="noStrike" cap="none" dirty="0">
                 <a:solidFill>
                   <a:schemeClr val="dk1"/>
                 </a:solidFill>
@@ -3661,7 +3661,7 @@
               </a:rPr>
               <a:t>Citations</a:t>
             </a:r>
-            <a:endParaRPr lang="en-US" sz="5100" b="1" dirty="0">
+            <a:endParaRPr lang="en-US" sz="7200" b="1" dirty="0">
               <a:solidFill>
                 <a:schemeClr val="dk1"/>
               </a:solidFill>
@@ -3863,7 +3863,7 @@
               <a:buNone/>
             </a:pPr>
             <a:r>
-              <a:rPr lang="en-US" sz="3800" b="1" i="0" u="none" strike="noStrike" cap="none" dirty="0">
+              <a:rPr lang="en-US" sz="7200" b="1" i="0" u="none" strike="noStrike" cap="none" dirty="0">
                 <a:solidFill>
                   <a:schemeClr val="dk1"/>
                 </a:solidFill>
@@ -3874,7 +3874,7 @@
               </a:rPr>
               <a:t>Discussion</a:t>
             </a:r>
-            <a:endParaRPr sz="3800" b="1" i="0" u="none" strike="noStrike" cap="none" dirty="0">
+            <a:endParaRPr sz="7200" b="1" i="0" u="none" strike="noStrike" cap="none" dirty="0">
               <a:solidFill>
                 <a:schemeClr val="dk1"/>
               </a:solidFill>
@@ -3965,7 +3965,7 @@
               <a:buNone/>
             </a:pPr>
             <a:r>
-              <a:rPr lang="en-US" sz="4200" b="1" i="0" u="none" strike="noStrike" cap="none" dirty="0">
+              <a:rPr lang="en-US" sz="7200" b="1" i="0" u="none" strike="noStrike" cap="none" dirty="0">
                 <a:solidFill>
                   <a:schemeClr val="dk1"/>
                 </a:solidFill>
@@ -3976,7 +3976,7 @@
               </a:rPr>
               <a:t>Continuous Action Space Task Results</a:t>
             </a:r>
-            <a:endParaRPr sz="3800" b="1" i="0" u="none" strike="noStrike" cap="none" dirty="0">
+            <a:endParaRPr sz="7200" b="1" i="0" u="none" strike="noStrike" cap="none" dirty="0">
               <a:solidFill>
                 <a:schemeClr val="dk1"/>
               </a:solidFill>

--- a/final/presentation_poster.pptx
+++ b/final/presentation_poster.pptx
@@ -3138,7 +3138,7 @@
             </a:endParaRPr>
           </a:p>
           <a:p>
-            <a:pPr marL="0" marR="0" lvl="0" indent="0" algn="ctr" rtl="0">
+            <a:pPr marL="0" marR="0" lvl="0" indent="0" rtl="0">
               <a:lnSpc>
                 <a:spcPct val="100000"/>
               </a:lnSpc>
@@ -3155,48 +3155,40 @@
               <a:buFont typeface="Arial"/>
               <a:buNone/>
             </a:pPr>
-            <a:endParaRPr lang="en-US" sz="7200" b="1" dirty="0">
+            <a:r>
+              <a:rPr lang="en-US" sz="7200" dirty="0">
+                <a:solidFill>
+                  <a:schemeClr val="dk1"/>
+                </a:solidFill>
+                <a:highlight>
+                  <a:srgbClr val="FFFFFF"/>
+                </a:highlight>
+              </a:rPr>
+              <a:t>	</a:t>
+            </a:r>
+            <a:r>
+              <a:rPr lang="en-US" sz="4800" dirty="0">
+                <a:solidFill>
+                  <a:schemeClr val="dk1"/>
+                </a:solidFill>
+                <a:highlight>
+                  <a:srgbClr val="FFFFFF"/>
+                </a:highlight>
+              </a:rPr>
+              <a:t>Understanding which agents succeed on which tasks is a fundamental understanding of reinforcement learning. To practice the development, implementation, and optimization of many agents, our team chose Breakout and MountainCar in order to understand the process and results behind a diverse set of standard reinforcement learning agents.</a:t>
+            </a:r>
+            <a:endParaRPr lang="en-US" sz="7200" i="0" u="none" strike="noStrike" cap="none" dirty="0">
               <a:solidFill>
                 <a:schemeClr val="dk1"/>
               </a:solidFill>
               <a:highlight>
                 <a:srgbClr val="FFFFFF"/>
               </a:highlight>
+              <a:latin typeface="Arial"/>
+              <a:ea typeface="Arial"/>
+              <a:cs typeface="Arial"/>
+              <a:sym typeface="Arial"/>
             </a:endParaRPr>
-          </a:p>
-          <a:p>
-            <a:pPr marL="0" marR="0" lvl="0" indent="0" rtl="0">
-              <a:lnSpc>
-                <a:spcPct val="100000"/>
-              </a:lnSpc>
-              <a:spcBef>
-                <a:spcPts val="0"/>
-              </a:spcBef>
-              <a:spcAft>
-                <a:spcPts val="0"/>
-              </a:spcAft>
-              <a:buClr>
-                <a:schemeClr val="dk1"/>
-              </a:buClr>
-              <a:buSzPct val="25000"/>
-              <a:buFont typeface="Arial"/>
-              <a:buNone/>
-            </a:pPr>
-            <a:r>
-              <a:rPr lang="en-US" sz="7200" i="0" u="none" strike="noStrike" cap="none" dirty="0">
-                <a:solidFill>
-                  <a:schemeClr val="dk1"/>
-                </a:solidFill>
-                <a:highlight>
-                  <a:srgbClr val="FFFFFF"/>
-                </a:highlight>
-                <a:latin typeface="Arial"/>
-                <a:ea typeface="Arial"/>
-                <a:cs typeface="Arial"/>
-                <a:sym typeface="Arial"/>
-              </a:rPr>
-              <a:t>Ipsum </a:t>
-            </a:r>
           </a:p>
         </p:txBody>
       </p:sp>
@@ -3528,6 +3520,66 @@
               </a:rPr>
               <a:t>Agents</a:t>
             </a:r>
+            <a:endParaRPr lang="en-US" sz="7200" b="1" dirty="0">
+              <a:solidFill>
+                <a:schemeClr val="dk1"/>
+              </a:solidFill>
+            </a:endParaRPr>
+          </a:p>
+          <a:p>
+            <a:pPr marL="0" marR="0" lvl="0" indent="0" rtl="0">
+              <a:lnSpc>
+                <a:spcPct val="100000"/>
+              </a:lnSpc>
+              <a:spcBef>
+                <a:spcPts val="0"/>
+              </a:spcBef>
+              <a:spcAft>
+                <a:spcPts val="0"/>
+              </a:spcAft>
+              <a:buClr>
+                <a:schemeClr val="dk1"/>
+              </a:buClr>
+              <a:buSzPct val="25000"/>
+              <a:buFont typeface="Arial"/>
+              <a:buNone/>
+            </a:pPr>
+            <a:r>
+              <a:rPr lang="en-US" sz="4800" dirty="0">
+                <a:solidFill>
+                  <a:schemeClr val="dk1"/>
+                </a:solidFill>
+              </a:rPr>
+              <a:t>	We use two primary model domains, continuous- and discrete-action space designed models:</a:t>
+            </a:r>
+          </a:p>
+          <a:p>
+            <a:pPr marL="0" marR="0" lvl="0" indent="0" rtl="0">
+              <a:lnSpc>
+                <a:spcPct val="100000"/>
+              </a:lnSpc>
+              <a:spcBef>
+                <a:spcPts val="0"/>
+              </a:spcBef>
+              <a:spcAft>
+                <a:spcPts val="0"/>
+              </a:spcAft>
+              <a:buClr>
+                <a:schemeClr val="dk1"/>
+              </a:buClr>
+              <a:buSzPct val="25000"/>
+              <a:buFont typeface="Arial"/>
+              <a:buNone/>
+            </a:pPr>
+            <a:endParaRPr lang="en-US" sz="4800" i="0" u="none" strike="noStrike" cap="none" dirty="0">
+              <a:solidFill>
+                <a:schemeClr val="dk1"/>
+              </a:solidFill>
+              <a:latin typeface="Arial"/>
+              <a:ea typeface="Arial"/>
+              <a:cs typeface="Arial"/>
+              <a:sym typeface="Arial"/>
+            </a:endParaRPr>
           </a:p>
         </p:txBody>
       </p:sp>
@@ -3594,6 +3646,161 @@
                 <a:sym typeface="Arial"/>
               </a:rPr>
               <a:t>Tasks</a:t>
+            </a:r>
+          </a:p>
+          <a:p>
+            <a:pPr marL="0" marR="0" lvl="0" indent="0" algn="ctr" rtl="0">
+              <a:lnSpc>
+                <a:spcPct val="100000"/>
+              </a:lnSpc>
+              <a:spcBef>
+                <a:spcPts val="0"/>
+              </a:spcBef>
+              <a:spcAft>
+                <a:spcPts val="0"/>
+              </a:spcAft>
+              <a:buClr>
+                <a:schemeClr val="dk1"/>
+              </a:buClr>
+              <a:buSzPct val="25000"/>
+              <a:buFont typeface="Arial"/>
+              <a:buNone/>
+            </a:pPr>
+            <a:endParaRPr lang="en-US" sz="7200" b="1" dirty="0">
+              <a:solidFill>
+                <a:schemeClr val="dk1"/>
+              </a:solidFill>
+            </a:endParaRPr>
+          </a:p>
+          <a:p>
+            <a:pPr marL="0" marR="0" lvl="0" indent="0" algn="ctr" rtl="0">
+              <a:lnSpc>
+                <a:spcPct val="100000"/>
+              </a:lnSpc>
+              <a:spcBef>
+                <a:spcPts val="0"/>
+              </a:spcBef>
+              <a:spcAft>
+                <a:spcPts val="0"/>
+              </a:spcAft>
+              <a:buClr>
+                <a:schemeClr val="dk1"/>
+              </a:buClr>
+              <a:buSzPct val="25000"/>
+              <a:buFont typeface="Arial"/>
+              <a:buNone/>
+            </a:pPr>
+            <a:endParaRPr lang="en-US" sz="7200" b="1" i="0" u="none" strike="noStrike" cap="none" dirty="0">
+              <a:solidFill>
+                <a:schemeClr val="dk1"/>
+              </a:solidFill>
+              <a:latin typeface="Arial"/>
+              <a:ea typeface="Arial"/>
+              <a:cs typeface="Arial"/>
+              <a:sym typeface="Arial"/>
+            </a:endParaRPr>
+          </a:p>
+          <a:p>
+            <a:pPr marL="0" marR="0" lvl="0" indent="0" algn="ctr" rtl="0">
+              <a:lnSpc>
+                <a:spcPct val="100000"/>
+              </a:lnSpc>
+              <a:spcBef>
+                <a:spcPts val="0"/>
+              </a:spcBef>
+              <a:spcAft>
+                <a:spcPts val="0"/>
+              </a:spcAft>
+              <a:buClr>
+                <a:schemeClr val="dk1"/>
+              </a:buClr>
+              <a:buSzPct val="25000"/>
+              <a:buFont typeface="Arial"/>
+              <a:buNone/>
+            </a:pPr>
+            <a:endParaRPr lang="en-US" sz="7200" b="1" dirty="0">
+              <a:solidFill>
+                <a:schemeClr val="dk1"/>
+              </a:solidFill>
+            </a:endParaRPr>
+          </a:p>
+          <a:p>
+            <a:pPr marL="0" marR="0" lvl="0" indent="0" algn="ctr" rtl="0">
+              <a:lnSpc>
+                <a:spcPct val="100000"/>
+              </a:lnSpc>
+              <a:spcBef>
+                <a:spcPts val="0"/>
+              </a:spcBef>
+              <a:spcAft>
+                <a:spcPts val="0"/>
+              </a:spcAft>
+              <a:buClr>
+                <a:schemeClr val="dk1"/>
+              </a:buClr>
+              <a:buSzPct val="25000"/>
+              <a:buFont typeface="Arial"/>
+              <a:buNone/>
+            </a:pPr>
+            <a:endParaRPr lang="en-US" sz="7200" b="1" i="0" u="none" strike="noStrike" cap="none" dirty="0">
+              <a:solidFill>
+                <a:schemeClr val="dk1"/>
+              </a:solidFill>
+              <a:latin typeface="Arial"/>
+              <a:ea typeface="Arial"/>
+              <a:cs typeface="Arial"/>
+              <a:sym typeface="Arial"/>
+            </a:endParaRPr>
+          </a:p>
+          <a:p>
+            <a:pPr marL="0" marR="0" lvl="0" indent="0" algn="ctr" rtl="0">
+              <a:lnSpc>
+                <a:spcPct val="100000"/>
+              </a:lnSpc>
+              <a:spcBef>
+                <a:spcPts val="0"/>
+              </a:spcBef>
+              <a:spcAft>
+                <a:spcPts val="0"/>
+              </a:spcAft>
+              <a:buClr>
+                <a:schemeClr val="dk1"/>
+              </a:buClr>
+              <a:buSzPct val="25000"/>
+              <a:buFont typeface="Arial"/>
+              <a:buNone/>
+            </a:pPr>
+            <a:endParaRPr lang="en-US" sz="7200" b="1" dirty="0">
+              <a:solidFill>
+                <a:schemeClr val="dk1"/>
+              </a:solidFill>
+            </a:endParaRPr>
+          </a:p>
+          <a:p>
+            <a:pPr marL="0" marR="0" lvl="0" indent="0" rtl="0">
+              <a:lnSpc>
+                <a:spcPct val="100000"/>
+              </a:lnSpc>
+              <a:spcBef>
+                <a:spcPts val="0"/>
+              </a:spcBef>
+              <a:spcAft>
+                <a:spcPts val="0"/>
+              </a:spcAft>
+              <a:buClr>
+                <a:schemeClr val="dk1"/>
+              </a:buClr>
+              <a:buSzPct val="25000"/>
+              <a:buFont typeface="Arial"/>
+              <a:buNone/>
+            </a:pPr>
+            <a:r>
+              <a:rPr lang="en-US" sz="4800" dirty="0">
+                <a:solidFill>
+                  <a:schemeClr val="dk1"/>
+                </a:solidFill>
+              </a:rPr>
+              <a:t>         Breakout-v0     MountainCar-v0</a:t>
             </a:r>
           </a:p>
         </p:txBody>
@@ -3988,6 +4195,96 @@
           </a:p>
         </p:txBody>
       </p:sp>
+      <p:pic>
+        <p:nvPicPr>
+          <p:cNvPr id="3" name="Picture 2" descr="Table&#10;&#10;Description automatically generated">
+            <a:extLst>
+              <a:ext uri="{FF2B5EF4-FFF2-40B4-BE49-F238E27FC236}">
+                <a16:creationId xmlns:a16="http://schemas.microsoft.com/office/drawing/2014/main" id="{FED1A48B-7EA2-4670-8E8D-24D9F0E98C58}"/>
+              </a:ext>
+            </a:extLst>
+          </p:cNvPr>
+          <p:cNvPicPr>
+            <a:picLocks noChangeAspect="1"/>
+          </p:cNvPicPr>
+          <p:nvPr/>
+        </p:nvPicPr>
+        <p:blipFill>
+          <a:blip r:embed="rId4"/>
+          <a:stretch>
+            <a:fillRect/>
+          </a:stretch>
+        </p:blipFill>
+        <p:spPr>
+          <a:xfrm>
+            <a:off x="583618" y="19694855"/>
+            <a:ext cx="11483036" cy="1269846"/>
+          </a:xfrm>
+          <a:prstGeom prst="rect">
+            <a:avLst/>
+          </a:prstGeom>
+        </p:spPr>
+      </p:pic>
+      <p:pic>
+        <p:nvPicPr>
+          <p:cNvPr id="5" name="Picture 4" descr="Shape&#10;&#10;Description automatically generated">
+            <a:extLst>
+              <a:ext uri="{FF2B5EF4-FFF2-40B4-BE49-F238E27FC236}">
+                <a16:creationId xmlns:a16="http://schemas.microsoft.com/office/drawing/2014/main" id="{BD2D1ACA-99C3-4FD4-A6B1-702F74912C09}"/>
+              </a:ext>
+            </a:extLst>
+          </p:cNvPr>
+          <p:cNvPicPr>
+            <a:picLocks noChangeAspect="1"/>
+          </p:cNvPicPr>
+          <p:nvPr/>
+        </p:nvPicPr>
+        <p:blipFill>
+          <a:blip r:embed="rId5"/>
+          <a:stretch>
+            <a:fillRect/>
+          </a:stretch>
+        </p:blipFill>
+        <p:spPr>
+          <a:xfrm>
+            <a:off x="5936236" y="27236481"/>
+            <a:ext cx="5356015" cy="3504696"/>
+          </a:xfrm>
+          <a:prstGeom prst="rect">
+            <a:avLst/>
+          </a:prstGeom>
+        </p:spPr>
+      </p:pic>
+      <p:pic>
+        <p:nvPicPr>
+          <p:cNvPr id="7" name="Picture 6" descr="Graphical user interface, application&#10;&#10;Description automatically generated">
+            <a:extLst>
+              <a:ext uri="{FF2B5EF4-FFF2-40B4-BE49-F238E27FC236}">
+                <a16:creationId xmlns:a16="http://schemas.microsoft.com/office/drawing/2014/main" id="{68E0E456-03B7-4D98-ABB4-F94B418C42E8}"/>
+              </a:ext>
+            </a:extLst>
+          </p:cNvPr>
+          <p:cNvPicPr>
+            <a:picLocks noChangeAspect="1"/>
+          </p:cNvPicPr>
+          <p:nvPr/>
+        </p:nvPicPr>
+        <p:blipFill>
+          <a:blip r:embed="rId6"/>
+          <a:stretch>
+            <a:fillRect/>
+          </a:stretch>
+        </p:blipFill>
+        <p:spPr>
+          <a:xfrm>
+            <a:off x="1969864" y="26224990"/>
+            <a:ext cx="3656336" cy="5134942"/>
+          </a:xfrm>
+          <a:prstGeom prst="rect">
+            <a:avLst/>
+          </a:prstGeom>
+        </p:spPr>
+      </p:pic>
     </p:spTree>
   </p:cSld>
   <p:clrMapOvr>

--- a/final/presentation_poster.pptx
+++ b/final/presentation_poster.pptx
@@ -3030,7 +3030,7 @@
                 <a:solidFill>
                   <a:schemeClr val="dk1"/>
                 </a:solidFill>
-                <a:latin typeface="Cambria"/>
+                <a:latin typeface="+mn-lt"/>
                 <a:ea typeface="Cambria"/>
                 <a:cs typeface="Cambria"/>
                 <a:sym typeface="Cambria"/>
@@ -3042,7 +3042,7 @@
                 <a:solidFill>
                   <a:schemeClr val="dk1"/>
                 </a:solidFill>
-                <a:latin typeface="Cambria"/>
+                <a:latin typeface="+mn-lt"/>
                 <a:ea typeface="Cambria"/>
                 <a:cs typeface="Cambria"/>
                 <a:sym typeface="Cambria"/>
@@ -3053,7 +3053,7 @@
               <a:solidFill>
                 <a:schemeClr val="dk1"/>
               </a:solidFill>
-              <a:latin typeface="Cambria"/>
+              <a:latin typeface="+mn-lt"/>
               <a:ea typeface="Cambria"/>
               <a:cs typeface="Cambria"/>
               <a:sym typeface="Cambria"/>
@@ -3121,7 +3121,7 @@
                 <a:highlight>
                   <a:srgbClr val="FFFFFF"/>
                 </a:highlight>
-                <a:latin typeface="Arial"/>
+                <a:latin typeface="+mn-lt"/>
                 <a:ea typeface="Arial"/>
                 <a:cs typeface="Arial"/>
                 <a:sym typeface="Arial"/>
@@ -3135,6 +3135,7 @@
               <a:highlight>
                 <a:srgbClr val="FFFFFF"/>
               </a:highlight>
+              <a:latin typeface="+mn-lt"/>
             </a:endParaRPr>
           </a:p>
           <a:p>
@@ -3163,6 +3164,7 @@
                 <a:highlight>
                   <a:srgbClr val="FFFFFF"/>
                 </a:highlight>
+                <a:latin typeface="+mn-lt"/>
               </a:rPr>
               <a:t>	</a:t>
             </a:r>
@@ -3174,6 +3176,7 @@
                 <a:highlight>
                   <a:srgbClr val="FFFFFF"/>
                 </a:highlight>
+                <a:latin typeface="+mn-lt"/>
               </a:rPr>
               <a:t>Understanding which agents succeed on which tasks is a fundamental understanding of reinforcement learning. To practice the development, implementation, and optimization of many agents, our team chose Breakout and MountainCar in order to understand the process and results behind a diverse set of standard reinforcement learning agents.</a:t>
             </a:r>
@@ -3184,7 +3187,7 @@
               <a:highlight>
                 <a:srgbClr val="FFFFFF"/>
               </a:highlight>
-              <a:latin typeface="Arial"/>
+              <a:latin typeface="+mn-lt"/>
               <a:ea typeface="Arial"/>
               <a:cs typeface="Arial"/>
               <a:sym typeface="Arial"/>
@@ -3239,7 +3242,7 @@
                 <a:solidFill>
                   <a:schemeClr val="dk1"/>
                 </a:solidFill>
-                <a:latin typeface="Arial"/>
+                <a:latin typeface="+mn-lt"/>
                 <a:ea typeface="Arial"/>
                 <a:cs typeface="Arial"/>
                 <a:sym typeface="Arial"/>
@@ -3270,7 +3273,7 @@
                 <a:solidFill>
                   <a:schemeClr val="dk1"/>
                 </a:solidFill>
-                <a:latin typeface="Arial"/>
+                <a:latin typeface="+mn-lt"/>
                 <a:ea typeface="Arial"/>
                 <a:cs typeface="Arial"/>
                 <a:sym typeface="Arial"/>
@@ -3301,7 +3304,7 @@
                 <a:solidFill>
                   <a:schemeClr val="dk1"/>
                 </a:solidFill>
-                <a:latin typeface="Arial"/>
+                <a:latin typeface="+mn-lt"/>
                 <a:ea typeface="Arial"/>
                 <a:cs typeface="Arial"/>
                 <a:sym typeface="Arial"/>
@@ -3313,7 +3316,7 @@
                 <a:solidFill>
                   <a:schemeClr val="dk1"/>
                 </a:solidFill>
-                <a:latin typeface="Arial"/>
+                <a:latin typeface="+mn-lt"/>
                 <a:ea typeface="Arial"/>
                 <a:cs typeface="Arial"/>
                 <a:sym typeface="Arial"/>
@@ -3342,7 +3345,7 @@
               <a:solidFill>
                 <a:schemeClr val="dk1"/>
               </a:solidFill>
-              <a:latin typeface="Arial"/>
+              <a:latin typeface="+mn-lt"/>
               <a:ea typeface="Arial"/>
               <a:cs typeface="Arial"/>
               <a:sym typeface="Arial"/>
@@ -3395,7 +3398,7 @@
               <a:solidFill>
                 <a:schemeClr val="dk1"/>
               </a:solidFill>
-              <a:latin typeface="Arial"/>
+              <a:latin typeface="+mn-lt"/>
               <a:ea typeface="Arial"/>
               <a:cs typeface="Arial"/>
               <a:sym typeface="Arial"/>
@@ -3448,7 +3451,7 @@
               <a:solidFill>
                 <a:srgbClr val="000000"/>
               </a:solidFill>
-              <a:latin typeface="Arial"/>
+              <a:latin typeface="+mn-lt"/>
               <a:ea typeface="Arial"/>
               <a:cs typeface="Arial"/>
               <a:sym typeface="Arial"/>
@@ -3513,7 +3516,7 @@
                 <a:solidFill>
                   <a:schemeClr val="dk1"/>
                 </a:solidFill>
-                <a:latin typeface="Arial"/>
+                <a:latin typeface="+mn-lt"/>
                 <a:ea typeface="Arial"/>
                 <a:cs typeface="Arial"/>
                 <a:sym typeface="Arial"/>
@@ -3524,6 +3527,7 @@
               <a:solidFill>
                 <a:schemeClr val="dk1"/>
               </a:solidFill>
+              <a:latin typeface="+mn-lt"/>
             </a:endParaRPr>
           </a:p>
           <a:p>
@@ -3549,6 +3553,7 @@
                 <a:solidFill>
                   <a:schemeClr val="dk1"/>
                 </a:solidFill>
+                <a:latin typeface="+mn-lt"/>
               </a:rPr>
               <a:t>	We use two primary model domains, continuous- and discrete-action space designed models:</a:t>
             </a:r>
@@ -3575,7 +3580,7 @@
               <a:solidFill>
                 <a:schemeClr val="dk1"/>
               </a:solidFill>
-              <a:latin typeface="Arial"/>
+              <a:latin typeface="+mn-lt"/>
               <a:ea typeface="Arial"/>
               <a:cs typeface="Arial"/>
               <a:sym typeface="Arial"/>
@@ -3640,7 +3645,7 @@
                 <a:solidFill>
                   <a:schemeClr val="dk1"/>
                 </a:solidFill>
-                <a:latin typeface="Arial"/>
+                <a:latin typeface="+mn-lt"/>
                 <a:ea typeface="Arial"/>
                 <a:cs typeface="Arial"/>
                 <a:sym typeface="Arial"/>
@@ -3670,6 +3675,7 @@
               <a:solidFill>
                 <a:schemeClr val="dk1"/>
               </a:solidFill>
+              <a:latin typeface="+mn-lt"/>
             </a:endParaRPr>
           </a:p>
           <a:p>
@@ -3694,7 +3700,7 @@
               <a:solidFill>
                 <a:schemeClr val="dk1"/>
               </a:solidFill>
-              <a:latin typeface="Arial"/>
+              <a:latin typeface="+mn-lt"/>
               <a:ea typeface="Arial"/>
               <a:cs typeface="Arial"/>
               <a:sym typeface="Arial"/>
@@ -3722,6 +3728,7 @@
               <a:solidFill>
                 <a:schemeClr val="dk1"/>
               </a:solidFill>
+              <a:latin typeface="+mn-lt"/>
             </a:endParaRPr>
           </a:p>
           <a:p>
@@ -3746,7 +3753,7 @@
               <a:solidFill>
                 <a:schemeClr val="dk1"/>
               </a:solidFill>
-              <a:latin typeface="Arial"/>
+              <a:latin typeface="+mn-lt"/>
               <a:ea typeface="Arial"/>
               <a:cs typeface="Arial"/>
               <a:sym typeface="Arial"/>
@@ -3774,6 +3781,7 @@
               <a:solidFill>
                 <a:schemeClr val="dk1"/>
               </a:solidFill>
+              <a:latin typeface="+mn-lt"/>
             </a:endParaRPr>
           </a:p>
           <a:p>
@@ -3799,6 +3807,7 @@
                 <a:solidFill>
                   <a:schemeClr val="dk1"/>
                 </a:solidFill>
+                <a:latin typeface="+mn-lt"/>
               </a:rPr>
               <a:t>         Breakout-v0     MountainCar-v0</a:t>
             </a:r>
@@ -3861,7 +3870,7 @@
                 <a:solidFill>
                   <a:schemeClr val="dk1"/>
                 </a:solidFill>
-                <a:latin typeface="Arial"/>
+                <a:latin typeface="+mn-lt"/>
                 <a:ea typeface="Arial"/>
                 <a:cs typeface="Arial"/>
                 <a:sym typeface="Arial"/>
@@ -3872,6 +3881,7 @@
               <a:solidFill>
                 <a:schemeClr val="dk1"/>
               </a:solidFill>
+              <a:latin typeface="+mn-lt"/>
             </a:endParaRPr>
           </a:p>
           <a:p>
@@ -3896,7 +3906,7 @@
                 <a:solidFill>
                   <a:schemeClr val="dk1"/>
                 </a:solidFill>
-                <a:latin typeface="Arial"/>
+                <a:latin typeface="+mn-lt"/>
                 <a:ea typeface="Arial"/>
                 <a:cs typeface="Arial"/>
                 <a:sym typeface="Arial"/>
@@ -3926,6 +3936,7 @@
                 <a:solidFill>
                   <a:schemeClr val="dk1"/>
                 </a:solidFill>
+                <a:latin typeface="+mn-lt"/>
               </a:rPr>
               <a:t>B</a:t>
             </a:r>
@@ -3952,7 +3963,7 @@
                 <a:solidFill>
                   <a:schemeClr val="dk1"/>
                 </a:solidFill>
-                <a:latin typeface="Arial"/>
+                <a:latin typeface="+mn-lt"/>
                 <a:ea typeface="Arial"/>
                 <a:cs typeface="Arial"/>
                 <a:sym typeface="Arial"/>
@@ -3982,6 +3993,7 @@
                 <a:solidFill>
                   <a:schemeClr val="dk1"/>
                 </a:solidFill>
+                <a:latin typeface="+mn-lt"/>
               </a:rPr>
               <a:t>D</a:t>
             </a:r>
@@ -4008,7 +4020,7 @@
                 <a:solidFill>
                   <a:schemeClr val="dk1"/>
                 </a:solidFill>
-                <a:latin typeface="Arial"/>
+                <a:latin typeface="+mn-lt"/>
                 <a:ea typeface="Arial"/>
                 <a:cs typeface="Arial"/>
                 <a:sym typeface="Arial"/>
@@ -4074,7 +4086,7 @@
                 <a:solidFill>
                   <a:schemeClr val="dk1"/>
                 </a:solidFill>
-                <a:latin typeface="Arial"/>
+                <a:latin typeface="+mn-lt"/>
                 <a:ea typeface="Arial"/>
                 <a:cs typeface="Arial"/>
                 <a:sym typeface="Arial"/>
@@ -4085,7 +4097,7 @@
               <a:solidFill>
                 <a:schemeClr val="dk1"/>
               </a:solidFill>
-              <a:latin typeface="Arial"/>
+              <a:latin typeface="+mn-lt"/>
               <a:ea typeface="Arial"/>
               <a:cs typeface="Arial"/>
               <a:sym typeface="Arial"/>
@@ -4148,7 +4160,7 @@
               <a:solidFill>
                 <a:schemeClr val="dk1"/>
               </a:solidFill>
-              <a:latin typeface="Arial"/>
+              <a:latin typeface="+mn-lt"/>
               <a:ea typeface="Arial"/>
               <a:cs typeface="Arial"/>
               <a:sym typeface="Arial"/>
@@ -4176,7 +4188,7 @@
                 <a:solidFill>
                   <a:schemeClr val="dk1"/>
                 </a:solidFill>
-                <a:latin typeface="Arial"/>
+                <a:latin typeface="+mn-lt"/>
                 <a:ea typeface="Arial"/>
                 <a:cs typeface="Arial"/>
                 <a:sym typeface="Arial"/>
@@ -4187,7 +4199,7 @@
               <a:solidFill>
                 <a:schemeClr val="dk1"/>
               </a:solidFill>
-              <a:latin typeface="Arial"/>
+              <a:latin typeface="+mn-lt"/>
               <a:ea typeface="Arial"/>
               <a:cs typeface="Arial"/>
               <a:sym typeface="Arial"/>

--- a/final/presentation_poster.pptx
+++ b/final/presentation_poster.pptx
@@ -3559,6 +3559,62 @@
             </a:r>
           </a:p>
           <a:p>
+            <a:pPr marL="914400" marR="0" lvl="0" indent="-914400" rtl="0">
+              <a:lnSpc>
+                <a:spcPct val="100000"/>
+              </a:lnSpc>
+              <a:spcBef>
+                <a:spcPts val="0"/>
+              </a:spcBef>
+              <a:spcAft>
+                <a:spcPts val="0"/>
+              </a:spcAft>
+              <a:buClr>
+                <a:schemeClr val="dk1"/>
+              </a:buClr>
+              <a:buSzPct val="25000"/>
+              <a:buFont typeface="Arial"/>
+              <a:buAutoNum type="arabicPeriod"/>
+            </a:pPr>
+            <a:r>
+              <a:rPr lang="en-US" sz="4800" dirty="0">
+                <a:solidFill>
+                  <a:schemeClr val="dk1"/>
+                </a:solidFill>
+                <a:latin typeface="+mn-lt"/>
+              </a:rPr>
+              <a:t>DQN, Dueling DQN, Double DQN</a:t>
+            </a:r>
+          </a:p>
+          <a:p>
+            <a:pPr marL="914400" marR="0" lvl="0" indent="-914400" rtl="0">
+              <a:lnSpc>
+                <a:spcPct val="100000"/>
+              </a:lnSpc>
+              <a:spcBef>
+                <a:spcPts val="0"/>
+              </a:spcBef>
+              <a:spcAft>
+                <a:spcPts val="0"/>
+              </a:spcAft>
+              <a:buClr>
+                <a:schemeClr val="dk1"/>
+              </a:buClr>
+              <a:buSzPct val="25000"/>
+              <a:buFont typeface="Arial"/>
+              <a:buAutoNum type="arabicPeriod"/>
+            </a:pPr>
+            <a:r>
+              <a:rPr lang="en-US" sz="4800" dirty="0">
+                <a:solidFill>
+                  <a:schemeClr val="dk1"/>
+                </a:solidFill>
+                <a:latin typeface="+mn-lt"/>
+              </a:rPr>
+              <a:t>REINFORCE, PPO, MC</a:t>
+            </a:r>
+          </a:p>
+          <a:p>
             <a:pPr marL="0" marR="0" lvl="0" indent="0" rtl="0">
               <a:lnSpc>
                 <a:spcPct val="100000"/>
@@ -3902,16 +3958,49 @@
               <a:buAutoNum type="arabicPeriod"/>
             </a:pPr>
             <a:r>
-              <a:rPr lang="en-US" sz="5100" i="0" u="none" strike="noStrike" cap="none" dirty="0">
+              <a:rPr lang="en-US" sz="5100" dirty="0">
                 <a:solidFill>
                   <a:schemeClr val="dk1"/>
                 </a:solidFill>
                 <a:latin typeface="+mn-lt"/>
-                <a:ea typeface="Arial"/>
-                <a:cs typeface="Arial"/>
-                <a:sym typeface="Arial"/>
               </a:rPr>
-              <a:t>A</a:t>
+              <a:t>Gym.openai.com</a:t>
+            </a:r>
+            <a:endParaRPr lang="en-US" sz="5100" i="0" u="none" strike="noStrike" cap="none" dirty="0">
+              <a:solidFill>
+                <a:schemeClr val="dk1"/>
+              </a:solidFill>
+              <a:latin typeface="+mn-lt"/>
+              <a:ea typeface="Arial"/>
+              <a:cs typeface="Arial"/>
+              <a:sym typeface="Arial"/>
+            </a:endParaRPr>
+          </a:p>
+          <a:p>
+            <a:pPr marL="914400" marR="0" lvl="0" indent="-914400" rtl="0">
+              <a:lnSpc>
+                <a:spcPct val="100000"/>
+              </a:lnSpc>
+              <a:spcBef>
+                <a:spcPts val="0"/>
+              </a:spcBef>
+              <a:spcAft>
+                <a:spcPts val="0"/>
+              </a:spcAft>
+              <a:buClr>
+                <a:srgbClr val="000000"/>
+              </a:buClr>
+              <a:buFont typeface="Arial"/>
+              <a:buAutoNum type="arabicPeriod"/>
+            </a:pPr>
+            <a:r>
+              <a:rPr lang="en-US" sz="5100" dirty="0">
+                <a:solidFill>
+                  <a:schemeClr val="dk1"/>
+                </a:solidFill>
+                <a:latin typeface="+mn-lt"/>
+              </a:rPr>
+              <a:t>Bellemare 2013: Arcade Learning Environment</a:t>
             </a:r>
           </a:p>
           <a:p>
@@ -3932,62 +4021,14 @@
               <a:buAutoNum type="arabicPeriod"/>
             </a:pPr>
             <a:r>
-              <a:rPr lang="en-US" sz="5100" dirty="0">
+              <a:rPr lang="en-US" sz="5100" dirty="0" err="1">
                 <a:solidFill>
                   <a:schemeClr val="dk1"/>
                 </a:solidFill>
                 <a:latin typeface="+mn-lt"/>
               </a:rPr>
-              <a:t>B</a:t>
+              <a:t>Mnih</a:t>
             </a:r>
-          </a:p>
-          <a:p>
-            <a:pPr marL="914400" marR="0" lvl="0" indent="-914400" rtl="0">
-              <a:lnSpc>
-                <a:spcPct val="100000"/>
-              </a:lnSpc>
-              <a:spcBef>
-                <a:spcPts val="0"/>
-              </a:spcBef>
-              <a:spcAft>
-                <a:spcPts val="0"/>
-              </a:spcAft>
-              <a:buClr>
-                <a:srgbClr val="000000"/>
-              </a:buClr>
-              <a:buFont typeface="Arial"/>
-              <a:buAutoNum type="arabicPeriod"/>
-            </a:pPr>
-            <a:r>
-              <a:rPr lang="en-US" sz="5100" i="0" u="none" strike="noStrike" cap="none" dirty="0">
-                <a:solidFill>
-                  <a:schemeClr val="dk1"/>
-                </a:solidFill>
-                <a:latin typeface="+mn-lt"/>
-                <a:ea typeface="Arial"/>
-                <a:cs typeface="Arial"/>
-                <a:sym typeface="Arial"/>
-              </a:rPr>
-              <a:t>C</a:t>
-            </a:r>
-          </a:p>
-          <a:p>
-            <a:pPr marL="914400" marR="0" lvl="0" indent="-914400" rtl="0">
-              <a:lnSpc>
-                <a:spcPct val="100000"/>
-              </a:lnSpc>
-              <a:spcBef>
-                <a:spcPts val="0"/>
-              </a:spcBef>
-              <a:spcAft>
-                <a:spcPts val="0"/>
-              </a:spcAft>
-              <a:buClr>
-                <a:srgbClr val="000000"/>
-              </a:buClr>
-              <a:buFont typeface="Arial"/>
-              <a:buAutoNum type="arabicPeriod"/>
-            </a:pPr>
             <a:r>
               <a:rPr lang="en-US" sz="5100" dirty="0">
                 <a:solidFill>
@@ -3995,38 +4036,17 @@
                 </a:solidFill>
                 <a:latin typeface="+mn-lt"/>
               </a:rPr>
-              <a:t>D</a:t>
+              <a:t> et al. 2013: Atari with Deep Reinforcement Learning</a:t>
             </a:r>
-          </a:p>
-          <a:p>
-            <a:pPr marL="914400" marR="0" lvl="0" indent="-914400" rtl="0">
-              <a:lnSpc>
-                <a:spcPct val="100000"/>
-              </a:lnSpc>
-              <a:spcBef>
-                <a:spcPts val="0"/>
-              </a:spcBef>
-              <a:spcAft>
-                <a:spcPts val="0"/>
-              </a:spcAft>
-              <a:buClr>
-                <a:srgbClr val="000000"/>
-              </a:buClr>
-              <a:buFont typeface="Arial"/>
-              <a:buAutoNum type="arabicPeriod"/>
-            </a:pPr>
-            <a:r>
-              <a:rPr lang="en-US" sz="5100" i="0" u="none" strike="noStrike" cap="none" dirty="0">
-                <a:solidFill>
-                  <a:schemeClr val="dk1"/>
-                </a:solidFill>
-                <a:latin typeface="+mn-lt"/>
-                <a:ea typeface="Arial"/>
-                <a:cs typeface="Arial"/>
-                <a:sym typeface="Arial"/>
-              </a:rPr>
-              <a:t>E</a:t>
-            </a:r>
+            <a:endParaRPr lang="en-US" sz="5100" i="0" u="none" strike="noStrike" cap="none" dirty="0">
+              <a:solidFill>
+                <a:schemeClr val="dk1"/>
+              </a:solidFill>
+              <a:latin typeface="+mn-lt"/>
+              <a:ea typeface="Arial"/>
+              <a:cs typeface="Arial"/>
+              <a:sym typeface="Arial"/>
+            </a:endParaRPr>
           </a:p>
         </p:txBody>
       </p:sp>
@@ -4229,8 +4249,8 @@
         </p:blipFill>
         <p:spPr>
           <a:xfrm>
-            <a:off x="583618" y="19694855"/>
-            <a:ext cx="11483036" cy="1269846"/>
+            <a:off x="293225" y="23904334"/>
+            <a:ext cx="11483036" cy="1249259"/>
           </a:xfrm>
           <a:prstGeom prst="rect">
             <a:avLst/>

--- a/final/presentation_poster.pptx
+++ b/final/presentation_poster.pptx
@@ -2983,7 +2983,7 @@
         <p:spPr>
           <a:xfrm>
             <a:off x="12328150" y="5999375"/>
-            <a:ext cx="20503164" cy="12937237"/>
+            <a:ext cx="20813200" cy="12937237"/>
           </a:xfrm>
           <a:prstGeom prst="roundRect">
             <a:avLst>
@@ -3049,7 +3049,25 @@
               </a:rPr>
               <a:t>crete Action Space Task Results</a:t>
             </a:r>
-            <a:endParaRPr sz="7200" b="1" i="0" u="none" strike="noStrike" cap="none" dirty="0">
+          </a:p>
+          <a:p>
+            <a:pPr marL="0" marR="0" lvl="0" indent="0" rtl="0">
+              <a:lnSpc>
+                <a:spcPct val="100000"/>
+              </a:lnSpc>
+              <a:spcBef>
+                <a:spcPts val="0"/>
+              </a:spcBef>
+              <a:spcAft>
+                <a:spcPts val="0"/>
+              </a:spcAft>
+              <a:buClr>
+                <a:srgbClr val="000000"/>
+              </a:buClr>
+              <a:buFont typeface="Arial"/>
+              <a:buNone/>
+            </a:pPr>
+            <a:endParaRPr lang="en-US" sz="4800" dirty="0">
               <a:solidFill>
                 <a:schemeClr val="dk1"/>
               </a:solidFill>
@@ -3058,6 +3076,252 @@
               <a:cs typeface="Cambria"/>
               <a:sym typeface="Cambria"/>
             </a:endParaRPr>
+          </a:p>
+          <a:p>
+            <a:pPr marL="0" marR="0" lvl="0" indent="0" rtl="0">
+              <a:lnSpc>
+                <a:spcPct val="100000"/>
+              </a:lnSpc>
+              <a:spcBef>
+                <a:spcPts val="0"/>
+              </a:spcBef>
+              <a:spcAft>
+                <a:spcPts val="0"/>
+              </a:spcAft>
+              <a:buClr>
+                <a:srgbClr val="000000"/>
+              </a:buClr>
+              <a:buFont typeface="Arial"/>
+              <a:buNone/>
+            </a:pPr>
+            <a:endParaRPr lang="en-US" sz="4800" dirty="0">
+              <a:solidFill>
+                <a:schemeClr val="dk1"/>
+              </a:solidFill>
+              <a:latin typeface="+mn-lt"/>
+              <a:ea typeface="Cambria"/>
+              <a:cs typeface="Cambria"/>
+              <a:sym typeface="Cambria"/>
+            </a:endParaRPr>
+          </a:p>
+          <a:p>
+            <a:pPr marL="0" marR="0" lvl="0" indent="0" rtl="0">
+              <a:lnSpc>
+                <a:spcPct val="100000"/>
+              </a:lnSpc>
+              <a:spcBef>
+                <a:spcPts val="0"/>
+              </a:spcBef>
+              <a:spcAft>
+                <a:spcPts val="0"/>
+              </a:spcAft>
+              <a:buClr>
+                <a:srgbClr val="000000"/>
+              </a:buClr>
+              <a:buFont typeface="Arial"/>
+              <a:buNone/>
+            </a:pPr>
+            <a:endParaRPr lang="en-US" sz="4800" dirty="0">
+              <a:solidFill>
+                <a:schemeClr val="dk1"/>
+              </a:solidFill>
+              <a:latin typeface="+mn-lt"/>
+              <a:ea typeface="Cambria"/>
+              <a:cs typeface="Cambria"/>
+              <a:sym typeface="Cambria"/>
+            </a:endParaRPr>
+          </a:p>
+          <a:p>
+            <a:pPr marL="0" marR="0" lvl="0" indent="0" rtl="0">
+              <a:lnSpc>
+                <a:spcPct val="100000"/>
+              </a:lnSpc>
+              <a:spcBef>
+                <a:spcPts val="0"/>
+              </a:spcBef>
+              <a:spcAft>
+                <a:spcPts val="0"/>
+              </a:spcAft>
+              <a:buClr>
+                <a:srgbClr val="000000"/>
+              </a:buClr>
+              <a:buFont typeface="Arial"/>
+              <a:buNone/>
+            </a:pPr>
+            <a:endParaRPr lang="en-US" sz="4800" dirty="0">
+              <a:solidFill>
+                <a:schemeClr val="dk1"/>
+              </a:solidFill>
+              <a:latin typeface="+mn-lt"/>
+              <a:ea typeface="Cambria"/>
+              <a:cs typeface="Cambria"/>
+              <a:sym typeface="Cambria"/>
+            </a:endParaRPr>
+          </a:p>
+          <a:p>
+            <a:pPr marL="0" marR="0" lvl="0" indent="0" rtl="0">
+              <a:lnSpc>
+                <a:spcPct val="100000"/>
+              </a:lnSpc>
+              <a:spcBef>
+                <a:spcPts val="0"/>
+              </a:spcBef>
+              <a:spcAft>
+                <a:spcPts val="0"/>
+              </a:spcAft>
+              <a:buClr>
+                <a:srgbClr val="000000"/>
+              </a:buClr>
+              <a:buFont typeface="Arial"/>
+              <a:buNone/>
+            </a:pPr>
+            <a:endParaRPr lang="en-US" sz="4800" dirty="0">
+              <a:solidFill>
+                <a:schemeClr val="dk1"/>
+              </a:solidFill>
+              <a:latin typeface="+mn-lt"/>
+              <a:ea typeface="Cambria"/>
+              <a:cs typeface="Cambria"/>
+              <a:sym typeface="Cambria"/>
+            </a:endParaRPr>
+          </a:p>
+          <a:p>
+            <a:pPr marL="0" marR="0" lvl="0" indent="0" rtl="0">
+              <a:lnSpc>
+                <a:spcPct val="100000"/>
+              </a:lnSpc>
+              <a:spcBef>
+                <a:spcPts val="0"/>
+              </a:spcBef>
+              <a:spcAft>
+                <a:spcPts val="0"/>
+              </a:spcAft>
+              <a:buClr>
+                <a:srgbClr val="000000"/>
+              </a:buClr>
+              <a:buFont typeface="Arial"/>
+              <a:buNone/>
+            </a:pPr>
+            <a:endParaRPr lang="en-US" sz="4800" dirty="0">
+              <a:solidFill>
+                <a:schemeClr val="dk1"/>
+              </a:solidFill>
+              <a:latin typeface="+mn-lt"/>
+              <a:ea typeface="Cambria"/>
+              <a:cs typeface="Cambria"/>
+              <a:sym typeface="Cambria"/>
+            </a:endParaRPr>
+          </a:p>
+          <a:p>
+            <a:pPr marL="0" marR="0" lvl="0" indent="0" rtl="0">
+              <a:lnSpc>
+                <a:spcPct val="100000"/>
+              </a:lnSpc>
+              <a:spcBef>
+                <a:spcPts val="0"/>
+              </a:spcBef>
+              <a:spcAft>
+                <a:spcPts val="0"/>
+              </a:spcAft>
+              <a:buClr>
+                <a:srgbClr val="000000"/>
+              </a:buClr>
+              <a:buFont typeface="Arial"/>
+              <a:buNone/>
+            </a:pPr>
+            <a:endParaRPr lang="en-US" sz="4800" dirty="0">
+              <a:solidFill>
+                <a:schemeClr val="dk1"/>
+              </a:solidFill>
+              <a:latin typeface="+mn-lt"/>
+              <a:ea typeface="Cambria"/>
+              <a:cs typeface="Cambria"/>
+              <a:sym typeface="Cambria"/>
+            </a:endParaRPr>
+          </a:p>
+          <a:p>
+            <a:pPr marL="0" marR="0" lvl="0" indent="0" rtl="0">
+              <a:lnSpc>
+                <a:spcPct val="100000"/>
+              </a:lnSpc>
+              <a:spcBef>
+                <a:spcPts val="0"/>
+              </a:spcBef>
+              <a:spcAft>
+                <a:spcPts val="0"/>
+              </a:spcAft>
+              <a:buClr>
+                <a:srgbClr val="000000"/>
+              </a:buClr>
+              <a:buFont typeface="Arial"/>
+              <a:buNone/>
+            </a:pPr>
+            <a:endParaRPr lang="en-US" sz="4800" dirty="0">
+              <a:solidFill>
+                <a:schemeClr val="dk1"/>
+              </a:solidFill>
+              <a:latin typeface="+mn-lt"/>
+              <a:ea typeface="Cambria"/>
+              <a:cs typeface="Cambria"/>
+              <a:sym typeface="Cambria"/>
+            </a:endParaRPr>
+          </a:p>
+          <a:p>
+            <a:pPr marL="0" marR="0" lvl="0" indent="0" rtl="0">
+              <a:lnSpc>
+                <a:spcPct val="100000"/>
+              </a:lnSpc>
+              <a:spcBef>
+                <a:spcPts val="0"/>
+              </a:spcBef>
+              <a:spcAft>
+                <a:spcPts val="0"/>
+              </a:spcAft>
+              <a:buClr>
+                <a:srgbClr val="000000"/>
+              </a:buClr>
+              <a:buFont typeface="Arial"/>
+              <a:buNone/>
+            </a:pPr>
+            <a:endParaRPr lang="en-US" sz="4800" dirty="0">
+              <a:solidFill>
+                <a:schemeClr val="dk1"/>
+              </a:solidFill>
+              <a:latin typeface="+mn-lt"/>
+              <a:ea typeface="Cambria"/>
+              <a:cs typeface="Cambria"/>
+              <a:sym typeface="Cambria"/>
+            </a:endParaRPr>
+          </a:p>
+          <a:p>
+            <a:pPr marL="0" marR="0" lvl="0" indent="0" rtl="0">
+              <a:lnSpc>
+                <a:spcPct val="100000"/>
+              </a:lnSpc>
+              <a:spcBef>
+                <a:spcPts val="0"/>
+              </a:spcBef>
+              <a:spcAft>
+                <a:spcPts val="0"/>
+              </a:spcAft>
+              <a:buClr>
+                <a:srgbClr val="000000"/>
+              </a:buClr>
+              <a:buFont typeface="Arial"/>
+              <a:buNone/>
+            </a:pPr>
+            <a:r>
+              <a:rPr lang="en-US" sz="4800" dirty="0">
+                <a:solidFill>
+                  <a:schemeClr val="dk1"/>
+                </a:solidFill>
+                <a:latin typeface="+mn-lt"/>
+                <a:ea typeface="Cambria"/>
+                <a:cs typeface="Cambria"/>
+                <a:sym typeface="Cambria"/>
+              </a:rPr>
+              <a:t>Here is a topic sentence for these results. Here is another sentence introducing the plots. This discussion can continue until the end of the bubble</a:t>
+            </a:r>
           </a:p>
         </p:txBody>
       </p:sp>
@@ -3069,8 +3333,8 @@
         </p:nvSpPr>
         <p:spPr>
           <a:xfrm>
-            <a:off x="217600" y="5999375"/>
-            <a:ext cx="12005400" cy="9464399"/>
+            <a:off x="273896" y="5910621"/>
+            <a:ext cx="12005400" cy="9741941"/>
           </a:xfrm>
           <a:prstGeom prst="roundRect">
             <a:avLst>
@@ -3468,7 +3732,7 @@
         <p:spPr>
           <a:xfrm>
             <a:off x="322121" y="15652562"/>
-            <a:ext cx="12006029" cy="8409362"/>
+            <a:ext cx="12006029" cy="8641982"/>
           </a:xfrm>
           <a:prstGeom prst="roundRect">
             <a:avLst>
@@ -4059,7 +4323,7 @@
         <p:spPr>
           <a:xfrm>
             <a:off x="33141350" y="5999374"/>
-            <a:ext cx="10597799" cy="21040739"/>
+            <a:ext cx="10597799" cy="21389082"/>
           </a:xfrm>
           <a:prstGeom prst="roundRect">
             <a:avLst>
@@ -4113,15 +4377,42 @@
               </a:rPr>
               <a:t>Discussion</a:t>
             </a:r>
-            <a:endParaRPr sz="7200" b="1" i="0" u="none" strike="noStrike" cap="none" dirty="0">
+            <a:endParaRPr lang="en-US" sz="7200" b="1" dirty="0">
               <a:solidFill>
                 <a:schemeClr val="dk1"/>
               </a:solidFill>
               <a:latin typeface="+mn-lt"/>
-              <a:ea typeface="Arial"/>
-              <a:cs typeface="Arial"/>
-              <a:sym typeface="Arial"/>
             </a:endParaRPr>
+          </a:p>
+          <a:p>
+            <a:pPr marL="0" marR="0" lvl="0" indent="0" rtl="0">
+              <a:lnSpc>
+                <a:spcPct val="120000"/>
+              </a:lnSpc>
+              <a:spcBef>
+                <a:spcPts val="0"/>
+              </a:spcBef>
+              <a:spcAft>
+                <a:spcPts val="0"/>
+              </a:spcAft>
+              <a:buClr>
+                <a:srgbClr val="000000"/>
+              </a:buClr>
+              <a:buFont typeface="Arial"/>
+              <a:buNone/>
+            </a:pPr>
+            <a:r>
+              <a:rPr lang="en-US" sz="4800" i="0" u="none" strike="noStrike" cap="none" dirty="0">
+                <a:solidFill>
+                  <a:schemeClr val="dk1"/>
+                </a:solidFill>
+                <a:latin typeface="+mn-lt"/>
+                <a:ea typeface="Arial"/>
+                <a:cs typeface="Arial"/>
+                <a:sym typeface="Arial"/>
+              </a:rPr>
+              <a:t>Here is the discussion on the experimental results. This can include some bullet points and a general discussion of our thoughts, shortcomings, or just our feelings</a:t>
+            </a:r>
           </a:p>
         </p:txBody>
       </p:sp>
@@ -4134,7 +4425,7 @@
         <p:spPr>
           <a:xfrm>
             <a:off x="12328150" y="18936612"/>
-            <a:ext cx="20503164" cy="13767237"/>
+            <a:ext cx="20862054" cy="13767237"/>
           </a:xfrm>
           <a:prstGeom prst="roundRect">
             <a:avLst>
@@ -4215,6 +4506,252 @@
               </a:rPr>
               <a:t>Continuous Action Space Task Results</a:t>
             </a:r>
+            <a:endParaRPr lang="en-US" sz="9600" b="1" dirty="0">
+              <a:solidFill>
+                <a:schemeClr val="dk1"/>
+              </a:solidFill>
+              <a:latin typeface="+mn-lt"/>
+              <a:ea typeface="Cambria"/>
+              <a:cs typeface="Cambria"/>
+              <a:sym typeface="Cambria"/>
+            </a:endParaRPr>
+          </a:p>
+          <a:p>
+            <a:pPr marL="0" marR="0" lvl="0" indent="0" rtl="0">
+              <a:lnSpc>
+                <a:spcPct val="100000"/>
+              </a:lnSpc>
+              <a:spcBef>
+                <a:spcPts val="0"/>
+              </a:spcBef>
+              <a:spcAft>
+                <a:spcPts val="0"/>
+              </a:spcAft>
+              <a:buClr>
+                <a:srgbClr val="000000"/>
+              </a:buClr>
+              <a:buFont typeface="Arial"/>
+              <a:buNone/>
+            </a:pPr>
+            <a:endParaRPr lang="en-US" sz="7200" dirty="0">
+              <a:solidFill>
+                <a:schemeClr val="dk1"/>
+              </a:solidFill>
+              <a:latin typeface="+mn-lt"/>
+              <a:ea typeface="Cambria"/>
+              <a:cs typeface="Cambria"/>
+              <a:sym typeface="Cambria"/>
+            </a:endParaRPr>
+          </a:p>
+          <a:p>
+            <a:pPr marL="0" marR="0" lvl="0" indent="0" rtl="0">
+              <a:lnSpc>
+                <a:spcPct val="100000"/>
+              </a:lnSpc>
+              <a:spcBef>
+                <a:spcPts val="0"/>
+              </a:spcBef>
+              <a:spcAft>
+                <a:spcPts val="0"/>
+              </a:spcAft>
+              <a:buClr>
+                <a:srgbClr val="000000"/>
+              </a:buClr>
+              <a:buFont typeface="Arial"/>
+              <a:buNone/>
+            </a:pPr>
+            <a:endParaRPr lang="en-US" sz="7200" dirty="0">
+              <a:solidFill>
+                <a:schemeClr val="dk1"/>
+              </a:solidFill>
+              <a:latin typeface="+mn-lt"/>
+              <a:ea typeface="Cambria"/>
+              <a:cs typeface="Cambria"/>
+              <a:sym typeface="Cambria"/>
+            </a:endParaRPr>
+          </a:p>
+          <a:p>
+            <a:pPr marL="0" marR="0" lvl="0" indent="0" rtl="0">
+              <a:lnSpc>
+                <a:spcPct val="100000"/>
+              </a:lnSpc>
+              <a:spcBef>
+                <a:spcPts val="0"/>
+              </a:spcBef>
+              <a:spcAft>
+                <a:spcPts val="0"/>
+              </a:spcAft>
+              <a:buClr>
+                <a:srgbClr val="000000"/>
+              </a:buClr>
+              <a:buFont typeface="Arial"/>
+              <a:buNone/>
+            </a:pPr>
+            <a:endParaRPr lang="en-US" sz="7200" dirty="0">
+              <a:solidFill>
+                <a:schemeClr val="dk1"/>
+              </a:solidFill>
+              <a:latin typeface="+mn-lt"/>
+              <a:ea typeface="Cambria"/>
+              <a:cs typeface="Cambria"/>
+              <a:sym typeface="Cambria"/>
+            </a:endParaRPr>
+          </a:p>
+          <a:p>
+            <a:pPr marL="0" marR="0" lvl="0" indent="0" rtl="0">
+              <a:lnSpc>
+                <a:spcPct val="100000"/>
+              </a:lnSpc>
+              <a:spcBef>
+                <a:spcPts val="0"/>
+              </a:spcBef>
+              <a:spcAft>
+                <a:spcPts val="0"/>
+              </a:spcAft>
+              <a:buClr>
+                <a:srgbClr val="000000"/>
+              </a:buClr>
+              <a:buFont typeface="Arial"/>
+              <a:buNone/>
+            </a:pPr>
+            <a:endParaRPr lang="en-US" sz="7200" dirty="0">
+              <a:solidFill>
+                <a:schemeClr val="dk1"/>
+              </a:solidFill>
+              <a:latin typeface="+mn-lt"/>
+              <a:ea typeface="Cambria"/>
+              <a:cs typeface="Cambria"/>
+              <a:sym typeface="Cambria"/>
+            </a:endParaRPr>
+          </a:p>
+          <a:p>
+            <a:pPr marL="0" marR="0" lvl="0" indent="0" rtl="0">
+              <a:lnSpc>
+                <a:spcPct val="100000"/>
+              </a:lnSpc>
+              <a:spcBef>
+                <a:spcPts val="0"/>
+              </a:spcBef>
+              <a:spcAft>
+                <a:spcPts val="0"/>
+              </a:spcAft>
+              <a:buClr>
+                <a:srgbClr val="000000"/>
+              </a:buClr>
+              <a:buFont typeface="Arial"/>
+              <a:buNone/>
+            </a:pPr>
+            <a:endParaRPr lang="en-US" sz="7200" dirty="0">
+              <a:solidFill>
+                <a:schemeClr val="dk1"/>
+              </a:solidFill>
+              <a:latin typeface="+mn-lt"/>
+              <a:ea typeface="Cambria"/>
+              <a:cs typeface="Cambria"/>
+              <a:sym typeface="Cambria"/>
+            </a:endParaRPr>
+          </a:p>
+          <a:p>
+            <a:pPr marL="0" marR="0" lvl="0" indent="0" rtl="0">
+              <a:lnSpc>
+                <a:spcPct val="100000"/>
+              </a:lnSpc>
+              <a:spcBef>
+                <a:spcPts val="0"/>
+              </a:spcBef>
+              <a:spcAft>
+                <a:spcPts val="0"/>
+              </a:spcAft>
+              <a:buClr>
+                <a:srgbClr val="000000"/>
+              </a:buClr>
+              <a:buFont typeface="Arial"/>
+              <a:buNone/>
+            </a:pPr>
+            <a:endParaRPr lang="en-US" sz="7200" dirty="0">
+              <a:solidFill>
+                <a:schemeClr val="dk1"/>
+              </a:solidFill>
+              <a:latin typeface="+mn-lt"/>
+              <a:ea typeface="Cambria"/>
+              <a:cs typeface="Cambria"/>
+              <a:sym typeface="Cambria"/>
+            </a:endParaRPr>
+          </a:p>
+          <a:p>
+            <a:pPr marL="0" marR="0" lvl="0" indent="0" rtl="0">
+              <a:lnSpc>
+                <a:spcPct val="100000"/>
+              </a:lnSpc>
+              <a:spcBef>
+                <a:spcPts val="0"/>
+              </a:spcBef>
+              <a:spcAft>
+                <a:spcPts val="0"/>
+              </a:spcAft>
+              <a:buClr>
+                <a:srgbClr val="000000"/>
+              </a:buClr>
+              <a:buFont typeface="Arial"/>
+              <a:buNone/>
+            </a:pPr>
+            <a:endParaRPr lang="en-US" sz="7200" dirty="0">
+              <a:solidFill>
+                <a:schemeClr val="dk1"/>
+              </a:solidFill>
+              <a:latin typeface="+mn-lt"/>
+              <a:ea typeface="Cambria"/>
+              <a:cs typeface="Cambria"/>
+              <a:sym typeface="Cambria"/>
+            </a:endParaRPr>
+          </a:p>
+          <a:p>
+            <a:pPr marL="0" marR="0" lvl="0" indent="0" rtl="0">
+              <a:lnSpc>
+                <a:spcPct val="100000"/>
+              </a:lnSpc>
+              <a:spcBef>
+                <a:spcPts val="0"/>
+              </a:spcBef>
+              <a:spcAft>
+                <a:spcPts val="0"/>
+              </a:spcAft>
+              <a:buClr>
+                <a:srgbClr val="000000"/>
+              </a:buClr>
+              <a:buFont typeface="Arial"/>
+              <a:buNone/>
+            </a:pPr>
+            <a:r>
+              <a:rPr lang="en-US" sz="4800" dirty="0">
+                <a:solidFill>
+                  <a:schemeClr val="dk1"/>
+                </a:solidFill>
+                <a:latin typeface="+mn-lt"/>
+                <a:ea typeface="Cambria"/>
+                <a:cs typeface="Cambria"/>
+                <a:sym typeface="Cambria"/>
+              </a:rPr>
+              <a:t>Here is a topic sentence for these results. Here is another sentence introducing the plots. This discussion can continue until the end of the bubble</a:t>
+            </a:r>
+          </a:p>
+          <a:p>
+            <a:pPr marL="0" marR="0" lvl="0" indent="0" algn="ctr" rtl="0">
+              <a:lnSpc>
+                <a:spcPct val="100000"/>
+              </a:lnSpc>
+              <a:spcBef>
+                <a:spcPts val="0"/>
+              </a:spcBef>
+              <a:spcAft>
+                <a:spcPts val="0"/>
+              </a:spcAft>
+              <a:buClr>
+                <a:srgbClr val="000000"/>
+              </a:buClr>
+              <a:buFont typeface="Arial"/>
+              <a:buNone/>
+            </a:pPr>
             <a:endParaRPr sz="7200" b="1" i="0" u="none" strike="noStrike" cap="none" dirty="0">
               <a:solidFill>
                 <a:schemeClr val="dk1"/>
@@ -4249,7 +4786,7 @@
         </p:blipFill>
         <p:spPr>
           <a:xfrm>
-            <a:off x="293225" y="23904334"/>
+            <a:off x="535078" y="20949687"/>
             <a:ext cx="11483036" cy="1249259"/>
           </a:xfrm>
           <a:prstGeom prst="rect">
@@ -4311,6 +4848,156 @@
           <a:xfrm>
             <a:off x="1969864" y="26224990"/>
             <a:ext cx="3656336" cy="5134942"/>
+          </a:xfrm>
+          <a:prstGeom prst="rect">
+            <a:avLst/>
+          </a:prstGeom>
+        </p:spPr>
+      </p:pic>
+      <p:pic>
+        <p:nvPicPr>
+          <p:cNvPr id="9" name="Picture 8" descr="Graphical user interface, application&#10;&#10;Description automatically generated">
+            <a:extLst>
+              <a:ext uri="{FF2B5EF4-FFF2-40B4-BE49-F238E27FC236}">
+                <a16:creationId xmlns:a16="http://schemas.microsoft.com/office/drawing/2014/main" id="{5203F467-9D89-4FC4-AA91-E20C24BCB5DB}"/>
+              </a:ext>
+            </a:extLst>
+          </p:cNvPr>
+          <p:cNvPicPr>
+            <a:picLocks noChangeAspect="1"/>
+          </p:cNvPicPr>
+          <p:nvPr/>
+        </p:nvPicPr>
+        <p:blipFill>
+          <a:blip r:embed="rId6"/>
+          <a:stretch>
+            <a:fillRect/>
+          </a:stretch>
+        </p:blipFill>
+        <p:spPr>
+          <a:xfrm>
+            <a:off x="14229029" y="8163600"/>
+            <a:ext cx="4334480" cy="6087325"/>
+          </a:xfrm>
+          <a:prstGeom prst="rect">
+            <a:avLst/>
+          </a:prstGeom>
+        </p:spPr>
+      </p:pic>
+      <p:pic>
+        <p:nvPicPr>
+          <p:cNvPr id="27" name="Picture 26">
+            <a:extLst>
+              <a:ext uri="{FF2B5EF4-FFF2-40B4-BE49-F238E27FC236}">
+                <a16:creationId xmlns:a16="http://schemas.microsoft.com/office/drawing/2014/main" id="{642360B1-5E0C-4898-B771-5C4F44CDE6A4}"/>
+              </a:ext>
+            </a:extLst>
+          </p:cNvPr>
+          <p:cNvPicPr>
+            <a:picLocks noChangeAspect="1"/>
+          </p:cNvPicPr>
+          <p:nvPr/>
+        </p:nvPicPr>
+        <p:blipFill>
+          <a:blip r:embed="rId6"/>
+          <a:stretch>
+            <a:fillRect/>
+          </a:stretch>
+        </p:blipFill>
+        <p:spPr>
+          <a:xfrm>
+            <a:off x="20412492" y="8058605"/>
+            <a:ext cx="4334480" cy="6087325"/>
+          </a:xfrm>
+          <a:prstGeom prst="rect">
+            <a:avLst/>
+          </a:prstGeom>
+        </p:spPr>
+      </p:pic>
+      <p:pic>
+        <p:nvPicPr>
+          <p:cNvPr id="28" name="Picture 27">
+            <a:extLst>
+              <a:ext uri="{FF2B5EF4-FFF2-40B4-BE49-F238E27FC236}">
+                <a16:creationId xmlns:a16="http://schemas.microsoft.com/office/drawing/2014/main" id="{FA0964B9-AF65-4268-BC8E-44AE764111BA}"/>
+              </a:ext>
+            </a:extLst>
+          </p:cNvPr>
+          <p:cNvPicPr>
+            <a:picLocks noChangeAspect="1"/>
+          </p:cNvPicPr>
+          <p:nvPr/>
+        </p:nvPicPr>
+        <p:blipFill>
+          <a:blip r:embed="rId6"/>
+          <a:stretch>
+            <a:fillRect/>
+          </a:stretch>
+        </p:blipFill>
+        <p:spPr>
+          <a:xfrm>
+            <a:off x="26432082" y="8120511"/>
+            <a:ext cx="4334480" cy="6087325"/>
+          </a:xfrm>
+          <a:prstGeom prst="rect">
+            <a:avLst/>
+          </a:prstGeom>
+        </p:spPr>
+      </p:pic>
+      <p:pic>
+        <p:nvPicPr>
+          <p:cNvPr id="30" name="Picture 29" descr="Graphical user interface, application&#10;&#10;Description automatically generated">
+            <a:extLst>
+              <a:ext uri="{FF2B5EF4-FFF2-40B4-BE49-F238E27FC236}">
+                <a16:creationId xmlns:a16="http://schemas.microsoft.com/office/drawing/2014/main" id="{1B2F0686-0B9F-45A6-B621-72CBB1402B7A}"/>
+              </a:ext>
+            </a:extLst>
+          </p:cNvPr>
+          <p:cNvPicPr>
+            <a:picLocks noChangeAspect="1"/>
+          </p:cNvPicPr>
+          <p:nvPr/>
+        </p:nvPicPr>
+        <p:blipFill>
+          <a:blip r:embed="rId6"/>
+          <a:stretch>
+            <a:fillRect/>
+          </a:stretch>
+        </p:blipFill>
+        <p:spPr>
+          <a:xfrm>
+            <a:off x="23343391" y="21493475"/>
+            <a:ext cx="4334480" cy="6087325"/>
+          </a:xfrm>
+          <a:prstGeom prst="rect">
+            <a:avLst/>
+          </a:prstGeom>
+        </p:spPr>
+      </p:pic>
+      <p:pic>
+        <p:nvPicPr>
+          <p:cNvPr id="32" name="Picture 31" descr="Graphical user interface, application&#10;&#10;Description automatically generated">
+            <a:extLst>
+              <a:ext uri="{FF2B5EF4-FFF2-40B4-BE49-F238E27FC236}">
+                <a16:creationId xmlns:a16="http://schemas.microsoft.com/office/drawing/2014/main" id="{85548F10-D5AC-4D36-88B9-B1FDAD51F66C}"/>
+              </a:ext>
+            </a:extLst>
+          </p:cNvPr>
+          <p:cNvPicPr>
+            <a:picLocks noChangeAspect="1"/>
+          </p:cNvPicPr>
+          <p:nvPr/>
+        </p:nvPicPr>
+        <p:blipFill>
+          <a:blip r:embed="rId6"/>
+          <a:stretch>
+            <a:fillRect/>
+          </a:stretch>
+        </p:blipFill>
+        <p:spPr>
+          <a:xfrm>
+            <a:off x="17443974" y="21574316"/>
+            <a:ext cx="4334480" cy="6087325"/>
           </a:xfrm>
           <a:prstGeom prst="rect">
             <a:avLst/>

--- a/final/presentation_poster.pptx
+++ b/final/presentation_poster.pptx
@@ -5002,6 +5002,100 @@
           <a:prstGeom prst="rect">
             <a:avLst/>
           </a:prstGeom>
+        </p:spPr>
+      </p:pic>
+      <p:pic>
+        <p:nvPicPr>
+          <p:cNvPr id="1026" name="Picture 2">
+            <a:extLst>
+              <a:ext uri="{FF2B5EF4-FFF2-40B4-BE49-F238E27FC236}">
+                <a16:creationId xmlns:a16="http://schemas.microsoft.com/office/drawing/2014/main" id="{7AE4124A-53F5-4251-A608-09E11A5783D6}"/>
+              </a:ext>
+            </a:extLst>
+          </p:cNvPr>
+          <p:cNvPicPr>
+            <a:picLocks noChangeAspect="1" noChangeArrowheads="1"/>
+          </p:cNvPicPr>
+          <p:nvPr/>
+        </p:nvPicPr>
+        <p:blipFill>
+          <a:blip r:embed="rId7">
+            <a:extLst>
+              <a:ext uri="{28A0092B-C50C-407E-A947-70E740481C1C}">
+                <a14:useLocalDpi xmlns:a14="http://schemas.microsoft.com/office/drawing/2010/main" val="0"/>
+              </a:ext>
+            </a:extLst>
+          </a:blip>
+          <a:srcRect/>
+          <a:stretch>
+            <a:fillRect/>
+          </a:stretch>
+        </p:blipFill>
+        <p:spPr bwMode="auto">
+          <a:xfrm>
+            <a:off x="17443974" y="22573795"/>
+            <a:ext cx="6096000" cy="4572000"/>
+          </a:xfrm>
+          <a:prstGeom prst="rect">
+            <a:avLst/>
+          </a:prstGeom>
+          <a:noFill/>
+          <a:extLst>
+            <a:ext uri="{909E8E84-426E-40DD-AFC4-6F175D3DCCD1}">
+              <a14:hiddenFill xmlns:a14="http://schemas.microsoft.com/office/drawing/2010/main">
+                <a:solidFill>
+                  <a:srgbClr val="FFFFFF"/>
+                </a:solidFill>
+              </a14:hiddenFill>
+            </a:ext>
+          </a:extLst>
+        </p:spPr>
+      </p:pic>
+      <p:pic>
+        <p:nvPicPr>
+          <p:cNvPr id="1028" name="Picture 4">
+            <a:extLst>
+              <a:ext uri="{FF2B5EF4-FFF2-40B4-BE49-F238E27FC236}">
+                <a16:creationId xmlns:a16="http://schemas.microsoft.com/office/drawing/2014/main" id="{A7B3AD53-5382-4C25-965D-322B90E5023B}"/>
+              </a:ext>
+            </a:extLst>
+          </p:cNvPr>
+          <p:cNvPicPr>
+            <a:picLocks noChangeAspect="1" noChangeArrowheads="1"/>
+          </p:cNvPicPr>
+          <p:nvPr/>
+        </p:nvPicPr>
+        <p:blipFill>
+          <a:blip r:embed="rId8">
+            <a:extLst>
+              <a:ext uri="{28A0092B-C50C-407E-A947-70E740481C1C}">
+                <a14:useLocalDpi xmlns:a14="http://schemas.microsoft.com/office/drawing/2010/main" val="0"/>
+              </a:ext>
+            </a:extLst>
+          </a:blip>
+          <a:srcRect/>
+          <a:stretch>
+            <a:fillRect/>
+          </a:stretch>
+        </p:blipFill>
+        <p:spPr bwMode="auto">
+          <a:xfrm>
+            <a:off x="23343391" y="22251137"/>
+            <a:ext cx="6096000" cy="4572000"/>
+          </a:xfrm>
+          <a:prstGeom prst="rect">
+            <a:avLst/>
+          </a:prstGeom>
+          <a:noFill/>
+          <a:extLst>
+            <a:ext uri="{909E8E84-426E-40DD-AFC4-6F175D3DCCD1}">
+              <a14:hiddenFill xmlns:a14="http://schemas.microsoft.com/office/drawing/2010/main">
+                <a:solidFill>
+                  <a:srgbClr val="FFFFFF"/>
+                </a:solidFill>
+              </a14:hiddenFill>
+            </a:ext>
+          </a:extLst>
         </p:spPr>
       </p:pic>
     </p:spTree>

--- a/final/presentation_poster.pptx
+++ b/final/presentation_poster.pptx
@@ -3026,7 +3026,7 @@
               <a:buNone/>
             </a:pPr>
             <a:r>
-              <a:rPr lang="en-US" sz="7200" b="1" i="0" u="none" strike="noStrike" cap="none" dirty="0">
+              <a:rPr lang="en-US" sz="7200" b="1" i="0" u="none" strike="noStrike" cap="none">
                 <a:solidFill>
                   <a:schemeClr val="dk1"/>
                 </a:solidFill>
@@ -3035,10 +3035,10 @@
                 <a:cs typeface="Cambria"/>
                 <a:sym typeface="Cambria"/>
               </a:rPr>
-              <a:t>Dis</a:t>
+              <a:t>Breakout-v0 </a:t>
             </a:r>
             <a:r>
-              <a:rPr lang="en-US" sz="7200" b="1" dirty="0">
+              <a:rPr lang="en-US" sz="7200" b="1">
                 <a:solidFill>
                   <a:schemeClr val="dk1"/>
                 </a:solidFill>
@@ -3047,7 +3047,19 @@
                 <a:cs typeface="Cambria"/>
                 <a:sym typeface="Cambria"/>
               </a:rPr>
-              <a:t>crete Action Space Task Results</a:t>
+              <a:t>Task </a:t>
+            </a:r>
+            <a:r>
+              <a:rPr lang="en-US" sz="7200" b="1" dirty="0">
+                <a:solidFill>
+                  <a:schemeClr val="dk1"/>
+                </a:solidFill>
+                <a:latin typeface="+mn-lt"/>
+                <a:ea typeface="Cambria"/>
+                <a:cs typeface="Cambria"/>
+                <a:sym typeface="Cambria"/>
+              </a:rPr>
+              <a:t>Results</a:t>
             </a:r>
           </a:p>
           <a:p>
@@ -4504,7 +4516,28 @@
                 <a:cs typeface="Arial"/>
                 <a:sym typeface="Arial"/>
               </a:rPr>
-              <a:t>Continuous Action Space Task Results</a:t>
+              <a:t>MountainCar-</a:t>
+            </a:r>
+            <a:r>
+              <a:rPr lang="en-US" sz="7200" b="1" dirty="0">
+                <a:solidFill>
+                  <a:schemeClr val="dk1"/>
+                </a:solidFill>
+                <a:latin typeface="+mn-lt"/>
+              </a:rPr>
+              <a:t>v0 </a:t>
+            </a:r>
+            <a:r>
+              <a:rPr lang="en-US" sz="7200" b="1" i="0" u="none" strike="noStrike" cap="none" dirty="0">
+                <a:solidFill>
+                  <a:schemeClr val="dk1"/>
+                </a:solidFill>
+                <a:latin typeface="+mn-lt"/>
+                <a:ea typeface="Arial"/>
+                <a:cs typeface="Arial"/>
+                <a:sym typeface="Arial"/>
+              </a:rPr>
+              <a:t>Task Results</a:t>
             </a:r>
             <a:endParaRPr lang="en-US" sz="9600" b="1" dirty="0">
               <a:solidFill>

--- a/final/presentation_poster.pptx
+++ b/final/presentation_poster.pptx
@@ -4423,7 +4423,130 @@
                 <a:cs typeface="Arial"/>
                 <a:sym typeface="Arial"/>
               </a:rPr>
-              <a:t>Here is the discussion on the experimental results. This can include some bullet points and a general discussion of our thoughts, shortcomings, or just our feelings</a:t>
+              <a:t>Here is the discussion on the experimental results. This can include some bullet points and a general discussion of our thoughts, shortcomings, or just our feelings.</a:t>
+            </a:r>
+          </a:p>
+          <a:p>
+            <a:pPr marL="0" marR="0" lvl="0" indent="0" rtl="0">
+              <a:lnSpc>
+                <a:spcPct val="120000"/>
+              </a:lnSpc>
+              <a:spcBef>
+                <a:spcPts val="0"/>
+              </a:spcBef>
+              <a:spcAft>
+                <a:spcPts val="0"/>
+              </a:spcAft>
+              <a:buClr>
+                <a:srgbClr val="000000"/>
+              </a:buClr>
+              <a:buFont typeface="Arial"/>
+              <a:buNone/>
+            </a:pPr>
+            <a:endParaRPr lang="en-US" sz="4800" dirty="0">
+              <a:solidFill>
+                <a:schemeClr val="dk1"/>
+              </a:solidFill>
+              <a:latin typeface="+mn-lt"/>
+            </a:endParaRPr>
+          </a:p>
+          <a:p>
+            <a:pPr marL="0" marR="0" lvl="0" indent="0" rtl="0">
+              <a:lnSpc>
+                <a:spcPct val="120000"/>
+              </a:lnSpc>
+              <a:spcBef>
+                <a:spcPts val="0"/>
+              </a:spcBef>
+              <a:spcAft>
+                <a:spcPts val="0"/>
+              </a:spcAft>
+              <a:buClr>
+                <a:srgbClr val="000000"/>
+              </a:buClr>
+              <a:buFont typeface="Arial"/>
+              <a:buNone/>
+            </a:pPr>
+            <a:endParaRPr lang="en-US" sz="4800" i="0" u="none" strike="noStrike" cap="none" dirty="0">
+              <a:solidFill>
+                <a:schemeClr val="dk1"/>
+              </a:solidFill>
+              <a:latin typeface="+mn-lt"/>
+              <a:ea typeface="Arial"/>
+              <a:cs typeface="Arial"/>
+              <a:sym typeface="Arial"/>
+            </a:endParaRPr>
+          </a:p>
+          <a:p>
+            <a:pPr marL="0" marR="0" lvl="0" indent="0" rtl="0">
+              <a:lnSpc>
+                <a:spcPct val="120000"/>
+              </a:lnSpc>
+              <a:spcBef>
+                <a:spcPts val="0"/>
+              </a:spcBef>
+              <a:spcAft>
+                <a:spcPts val="0"/>
+              </a:spcAft>
+              <a:buClr>
+                <a:srgbClr val="000000"/>
+              </a:buClr>
+              <a:buFont typeface="Arial"/>
+              <a:buNone/>
+            </a:pPr>
+            <a:r>
+              <a:rPr lang="en-US" sz="4800" b="1" i="0" u="none" strike="noStrike" cap="none" dirty="0">
+                <a:solidFill>
+                  <a:schemeClr val="dk1"/>
+                </a:solidFill>
+                <a:latin typeface="+mn-lt"/>
+                <a:ea typeface="Arial"/>
+                <a:cs typeface="Arial"/>
+                <a:sym typeface="Arial"/>
+              </a:rPr>
+              <a:t>Rainbow</a:t>
+            </a:r>
+            <a:r>
+              <a:rPr lang="en-US" sz="4800" i="0" u="none" strike="noStrike" cap="none" dirty="0">
+                <a:solidFill>
+                  <a:schemeClr val="dk1"/>
+                </a:solidFill>
+                <a:latin typeface="+mn-lt"/>
+                <a:ea typeface="Arial"/>
+                <a:cs typeface="Arial"/>
+                <a:sym typeface="Arial"/>
+              </a:rPr>
+              <a:t>, part of our inspiration:</a:t>
+            </a:r>
+          </a:p>
+          <a:p>
+            <a:pPr marL="0" marR="0" lvl="0" indent="0" rtl="0">
+              <a:lnSpc>
+                <a:spcPct val="120000"/>
+              </a:lnSpc>
+              <a:spcBef>
+                <a:spcPts val="0"/>
+              </a:spcBef>
+              <a:spcAft>
+                <a:spcPts val="0"/>
+              </a:spcAft>
+              <a:buClr>
+                <a:srgbClr val="000000"/>
+              </a:buClr>
+              <a:buFont typeface="Arial"/>
+              <a:buNone/>
+            </a:pPr>
+            <a:r>
+              <a:rPr lang="en-US" sz="4800" i="0" u="none" strike="noStrike" cap="none" dirty="0">
+                <a:solidFill>
+                  <a:schemeClr val="dk1"/>
+                </a:solidFill>
+                <a:latin typeface="+mn-lt"/>
+                <a:ea typeface="Arial"/>
+                <a:cs typeface="Arial"/>
+                <a:sym typeface="Arial"/>
+              </a:rPr>
+              <a:t>https://paperswithcode.com/method/rainbow-dqn</a:t>
             </a:r>
           </a:p>
         </p:txBody>
@@ -5115,6 +5238,53 @@
           <a:xfrm>
             <a:off x="23343391" y="22251137"/>
             <a:ext cx="6096000" cy="4572000"/>
+          </a:xfrm>
+          <a:prstGeom prst="rect">
+            <a:avLst/>
+          </a:prstGeom>
+          <a:noFill/>
+          <a:extLst>
+            <a:ext uri="{909E8E84-426E-40DD-AFC4-6F175D3DCCD1}">
+              <a14:hiddenFill xmlns:a14="http://schemas.microsoft.com/office/drawing/2010/main">
+                <a:solidFill>
+                  <a:srgbClr val="FFFFFF"/>
+                </a:solidFill>
+              </a14:hiddenFill>
+            </a:ext>
+          </a:extLst>
+        </p:spPr>
+      </p:pic>
+      <p:pic>
+        <p:nvPicPr>
+          <p:cNvPr id="2" name="Picture 2">
+            <a:extLst>
+              <a:ext uri="{FF2B5EF4-FFF2-40B4-BE49-F238E27FC236}">
+                <a16:creationId xmlns:a16="http://schemas.microsoft.com/office/drawing/2014/main" id="{0217C5AC-EA8A-45BB-94BF-515F1B14F14A}"/>
+              </a:ext>
+            </a:extLst>
+          </p:cNvPr>
+          <p:cNvPicPr>
+            <a:picLocks noChangeAspect="1" noChangeArrowheads="1"/>
+          </p:cNvPicPr>
+          <p:nvPr/>
+        </p:nvPicPr>
+        <p:blipFill>
+          <a:blip r:embed="rId9">
+            <a:extLst>
+              <a:ext uri="{28A0092B-C50C-407E-A947-70E740481C1C}">
+                <a14:useLocalDpi xmlns:a14="http://schemas.microsoft.com/office/drawing/2010/main" val="0"/>
+              </a:ext>
+            </a:extLst>
+          </a:blip>
+          <a:srcRect/>
+          <a:stretch>
+            <a:fillRect/>
+          </a:stretch>
+        </p:blipFill>
+        <p:spPr bwMode="auto">
+          <a:xfrm>
+            <a:off x="35063022" y="16521728"/>
+            <a:ext cx="6705600" cy="8096250"/>
           </a:xfrm>
           <a:prstGeom prst="rect">
             <a:avLst/>

--- a/final/presentation_poster.pptx
+++ b/final/presentation_poster.pptx
@@ -3479,8 +3479,8 @@
         </p:nvSpPr>
         <p:spPr>
           <a:xfrm>
-            <a:off x="11955315" y="357949"/>
-            <a:ext cx="30568256" cy="3860700"/>
+            <a:off x="10336363" y="226513"/>
+            <a:ext cx="26014056" cy="3860700"/>
           </a:xfrm>
           <a:prstGeom prst="rect">
             <a:avLst/>
@@ -3514,7 +3514,7 @@
               <a:buNone/>
             </a:pPr>
             <a:r>
-              <a:rPr lang="en-US" sz="8800" b="1" i="0" u="none" strike="noStrike" cap="none" dirty="0">
+              <a:rPr lang="en-US" sz="8000" b="1" i="0" u="none" strike="noStrike" cap="none" dirty="0">
                 <a:solidFill>
                   <a:schemeClr val="dk1"/>
                 </a:solidFill>
@@ -3545,7 +3545,7 @@
               <a:buNone/>
             </a:pPr>
             <a:r>
-              <a:rPr lang="en-US" sz="8800" b="1" i="0" u="none" strike="noStrike" cap="none" dirty="0">
+              <a:rPr lang="en-US" sz="8000" b="1" i="0" u="none" strike="noStrike" cap="none" dirty="0">
                 <a:solidFill>
                   <a:schemeClr val="dk1"/>
                 </a:solidFill>
@@ -3576,7 +3576,7 @@
               <a:buNone/>
             </a:pPr>
             <a:r>
-              <a:rPr lang="en-US" sz="6600" b="1" i="0" u="none" strike="noStrike" cap="none" dirty="0" err="1">
+              <a:rPr lang="en-US" sz="6000" b="1" i="0" u="none" strike="noStrike" cap="none" dirty="0" err="1">
                 <a:solidFill>
                   <a:schemeClr val="dk1"/>
                 </a:solidFill>
@@ -3588,7 +3588,7 @@
               <a:t>Jannik</a:t>
             </a:r>
             <a:r>
-              <a:rPr lang="en-US" sz="6600" b="1" i="0" u="none" strike="noStrike" cap="none" dirty="0">
+              <a:rPr lang="en-US" sz="6000" b="1" i="0" u="none" strike="noStrike" cap="none" dirty="0">
                 <a:solidFill>
                   <a:schemeClr val="dk1"/>
                 </a:solidFill>
@@ -3597,7 +3597,7 @@
                 <a:cs typeface="Arial"/>
                 <a:sym typeface="Arial"/>
               </a:rPr>
-              <a:t> Haas, Quincy Hershey, Brian Lewandowski, Alex Moore, Scott Tang</a:t>
+              <a:t> Haas, Quincy Hershey, Brian Lewandowski,</a:t>
             </a:r>
           </a:p>
           <a:p>
@@ -3612,12 +3612,43 @@
                 <a:spcPts val="0"/>
               </a:spcAft>
               <a:buClr>
+                <a:schemeClr val="dk1"/>
+              </a:buClr>
+              <a:buSzPct val="25000"/>
+              <a:buFont typeface="Arial"/>
+              <a:buNone/>
+            </a:pPr>
+            <a:r>
+              <a:rPr lang="en-US" sz="6000" b="1" i="0" u="none" strike="noStrike" cap="none" dirty="0">
+                <a:solidFill>
+                  <a:schemeClr val="dk1"/>
+                </a:solidFill>
+                <a:latin typeface="+mn-lt"/>
+                <a:ea typeface="Arial"/>
+                <a:cs typeface="Arial"/>
+                <a:sym typeface="Arial"/>
+              </a:rPr>
+              <a:t>Alex Moore, Scott Tang</a:t>
+            </a:r>
+          </a:p>
+          <a:p>
+            <a:pPr marL="0" marR="0" lvl="0" indent="0" algn="ctr" rtl="0">
+              <a:lnSpc>
+                <a:spcPct val="100000"/>
+              </a:lnSpc>
+              <a:spcBef>
+                <a:spcPts val="0"/>
+              </a:spcBef>
+              <a:spcAft>
+                <a:spcPts val="0"/>
+              </a:spcAft>
+              <a:buClr>
                 <a:srgbClr val="000000"/>
               </a:buClr>
               <a:buFont typeface="Arial"/>
               <a:buNone/>
             </a:pPr>
-            <a:endParaRPr sz="4600" b="1" i="0" u="none" strike="noStrike" cap="none" dirty="0">
+            <a:endParaRPr sz="4400" b="1" i="0" u="none" strike="noStrike" cap="none" dirty="0">
               <a:solidFill>
                 <a:schemeClr val="dk1"/>
               </a:solidFill>
@@ -5301,6 +5332,41 @@
           </a:extLst>
         </p:spPr>
       </p:pic>
+      <p:sp>
+        <p:nvSpPr>
+          <p:cNvPr id="4" name="TextBox 3">
+            <a:extLst>
+              <a:ext uri="{FF2B5EF4-FFF2-40B4-BE49-F238E27FC236}">
+                <a16:creationId xmlns:a16="http://schemas.microsoft.com/office/drawing/2014/main" id="{49955954-7F42-4497-90F9-232BC62ED741}"/>
+              </a:ext>
+            </a:extLst>
+          </p:cNvPr>
+          <p:cNvSpPr txBox="1"/>
+          <p:nvPr/>
+        </p:nvSpPr>
+        <p:spPr>
+          <a:xfrm>
+            <a:off x="35618057" y="3671714"/>
+            <a:ext cx="9166120" cy="830997"/>
+          </a:xfrm>
+          <a:prstGeom prst="rect">
+            <a:avLst/>
+          </a:prstGeom>
+          <a:noFill/>
+        </p:spPr>
+        <p:txBody>
+          <a:bodyPr wrap="square" rtlCol="0">
+            <a:spAutoFit/>
+          </a:bodyPr>
+          <a:lstStyle/>
+          <a:p>
+            <a:r>
+              <a:rPr lang="en-US" sz="4800" dirty="0"/>
+              <a:t>Gihhub.com/moorea1/cs525</a:t>
+            </a:r>
+          </a:p>
+        </p:txBody>
+      </p:sp>
     </p:spTree>
   </p:cSld>
   <p:clrMapOvr>

--- a/final/presentation_poster.pptx
+++ b/final/presentation_poster.pptx
@@ -231,6 +231,14 @@
     </p:ext>
   </p:extLst>
 </p:presentation>
+</file>
+
+<file path=ppt/revisionInfo.xml><?xml version="1.0" encoding="utf-8"?>
+<p1510:revInfo xmlns:a="http://schemas.openxmlformats.org/drawingml/2006/main" xmlns:r="http://schemas.openxmlformats.org/officeDocument/2006/relationships" xmlns:p1510="http://schemas.microsoft.com/office/powerpoint/2015/10/main">
+  <p1510:revLst>
+    <p1510:client id="{737BB19E-EE9B-48F6-AADA-1BCD1C462E4B}" v="7" dt="2020-12-08T05:31:09.551"/>
+  </p1510:revLst>
+</p1510:revInfo>
 </file>
 
 <file path=ppt/notesMasters/notesMaster1.xml><?xml version="1.0" encoding="utf-8"?>
@@ -3862,63 +3870,7 @@
                 </a:solidFill>
                 <a:latin typeface="+mn-lt"/>
               </a:rPr>
-              <a:t>	We use two primary model domains, continuous- and discrete-action space designed models:</a:t>
-            </a:r>
-          </a:p>
-          <a:p>
-            <a:pPr marL="914400" marR="0" lvl="0" indent="-914400" rtl="0">
-              <a:lnSpc>
-                <a:spcPct val="100000"/>
-              </a:lnSpc>
-              <a:spcBef>
-                <a:spcPts val="0"/>
-              </a:spcBef>
-              <a:spcAft>
-                <a:spcPts val="0"/>
-              </a:spcAft>
-              <a:buClr>
-                <a:schemeClr val="dk1"/>
-              </a:buClr>
-              <a:buSzPct val="25000"/>
-              <a:buFont typeface="Arial"/>
-              <a:buAutoNum type="arabicPeriod"/>
-            </a:pPr>
-            <a:r>
-              <a:rPr lang="en-US" sz="4800" dirty="0">
-                <a:solidFill>
-                  <a:schemeClr val="dk1"/>
-                </a:solidFill>
-                <a:latin typeface="+mn-lt"/>
-              </a:rPr>
-              <a:t>DQN, Dueling DQN, Double DQN</a:t>
-            </a:r>
-          </a:p>
-          <a:p>
-            <a:pPr marL="914400" marR="0" lvl="0" indent="-914400" rtl="0">
-              <a:lnSpc>
-                <a:spcPct val="100000"/>
-              </a:lnSpc>
-              <a:spcBef>
-                <a:spcPts val="0"/>
-              </a:spcBef>
-              <a:spcAft>
-                <a:spcPts val="0"/>
-              </a:spcAft>
-              <a:buClr>
-                <a:schemeClr val="dk1"/>
-              </a:buClr>
-              <a:buSzPct val="25000"/>
-              <a:buFont typeface="Arial"/>
-              <a:buAutoNum type="arabicPeriod"/>
-            </a:pPr>
-            <a:r>
-              <a:rPr lang="en-US" sz="4800" dirty="0">
-                <a:solidFill>
-                  <a:schemeClr val="dk1"/>
-                </a:solidFill>
-                <a:latin typeface="+mn-lt"/>
-              </a:rPr>
-              <a:t>REINFORCE, PPO, MC</a:t>
+              <a:t>	</a:t>
             </a:r>
           </a:p>
           <a:p>
@@ -4973,7 +4925,7 @@
         </p:blipFill>
         <p:spPr>
           <a:xfrm>
-            <a:off x="535078" y="20949687"/>
+            <a:off x="446588" y="26347597"/>
             <a:ext cx="11483036" cy="1249259"/>
           </a:xfrm>
           <a:prstGeom prst="rect">
@@ -5367,6 +5319,36 @@
           </a:p>
         </p:txBody>
       </p:sp>
+      <p:pic>
+        <p:nvPicPr>
+          <p:cNvPr id="6" name="Picture 7" descr="Diagram, venn diagram&#10;&#10;Description automatically generated">
+            <a:extLst>
+              <a:ext uri="{FF2B5EF4-FFF2-40B4-BE49-F238E27FC236}">
+                <a16:creationId xmlns:a16="http://schemas.microsoft.com/office/drawing/2014/main" id="{42E5FCD0-3660-4822-BCD1-92B11EF20E30}"/>
+              </a:ext>
+            </a:extLst>
+          </p:cNvPr>
+          <p:cNvPicPr>
+            <a:picLocks noChangeAspect="1"/>
+          </p:cNvPicPr>
+          <p:nvPr/>
+        </p:nvPicPr>
+        <p:blipFill>
+          <a:blip r:embed="rId10"/>
+          <a:stretch>
+            <a:fillRect/>
+          </a:stretch>
+        </p:blipFill>
+        <p:spPr>
+          <a:xfrm>
+            <a:off x="1150374" y="17148136"/>
+            <a:ext cx="9999406" cy="6497766"/>
+          </a:xfrm>
+          <a:prstGeom prst="rect">
+            <a:avLst/>
+          </a:prstGeom>
+        </p:spPr>
+      </p:pic>
     </p:spTree>
   </p:cSld>
   <p:clrMapOvr>

--- a/final/presentation_poster.pptx
+++ b/final/presentation_poster.pptx
@@ -236,7 +236,7 @@
 <file path=ppt/revisionInfo.xml><?xml version="1.0" encoding="utf-8"?>
 <p1510:revInfo xmlns:a="http://schemas.openxmlformats.org/drawingml/2006/main" xmlns:r="http://schemas.openxmlformats.org/officeDocument/2006/relationships" xmlns:p1510="http://schemas.microsoft.com/office/powerpoint/2015/10/main">
   <p1510:revLst>
-    <p1510:client id="{737BB19E-EE9B-48F6-AADA-1BCD1C462E4B}" v="7" dt="2020-12-08T05:31:09.551"/>
+    <p1510:client id="{737BB19E-EE9B-48F6-AADA-1BCD1C462E4B}" v="21" dt="2020-12-08T06:30:55.529"/>
   </p1510:revLst>
 </p1510:revInfo>
 </file>
@@ -4905,66 +4905,6 @@
       </p:sp>
       <p:pic>
         <p:nvPicPr>
-          <p:cNvPr id="3" name="Picture 2" descr="Table&#10;&#10;Description automatically generated">
-            <a:extLst>
-              <a:ext uri="{FF2B5EF4-FFF2-40B4-BE49-F238E27FC236}">
-                <a16:creationId xmlns:a16="http://schemas.microsoft.com/office/drawing/2014/main" id="{FED1A48B-7EA2-4670-8E8D-24D9F0E98C58}"/>
-              </a:ext>
-            </a:extLst>
-          </p:cNvPr>
-          <p:cNvPicPr>
-            <a:picLocks noChangeAspect="1"/>
-          </p:cNvPicPr>
-          <p:nvPr/>
-        </p:nvPicPr>
-        <p:blipFill>
-          <a:blip r:embed="rId4"/>
-          <a:stretch>
-            <a:fillRect/>
-          </a:stretch>
-        </p:blipFill>
-        <p:spPr>
-          <a:xfrm>
-            <a:off x="446588" y="26347597"/>
-            <a:ext cx="11483036" cy="1249259"/>
-          </a:xfrm>
-          <a:prstGeom prst="rect">
-            <a:avLst/>
-          </a:prstGeom>
-        </p:spPr>
-      </p:pic>
-      <p:pic>
-        <p:nvPicPr>
-          <p:cNvPr id="5" name="Picture 4" descr="Shape&#10;&#10;Description automatically generated">
-            <a:extLst>
-              <a:ext uri="{FF2B5EF4-FFF2-40B4-BE49-F238E27FC236}">
-                <a16:creationId xmlns:a16="http://schemas.microsoft.com/office/drawing/2014/main" id="{BD2D1ACA-99C3-4FD4-A6B1-702F74912C09}"/>
-              </a:ext>
-            </a:extLst>
-          </p:cNvPr>
-          <p:cNvPicPr>
-            <a:picLocks noChangeAspect="1"/>
-          </p:cNvPicPr>
-          <p:nvPr/>
-        </p:nvPicPr>
-        <p:blipFill>
-          <a:blip r:embed="rId5"/>
-          <a:stretch>
-            <a:fillRect/>
-          </a:stretch>
-        </p:blipFill>
-        <p:spPr>
-          <a:xfrm>
-            <a:off x="5936236" y="27236481"/>
-            <a:ext cx="5356015" cy="3504696"/>
-          </a:xfrm>
-          <a:prstGeom prst="rect">
-            <a:avLst/>
-          </a:prstGeom>
-        </p:spPr>
-      </p:pic>
-      <p:pic>
-        <p:nvPicPr>
           <p:cNvPr id="7" name="Picture 6" descr="Graphical user interface, application&#10;&#10;Description automatically generated">
             <a:extLst>
               <a:ext uri="{FF2B5EF4-FFF2-40B4-BE49-F238E27FC236}">
@@ -4978,7 +4918,7 @@
           <p:nvPr/>
         </p:nvPicPr>
         <p:blipFill>
-          <a:blip r:embed="rId6"/>
+          <a:blip r:embed="rId4"/>
           <a:stretch>
             <a:fillRect/>
           </a:stretch>
@@ -5008,7 +4948,7 @@
           <p:nvPr/>
         </p:nvPicPr>
         <p:blipFill>
-          <a:blip r:embed="rId6"/>
+          <a:blip r:embed="rId4"/>
           <a:stretch>
             <a:fillRect/>
           </a:stretch>
@@ -5038,7 +4978,7 @@
           <p:nvPr/>
         </p:nvPicPr>
         <p:blipFill>
-          <a:blip r:embed="rId6"/>
+          <a:blip r:embed="rId4"/>
           <a:stretch>
             <a:fillRect/>
           </a:stretch>
@@ -5068,7 +5008,7 @@
           <p:nvPr/>
         </p:nvPicPr>
         <p:blipFill>
-          <a:blip r:embed="rId6"/>
+          <a:blip r:embed="rId4"/>
           <a:stretch>
             <a:fillRect/>
           </a:stretch>
@@ -5098,14 +5038,14 @@
           <p:nvPr/>
         </p:nvPicPr>
         <p:blipFill>
-          <a:blip r:embed="rId6"/>
+          <a:blip r:embed="rId4"/>
           <a:stretch>
             <a:fillRect/>
           </a:stretch>
         </p:blipFill>
         <p:spPr>
           <a:xfrm>
-            <a:off x="23343391" y="21493475"/>
+            <a:off x="24936217" y="20874043"/>
             <a:ext cx="4334480" cy="6087325"/>
           </a:xfrm>
           <a:prstGeom prst="rect">
@@ -5128,7 +5068,7 @@
           <p:nvPr/>
         </p:nvPicPr>
         <p:blipFill>
-          <a:blip r:embed="rId6"/>
+          <a:blip r:embed="rId4"/>
           <a:stretch>
             <a:fillRect/>
           </a:stretch>
@@ -5158,7 +5098,7 @@
           <p:nvPr/>
         </p:nvPicPr>
         <p:blipFill>
-          <a:blip r:embed="rId7">
+          <a:blip r:embed="rId5">
             <a:extLst>
               <a:ext uri="{28A0092B-C50C-407E-A947-70E740481C1C}">
                 <a14:useLocalDpi xmlns:a14="http://schemas.microsoft.com/office/drawing/2010/main" val="0"/>
@@ -5205,7 +5145,7 @@
           <p:nvPr/>
         </p:nvPicPr>
         <p:blipFill>
-          <a:blip r:embed="rId8">
+          <a:blip r:embed="rId6">
             <a:extLst>
               <a:ext uri="{28A0092B-C50C-407E-A947-70E740481C1C}">
                 <a14:useLocalDpi xmlns:a14="http://schemas.microsoft.com/office/drawing/2010/main" val="0"/>
@@ -5252,7 +5192,7 @@
           <p:nvPr/>
         </p:nvPicPr>
         <p:blipFill>
-          <a:blip r:embed="rId9">
+          <a:blip r:embed="rId7">
             <a:extLst>
               <a:ext uri="{28A0092B-C50C-407E-A947-70E740481C1C}">
                 <a14:useLocalDpi xmlns:a14="http://schemas.microsoft.com/office/drawing/2010/main" val="0"/>
@@ -5334,7 +5274,7 @@
           <p:nvPr/>
         </p:nvPicPr>
         <p:blipFill>
-          <a:blip r:embed="rId10"/>
+          <a:blip r:embed="rId8"/>
           <a:stretch>
             <a:fillRect/>
           </a:stretch>
@@ -5343,6 +5283,36 @@
           <a:xfrm>
             <a:off x="1150374" y="17148136"/>
             <a:ext cx="9999406" cy="6497766"/>
+          </a:xfrm>
+          <a:prstGeom prst="rect">
+            <a:avLst/>
+          </a:prstGeom>
+        </p:spPr>
+      </p:pic>
+      <p:pic>
+        <p:nvPicPr>
+          <p:cNvPr id="8" name="Picture 9" descr="Diagram&#10;&#10;Description automatically generated">
+            <a:extLst>
+              <a:ext uri="{FF2B5EF4-FFF2-40B4-BE49-F238E27FC236}">
+                <a16:creationId xmlns:a16="http://schemas.microsoft.com/office/drawing/2014/main" id="{085A9D5B-9E75-45ED-B073-0512629635B1}"/>
+              </a:ext>
+            </a:extLst>
+          </p:cNvPr>
+          <p:cNvPicPr>
+            <a:picLocks noChangeAspect="1"/>
+          </p:cNvPicPr>
+          <p:nvPr/>
+        </p:nvPicPr>
+        <p:blipFill>
+          <a:blip r:embed="rId9"/>
+          <a:stretch>
+            <a:fillRect/>
+          </a:stretch>
+        </p:blipFill>
+        <p:spPr>
+          <a:xfrm>
+            <a:off x="6194322" y="26241529"/>
+            <a:ext cx="4601496" cy="5124142"/>
           </a:xfrm>
           <a:prstGeom prst="rect">
             <a:avLst/>

--- a/final/presentation_poster.pptx
+++ b/final/presentation_poster.pptx
@@ -3034,7 +3034,7 @@
               <a:buNone/>
             </a:pPr>
             <a:r>
-              <a:rPr lang="en-US" sz="7200" b="1" i="0" u="none" strike="noStrike" cap="none">
+              <a:rPr lang="en-US" sz="7200" b="1" i="0" u="none" strike="noStrike" cap="none" dirty="0">
                 <a:solidFill>
                   <a:schemeClr val="dk1"/>
                 </a:solidFill>
@@ -3046,7 +3046,7 @@
               <a:t>Breakout-v0 </a:t>
             </a:r>
             <a:r>
-              <a:rPr lang="en-US" sz="7200" b="1">
+              <a:rPr lang="en-US" sz="7200" b="1" dirty="0">
                 <a:solidFill>
                   <a:schemeClr val="dk1"/>
                 </a:solidFill>
@@ -3055,19 +3055,7 @@
                 <a:cs typeface="Cambria"/>
                 <a:sym typeface="Cambria"/>
               </a:rPr>
-              <a:t>Task </a:t>
-            </a:r>
-            <a:r>
-              <a:rPr lang="en-US" sz="7200" b="1" dirty="0">
-                <a:solidFill>
-                  <a:schemeClr val="dk1"/>
-                </a:solidFill>
-                <a:latin typeface="+mn-lt"/>
-                <a:ea typeface="Cambria"/>
-                <a:cs typeface="Cambria"/>
-                <a:sym typeface="Cambria"/>
-              </a:rPr>
-              <a:t>Results</a:t>
+              <a:t>Task Results</a:t>
             </a:r>
           </a:p>
           <a:p>
@@ -4935,156 +4923,6 @@
       </p:pic>
       <p:pic>
         <p:nvPicPr>
-          <p:cNvPr id="9" name="Picture 8" descr="Graphical user interface, application&#10;&#10;Description automatically generated">
-            <a:extLst>
-              <a:ext uri="{FF2B5EF4-FFF2-40B4-BE49-F238E27FC236}">
-                <a16:creationId xmlns:a16="http://schemas.microsoft.com/office/drawing/2014/main" id="{5203F467-9D89-4FC4-AA91-E20C24BCB5DB}"/>
-              </a:ext>
-            </a:extLst>
-          </p:cNvPr>
-          <p:cNvPicPr>
-            <a:picLocks noChangeAspect="1"/>
-          </p:cNvPicPr>
-          <p:nvPr/>
-        </p:nvPicPr>
-        <p:blipFill>
-          <a:blip r:embed="rId4"/>
-          <a:stretch>
-            <a:fillRect/>
-          </a:stretch>
-        </p:blipFill>
-        <p:spPr>
-          <a:xfrm>
-            <a:off x="14229029" y="8163600"/>
-            <a:ext cx="4334480" cy="6087325"/>
-          </a:xfrm>
-          <a:prstGeom prst="rect">
-            <a:avLst/>
-          </a:prstGeom>
-        </p:spPr>
-      </p:pic>
-      <p:pic>
-        <p:nvPicPr>
-          <p:cNvPr id="27" name="Picture 26">
-            <a:extLst>
-              <a:ext uri="{FF2B5EF4-FFF2-40B4-BE49-F238E27FC236}">
-                <a16:creationId xmlns:a16="http://schemas.microsoft.com/office/drawing/2014/main" id="{642360B1-5E0C-4898-B771-5C4F44CDE6A4}"/>
-              </a:ext>
-            </a:extLst>
-          </p:cNvPr>
-          <p:cNvPicPr>
-            <a:picLocks noChangeAspect="1"/>
-          </p:cNvPicPr>
-          <p:nvPr/>
-        </p:nvPicPr>
-        <p:blipFill>
-          <a:blip r:embed="rId4"/>
-          <a:stretch>
-            <a:fillRect/>
-          </a:stretch>
-        </p:blipFill>
-        <p:spPr>
-          <a:xfrm>
-            <a:off x="20412492" y="8058605"/>
-            <a:ext cx="4334480" cy="6087325"/>
-          </a:xfrm>
-          <a:prstGeom prst="rect">
-            <a:avLst/>
-          </a:prstGeom>
-        </p:spPr>
-      </p:pic>
-      <p:pic>
-        <p:nvPicPr>
-          <p:cNvPr id="28" name="Picture 27">
-            <a:extLst>
-              <a:ext uri="{FF2B5EF4-FFF2-40B4-BE49-F238E27FC236}">
-                <a16:creationId xmlns:a16="http://schemas.microsoft.com/office/drawing/2014/main" id="{FA0964B9-AF65-4268-BC8E-44AE764111BA}"/>
-              </a:ext>
-            </a:extLst>
-          </p:cNvPr>
-          <p:cNvPicPr>
-            <a:picLocks noChangeAspect="1"/>
-          </p:cNvPicPr>
-          <p:nvPr/>
-        </p:nvPicPr>
-        <p:blipFill>
-          <a:blip r:embed="rId4"/>
-          <a:stretch>
-            <a:fillRect/>
-          </a:stretch>
-        </p:blipFill>
-        <p:spPr>
-          <a:xfrm>
-            <a:off x="26432082" y="8120511"/>
-            <a:ext cx="4334480" cy="6087325"/>
-          </a:xfrm>
-          <a:prstGeom prst="rect">
-            <a:avLst/>
-          </a:prstGeom>
-        </p:spPr>
-      </p:pic>
-      <p:pic>
-        <p:nvPicPr>
-          <p:cNvPr id="30" name="Picture 29" descr="Graphical user interface, application&#10;&#10;Description automatically generated">
-            <a:extLst>
-              <a:ext uri="{FF2B5EF4-FFF2-40B4-BE49-F238E27FC236}">
-                <a16:creationId xmlns:a16="http://schemas.microsoft.com/office/drawing/2014/main" id="{1B2F0686-0B9F-45A6-B621-72CBB1402B7A}"/>
-              </a:ext>
-            </a:extLst>
-          </p:cNvPr>
-          <p:cNvPicPr>
-            <a:picLocks noChangeAspect="1"/>
-          </p:cNvPicPr>
-          <p:nvPr/>
-        </p:nvPicPr>
-        <p:blipFill>
-          <a:blip r:embed="rId4"/>
-          <a:stretch>
-            <a:fillRect/>
-          </a:stretch>
-        </p:blipFill>
-        <p:spPr>
-          <a:xfrm>
-            <a:off x="24936217" y="20874043"/>
-            <a:ext cx="4334480" cy="6087325"/>
-          </a:xfrm>
-          <a:prstGeom prst="rect">
-            <a:avLst/>
-          </a:prstGeom>
-        </p:spPr>
-      </p:pic>
-      <p:pic>
-        <p:nvPicPr>
-          <p:cNvPr id="32" name="Picture 31" descr="Graphical user interface, application&#10;&#10;Description automatically generated">
-            <a:extLst>
-              <a:ext uri="{FF2B5EF4-FFF2-40B4-BE49-F238E27FC236}">
-                <a16:creationId xmlns:a16="http://schemas.microsoft.com/office/drawing/2014/main" id="{85548F10-D5AC-4D36-88B9-B1FDAD51F66C}"/>
-              </a:ext>
-            </a:extLst>
-          </p:cNvPr>
-          <p:cNvPicPr>
-            <a:picLocks noChangeAspect="1"/>
-          </p:cNvPicPr>
-          <p:nvPr/>
-        </p:nvPicPr>
-        <p:blipFill>
-          <a:blip r:embed="rId4"/>
-          <a:stretch>
-            <a:fillRect/>
-          </a:stretch>
-        </p:blipFill>
-        <p:spPr>
-          <a:xfrm>
-            <a:off x="17443974" y="21574316"/>
-            <a:ext cx="4334480" cy="6087325"/>
-          </a:xfrm>
-          <a:prstGeom prst="rect">
-            <a:avLst/>
-          </a:prstGeom>
-        </p:spPr>
-      </p:pic>
-      <p:pic>
-        <p:nvPicPr>
           <p:cNvPr id="1026" name="Picture 2">
             <a:extLst>
               <a:ext uri="{FF2B5EF4-FFF2-40B4-BE49-F238E27FC236}">
@@ -5112,7 +4950,7 @@
         </p:blipFill>
         <p:spPr bwMode="auto">
           <a:xfrm>
-            <a:off x="17443974" y="22573795"/>
+            <a:off x="25694068" y="24669920"/>
             <a:ext cx="6096000" cy="4572000"/>
           </a:xfrm>
           <a:prstGeom prst="rect">
@@ -5159,7 +4997,7 @@
         </p:blipFill>
         <p:spPr bwMode="auto">
           <a:xfrm>
-            <a:off x="23343391" y="22251137"/>
+            <a:off x="25551322" y="20225889"/>
             <a:ext cx="6096000" cy="4572000"/>
           </a:xfrm>
           <a:prstGeom prst="rect">
@@ -5313,6 +5151,96 @@
           <a:xfrm>
             <a:off x="6194322" y="26241529"/>
             <a:ext cx="4601496" cy="5124142"/>
+          </a:xfrm>
+          <a:prstGeom prst="rect">
+            <a:avLst/>
+          </a:prstGeom>
+        </p:spPr>
+      </p:pic>
+      <p:pic>
+        <p:nvPicPr>
+          <p:cNvPr id="5" name="Picture 4" descr="Chart, line chart&#10;&#10;Description automatically generated">
+            <a:extLst>
+              <a:ext uri="{FF2B5EF4-FFF2-40B4-BE49-F238E27FC236}">
+                <a16:creationId xmlns:a16="http://schemas.microsoft.com/office/drawing/2014/main" id="{9C88683D-20E1-4723-8CB1-53BC7745BAAE}"/>
+              </a:ext>
+            </a:extLst>
+          </p:cNvPr>
+          <p:cNvPicPr>
+            <a:picLocks noChangeAspect="1"/>
+          </p:cNvPicPr>
+          <p:nvPr/>
+        </p:nvPicPr>
+        <p:blipFill>
+          <a:blip r:embed="rId10"/>
+          <a:stretch>
+            <a:fillRect/>
+          </a:stretch>
+        </p:blipFill>
+        <p:spPr>
+          <a:xfrm>
+            <a:off x="19460178" y="24852791"/>
+            <a:ext cx="5852172" cy="4389129"/>
+          </a:xfrm>
+          <a:prstGeom prst="rect">
+            <a:avLst/>
+          </a:prstGeom>
+        </p:spPr>
+      </p:pic>
+      <p:pic>
+        <p:nvPicPr>
+          <p:cNvPr id="11" name="Picture 10" descr="Chart, histogram&#10;&#10;Description automatically generated">
+            <a:extLst>
+              <a:ext uri="{FF2B5EF4-FFF2-40B4-BE49-F238E27FC236}">
+                <a16:creationId xmlns:a16="http://schemas.microsoft.com/office/drawing/2014/main" id="{F1C0C8DC-E863-4F82-B168-A17380FA61F3}"/>
+              </a:ext>
+            </a:extLst>
+          </p:cNvPr>
+          <p:cNvPicPr>
+            <a:picLocks noChangeAspect="1"/>
+          </p:cNvPicPr>
+          <p:nvPr/>
+        </p:nvPicPr>
+        <p:blipFill>
+          <a:blip r:embed="rId11"/>
+          <a:stretch>
+            <a:fillRect/>
+          </a:stretch>
+        </p:blipFill>
+        <p:spPr>
+          <a:xfrm>
+            <a:off x="19317432" y="20482766"/>
+            <a:ext cx="5852172" cy="4389129"/>
+          </a:xfrm>
+          <a:prstGeom prst="rect">
+            <a:avLst/>
+          </a:prstGeom>
+        </p:spPr>
+      </p:pic>
+      <p:pic>
+        <p:nvPicPr>
+          <p:cNvPr id="13" name="Picture 12">
+            <a:extLst>
+              <a:ext uri="{FF2B5EF4-FFF2-40B4-BE49-F238E27FC236}">
+                <a16:creationId xmlns:a16="http://schemas.microsoft.com/office/drawing/2014/main" id="{64D726D8-7BF4-4D68-B0E2-E8D96D4362D8}"/>
+              </a:ext>
+            </a:extLst>
+          </p:cNvPr>
+          <p:cNvPicPr>
+            <a:picLocks noChangeAspect="1"/>
+          </p:cNvPicPr>
+          <p:nvPr/>
+        </p:nvPicPr>
+        <p:blipFill>
+          <a:blip r:embed="rId12"/>
+          <a:stretch>
+            <a:fillRect/>
+          </a:stretch>
+        </p:blipFill>
+        <p:spPr>
+          <a:xfrm>
+            <a:off x="12925990" y="21665042"/>
+            <a:ext cx="6327659" cy="6413706"/>
           </a:xfrm>
           <a:prstGeom prst="rect">
             <a:avLst/>

--- a/final/presentation_poster.pptx
+++ b/final/presentation_poster.pptx
@@ -5241,6 +5241,171 @@
           <a:xfrm>
             <a:off x="12925990" y="21665042"/>
             <a:ext cx="6327659" cy="6413706"/>
+          </a:xfrm>
+          <a:prstGeom prst="rect">
+            <a:avLst/>
+          </a:prstGeom>
+        </p:spPr>
+      </p:pic>
+      <p:pic>
+        <p:nvPicPr>
+          <p:cNvPr id="9" name="Picture 8">
+            <a:extLst>
+              <a:ext uri="{FF2B5EF4-FFF2-40B4-BE49-F238E27FC236}">
+                <a16:creationId xmlns:a16="http://schemas.microsoft.com/office/drawing/2014/main" id="{09B76B76-C0AE-4E7A-BE7C-5BE50EA2D896}"/>
+              </a:ext>
+            </a:extLst>
+          </p:cNvPr>
+          <p:cNvPicPr>
+            <a:picLocks noChangeAspect="1"/>
+          </p:cNvPicPr>
+          <p:nvPr/>
+        </p:nvPicPr>
+        <p:blipFill>
+          <a:blip r:embed="rId13"/>
+          <a:stretch>
+            <a:fillRect/>
+          </a:stretch>
+        </p:blipFill>
+        <p:spPr>
+          <a:xfrm>
+            <a:off x="13608006" y="8725175"/>
+            <a:ext cx="5852172" cy="4389129"/>
+          </a:xfrm>
+          <a:prstGeom prst="rect">
+            <a:avLst/>
+          </a:prstGeom>
+        </p:spPr>
+      </p:pic>
+      <p:sp>
+        <p:nvSpPr>
+          <p:cNvPr id="10" name="TextBox 9">
+            <a:extLst>
+              <a:ext uri="{FF2B5EF4-FFF2-40B4-BE49-F238E27FC236}">
+                <a16:creationId xmlns:a16="http://schemas.microsoft.com/office/drawing/2014/main" id="{D8BB50B6-AEA0-4414-AF39-52B4B67571B5}"/>
+              </a:ext>
+            </a:extLst>
+          </p:cNvPr>
+          <p:cNvSpPr txBox="1"/>
+          <p:nvPr/>
+        </p:nvSpPr>
+        <p:spPr>
+          <a:xfrm>
+            <a:off x="15817971" y="13783958"/>
+            <a:ext cx="4560086" cy="769441"/>
+          </a:xfrm>
+          <a:prstGeom prst="rect">
+            <a:avLst/>
+          </a:prstGeom>
+          <a:noFill/>
+        </p:spPr>
+        <p:txBody>
+          <a:bodyPr wrap="square" rtlCol="0">
+            <a:spAutoFit/>
+          </a:bodyPr>
+          <a:lstStyle/>
+          <a:p>
+            <a:r>
+              <a:rPr lang="en-US" sz="4400" dirty="0"/>
+              <a:t>DQN</a:t>
+            </a:r>
+          </a:p>
+        </p:txBody>
+      </p:sp>
+      <p:sp>
+        <p:nvSpPr>
+          <p:cNvPr id="27" name="TextBox 26">
+            <a:extLst>
+              <a:ext uri="{FF2B5EF4-FFF2-40B4-BE49-F238E27FC236}">
+                <a16:creationId xmlns:a16="http://schemas.microsoft.com/office/drawing/2014/main" id="{96860623-D799-4C5C-951C-A2D6D5A9C6DC}"/>
+              </a:ext>
+            </a:extLst>
+          </p:cNvPr>
+          <p:cNvSpPr txBox="1"/>
+          <p:nvPr/>
+        </p:nvSpPr>
+        <p:spPr>
+          <a:xfrm>
+            <a:off x="26462025" y="13153238"/>
+            <a:ext cx="4560086" cy="769441"/>
+          </a:xfrm>
+          <a:prstGeom prst="rect">
+            <a:avLst/>
+          </a:prstGeom>
+          <a:noFill/>
+        </p:spPr>
+        <p:txBody>
+          <a:bodyPr wrap="square" rtlCol="0">
+            <a:spAutoFit/>
+          </a:bodyPr>
+          <a:lstStyle/>
+          <a:p>
+            <a:r>
+              <a:rPr lang="en-US" sz="4400" dirty="0"/>
+              <a:t>Dueling DQN</a:t>
+            </a:r>
+          </a:p>
+        </p:txBody>
+      </p:sp>
+      <p:sp>
+        <p:nvSpPr>
+          <p:cNvPr id="28" name="TextBox 27">
+            <a:extLst>
+              <a:ext uri="{FF2B5EF4-FFF2-40B4-BE49-F238E27FC236}">
+                <a16:creationId xmlns:a16="http://schemas.microsoft.com/office/drawing/2014/main" id="{832D38A3-D8C5-4174-849E-3733C83DCD9C}"/>
+              </a:ext>
+            </a:extLst>
+          </p:cNvPr>
+          <p:cNvSpPr txBox="1"/>
+          <p:nvPr/>
+        </p:nvSpPr>
+        <p:spPr>
+          <a:xfrm>
+            <a:off x="21823337" y="12650812"/>
+            <a:ext cx="4560086" cy="769441"/>
+          </a:xfrm>
+          <a:prstGeom prst="rect">
+            <a:avLst/>
+          </a:prstGeom>
+          <a:noFill/>
+        </p:spPr>
+        <p:txBody>
+          <a:bodyPr wrap="square" rtlCol="0">
+            <a:spAutoFit/>
+          </a:bodyPr>
+          <a:lstStyle/>
+          <a:p>
+            <a:r>
+              <a:rPr lang="en-US" sz="4400" dirty="0"/>
+              <a:t>Double DQN</a:t>
+            </a:r>
+          </a:p>
+        </p:txBody>
+      </p:sp>
+      <p:pic>
+        <p:nvPicPr>
+          <p:cNvPr id="14" name="Picture 13" descr="Chart, line chart&#10;&#10;Description automatically generated">
+            <a:extLst>
+              <a:ext uri="{FF2B5EF4-FFF2-40B4-BE49-F238E27FC236}">
+                <a16:creationId xmlns:a16="http://schemas.microsoft.com/office/drawing/2014/main" id="{48910F3E-0B8B-4C87-88AD-F2D0F260D7A5}"/>
+              </a:ext>
+            </a:extLst>
+          </p:cNvPr>
+          <p:cNvPicPr>
+            <a:picLocks noChangeAspect="1"/>
+          </p:cNvPicPr>
+          <p:nvPr/>
+        </p:nvPicPr>
+        <p:blipFill>
+          <a:blip r:embed="rId14"/>
+          <a:stretch>
+            <a:fillRect/>
+          </a:stretch>
+        </p:blipFill>
+        <p:spPr>
+          <a:xfrm>
+            <a:off x="14953523" y="16007890"/>
+            <a:ext cx="5852172" cy="4389129"/>
           </a:xfrm>
           <a:prstGeom prst="rect">
             <a:avLst/>

--- a/final/presentation_poster.pptx
+++ b/final/presentation_poster.pptx
@@ -3318,6 +3318,87 @@
               <a:buFont typeface="Arial"/>
               <a:buNone/>
             </a:pPr>
+            <a:endParaRPr lang="en-US" sz="4800" dirty="0">
+              <a:solidFill>
+                <a:schemeClr val="dk1"/>
+              </a:solidFill>
+              <a:latin typeface="+mn-lt"/>
+              <a:ea typeface="Cambria"/>
+              <a:cs typeface="Cambria"/>
+              <a:sym typeface="Cambria"/>
+            </a:endParaRPr>
+          </a:p>
+          <a:p>
+            <a:pPr marL="0" marR="0" lvl="0" indent="0" rtl="0">
+              <a:lnSpc>
+                <a:spcPct val="100000"/>
+              </a:lnSpc>
+              <a:spcBef>
+                <a:spcPts val="0"/>
+              </a:spcBef>
+              <a:spcAft>
+                <a:spcPts val="0"/>
+              </a:spcAft>
+              <a:buClr>
+                <a:srgbClr val="000000"/>
+              </a:buClr>
+              <a:buFont typeface="Arial"/>
+              <a:buNone/>
+            </a:pPr>
+            <a:endParaRPr lang="en-US" sz="4800" dirty="0">
+              <a:solidFill>
+                <a:schemeClr val="dk1"/>
+              </a:solidFill>
+              <a:latin typeface="+mn-lt"/>
+              <a:ea typeface="Cambria"/>
+              <a:cs typeface="Cambria"/>
+              <a:sym typeface="Cambria"/>
+            </a:endParaRPr>
+          </a:p>
+          <a:p>
+            <a:pPr marL="0" marR="0" lvl="0" indent="0" rtl="0">
+              <a:lnSpc>
+                <a:spcPct val="100000"/>
+              </a:lnSpc>
+              <a:spcBef>
+                <a:spcPts val="0"/>
+              </a:spcBef>
+              <a:spcAft>
+                <a:spcPts val="0"/>
+              </a:spcAft>
+              <a:buClr>
+                <a:srgbClr val="000000"/>
+              </a:buClr>
+              <a:buFont typeface="Arial"/>
+              <a:buNone/>
+            </a:pPr>
+            <a:endParaRPr lang="en-US" sz="4800" dirty="0">
+              <a:solidFill>
+                <a:schemeClr val="dk1"/>
+              </a:solidFill>
+              <a:latin typeface="+mn-lt"/>
+              <a:ea typeface="Cambria"/>
+              <a:cs typeface="Cambria"/>
+              <a:sym typeface="Cambria"/>
+            </a:endParaRPr>
+          </a:p>
+          <a:p>
+            <a:pPr marL="0" marR="0" lvl="0" indent="0" rtl="0">
+              <a:lnSpc>
+                <a:spcPct val="100000"/>
+              </a:lnSpc>
+              <a:spcBef>
+                <a:spcPts val="0"/>
+              </a:spcBef>
+              <a:spcAft>
+                <a:spcPts val="0"/>
+              </a:spcAft>
+              <a:buClr>
+                <a:srgbClr val="000000"/>
+              </a:buClr>
+              <a:buFont typeface="Arial"/>
+              <a:buNone/>
+            </a:pPr>
             <a:r>
               <a:rPr lang="en-US" sz="4800" dirty="0">
                 <a:solidFill>
@@ -4396,56 +4477,11 @@
               </a:rPr>
               <a:t>Here is the discussion on the experimental results. This can include some bullet points and a general discussion of our thoughts, shortcomings, or just our feelings.</a:t>
             </a:r>
-          </a:p>
-          <a:p>
-            <a:pPr marL="0" marR="0" lvl="0" indent="0" rtl="0">
-              <a:lnSpc>
-                <a:spcPct val="120000"/>
-              </a:lnSpc>
-              <a:spcBef>
-                <a:spcPts val="0"/>
-              </a:spcBef>
-              <a:spcAft>
-                <a:spcPts val="0"/>
-              </a:spcAft>
-              <a:buClr>
-                <a:srgbClr val="000000"/>
-              </a:buClr>
-              <a:buFont typeface="Arial"/>
-              <a:buNone/>
-            </a:pPr>
             <a:endParaRPr lang="en-US" sz="4800" dirty="0">
               <a:solidFill>
                 <a:schemeClr val="dk1"/>
               </a:solidFill>
               <a:latin typeface="+mn-lt"/>
-            </a:endParaRPr>
-          </a:p>
-          <a:p>
-            <a:pPr marL="0" marR="0" lvl="0" indent="0" rtl="0">
-              <a:lnSpc>
-                <a:spcPct val="120000"/>
-              </a:lnSpc>
-              <a:spcBef>
-                <a:spcPts val="0"/>
-              </a:spcBef>
-              <a:spcAft>
-                <a:spcPts val="0"/>
-              </a:spcAft>
-              <a:buClr>
-                <a:srgbClr val="000000"/>
-              </a:buClr>
-              <a:buFont typeface="Arial"/>
-              <a:buNone/>
-            </a:pPr>
-            <a:endParaRPr lang="en-US" sz="4800" i="0" u="none" strike="noStrike" cap="none" dirty="0">
-              <a:solidFill>
-                <a:schemeClr val="dk1"/>
-              </a:solidFill>
-              <a:latin typeface="+mn-lt"/>
-              <a:ea typeface="Arial"/>
-              <a:cs typeface="Arial"/>
-              <a:sym typeface="Arial"/>
             </a:endParaRPr>
           </a:p>
           <a:p>
@@ -5044,8 +5080,8 @@
         </p:blipFill>
         <p:spPr bwMode="auto">
           <a:xfrm>
-            <a:off x="35063022" y="16521728"/>
-            <a:ext cx="6705600" cy="8096250"/>
+            <a:off x="38587289" y="21709953"/>
+            <a:ext cx="4420625" cy="5337402"/>
           </a:xfrm>
           <a:prstGeom prst="rect">
             <a:avLst/>
@@ -5239,8 +5275,8 @@
         </p:blipFill>
         <p:spPr>
           <a:xfrm>
-            <a:off x="12925990" y="21665042"/>
-            <a:ext cx="6327659" cy="6413706"/>
+            <a:off x="33535275" y="21768168"/>
+            <a:ext cx="5286358" cy="5358245"/>
           </a:xfrm>
           <a:prstGeom prst="rect">
             <a:avLst/>
@@ -5269,7 +5305,7 @@
         </p:blipFill>
         <p:spPr>
           <a:xfrm>
-            <a:off x="13608006" y="8725175"/>
+            <a:off x="13252434" y="7329642"/>
             <a:ext cx="5852172" cy="4389129"/>
           </a:xfrm>
           <a:prstGeom prst="rect">
@@ -5291,7 +5327,7 @@
         </p:nvSpPr>
         <p:spPr>
           <a:xfrm>
-            <a:off x="15817971" y="13783958"/>
+            <a:off x="15298152" y="12055149"/>
             <a:ext cx="4560086" cy="769441"/>
           </a:xfrm>
           <a:prstGeom prst="rect">
@@ -5404,14 +5440,96 @@
         </p:blipFill>
         <p:spPr>
           <a:xfrm>
-            <a:off x="14953523" y="16007890"/>
-            <a:ext cx="5852172" cy="4389129"/>
+            <a:off x="13630578" y="12528050"/>
+            <a:ext cx="5241533" cy="3931150"/>
           </a:xfrm>
           <a:prstGeom prst="rect">
             <a:avLst/>
           </a:prstGeom>
         </p:spPr>
       </p:pic>
+      <p:pic>
+        <p:nvPicPr>
+          <p:cNvPr id="3" name="Picture 2">
+            <a:extLst>
+              <a:ext uri="{FF2B5EF4-FFF2-40B4-BE49-F238E27FC236}">
+                <a16:creationId xmlns:a16="http://schemas.microsoft.com/office/drawing/2014/main" id="{53252293-5950-41A1-BDB5-C41F275CC65E}"/>
+              </a:ext>
+            </a:extLst>
+          </p:cNvPr>
+          <p:cNvPicPr>
+            <a:picLocks noChangeAspect="1" noChangeArrowheads="1"/>
+          </p:cNvPicPr>
+          <p:nvPr/>
+        </p:nvPicPr>
+        <p:blipFill>
+          <a:blip r:embed="rId15">
+            <a:extLst>
+              <a:ext uri="{28A0092B-C50C-407E-A947-70E740481C1C}">
+                <a14:useLocalDpi xmlns:a14="http://schemas.microsoft.com/office/drawing/2010/main" val="0"/>
+              </a:ext>
+            </a:extLst>
+          </a:blip>
+          <a:srcRect/>
+          <a:stretch>
+            <a:fillRect/>
+          </a:stretch>
+        </p:blipFill>
+        <p:spPr bwMode="auto">
+          <a:xfrm>
+            <a:off x="12736020" y="20804455"/>
+            <a:ext cx="5403042" cy="3745750"/>
+          </a:xfrm>
+          <a:prstGeom prst="rect">
+            <a:avLst/>
+          </a:prstGeom>
+          <a:noFill/>
+          <a:extLst>
+            <a:ext uri="{909E8E84-426E-40DD-AFC4-6F175D3DCCD1}">
+              <a14:hiddenFill xmlns:a14="http://schemas.microsoft.com/office/drawing/2010/main">
+                <a:solidFill>
+                  <a:srgbClr val="FFFFFF"/>
+                </a:solidFill>
+              </a14:hiddenFill>
+            </a:ext>
+          </a:extLst>
+        </p:spPr>
+      </p:pic>
+      <p:sp>
+        <p:nvSpPr>
+          <p:cNvPr id="12" name="TextBox 11">
+            <a:extLst>
+              <a:ext uri="{FF2B5EF4-FFF2-40B4-BE49-F238E27FC236}">
+                <a16:creationId xmlns:a16="http://schemas.microsoft.com/office/drawing/2014/main" id="{2E5D63A6-4874-44A3-8E2C-B332FF15D961}"/>
+              </a:ext>
+            </a:extLst>
+          </p:cNvPr>
+          <p:cNvSpPr txBox="1"/>
+          <p:nvPr/>
+        </p:nvSpPr>
+        <p:spPr>
+          <a:xfrm>
+            <a:off x="14281705" y="24615258"/>
+            <a:ext cx="5852172" cy="830997"/>
+          </a:xfrm>
+          <a:prstGeom prst="rect">
+            <a:avLst/>
+          </a:prstGeom>
+          <a:noFill/>
+        </p:spPr>
+        <p:txBody>
+          <a:bodyPr wrap="square" rtlCol="0">
+            <a:spAutoFit/>
+          </a:bodyPr>
+          <a:lstStyle/>
+          <a:p>
+            <a:r>
+              <a:rPr lang="en-US" sz="4800" dirty="0"/>
+              <a:t>DQN</a:t>
+            </a:r>
+          </a:p>
+        </p:txBody>
+      </p:sp>
     </p:spTree>
   </p:cSld>
   <p:clrMapOvr>

--- a/final/presentation_poster.pptx
+++ b/final/presentation_poster.pptx
@@ -5448,53 +5448,6 @@
           </a:prstGeom>
         </p:spPr>
       </p:pic>
-      <p:pic>
-        <p:nvPicPr>
-          <p:cNvPr id="3" name="Picture 2">
-            <a:extLst>
-              <a:ext uri="{FF2B5EF4-FFF2-40B4-BE49-F238E27FC236}">
-                <a16:creationId xmlns:a16="http://schemas.microsoft.com/office/drawing/2014/main" id="{53252293-5950-41A1-BDB5-C41F275CC65E}"/>
-              </a:ext>
-            </a:extLst>
-          </p:cNvPr>
-          <p:cNvPicPr>
-            <a:picLocks noChangeAspect="1" noChangeArrowheads="1"/>
-          </p:cNvPicPr>
-          <p:nvPr/>
-        </p:nvPicPr>
-        <p:blipFill>
-          <a:blip r:embed="rId15">
-            <a:extLst>
-              <a:ext uri="{28A0092B-C50C-407E-A947-70E740481C1C}">
-                <a14:useLocalDpi xmlns:a14="http://schemas.microsoft.com/office/drawing/2010/main" val="0"/>
-              </a:ext>
-            </a:extLst>
-          </a:blip>
-          <a:srcRect/>
-          <a:stretch>
-            <a:fillRect/>
-          </a:stretch>
-        </p:blipFill>
-        <p:spPr bwMode="auto">
-          <a:xfrm>
-            <a:off x="12736020" y="20804455"/>
-            <a:ext cx="5403042" cy="3745750"/>
-          </a:xfrm>
-          <a:prstGeom prst="rect">
-            <a:avLst/>
-          </a:prstGeom>
-          <a:noFill/>
-          <a:extLst>
-            <a:ext uri="{909E8E84-426E-40DD-AFC4-6F175D3DCCD1}">
-              <a14:hiddenFill xmlns:a14="http://schemas.microsoft.com/office/drawing/2010/main">
-                <a:solidFill>
-                  <a:srgbClr val="FFFFFF"/>
-                </a:solidFill>
-              </a14:hiddenFill>
-            </a:ext>
-          </a:extLst>
-        </p:spPr>
-      </p:pic>
       <p:sp>
         <p:nvSpPr>
           <p:cNvPr id="12" name="TextBox 11">
@@ -5525,11 +5478,110 @@
           <a:p>
             <a:r>
               <a:rPr lang="en-US" sz="4800" dirty="0"/>
-              <a:t>DQN</a:t>
+              <a:t>DQN^   </a:t>
             </a:r>
+            <a:r>
+              <a:rPr lang="en-US" sz="4800" dirty="0" err="1"/>
+              <a:t>vDDQN</a:t>
+            </a:r>
+            <a:endParaRPr lang="en-US" sz="4800" dirty="0"/>
           </a:p>
         </p:txBody>
       </p:sp>
+      <p:pic>
+        <p:nvPicPr>
+          <p:cNvPr id="15" name="Picture 2">
+            <a:extLst>
+              <a:ext uri="{FF2B5EF4-FFF2-40B4-BE49-F238E27FC236}">
+                <a16:creationId xmlns:a16="http://schemas.microsoft.com/office/drawing/2014/main" id="{599E9E9B-41B5-4195-831D-07E01B481EA2}"/>
+              </a:ext>
+            </a:extLst>
+          </p:cNvPr>
+          <p:cNvPicPr>
+            <a:picLocks noChangeAspect="1" noChangeArrowheads="1"/>
+          </p:cNvPicPr>
+          <p:nvPr/>
+        </p:nvPicPr>
+        <p:blipFill>
+          <a:blip r:embed="rId15">
+            <a:extLst>
+              <a:ext uri="{28A0092B-C50C-407E-A947-70E740481C1C}">
+                <a14:useLocalDpi xmlns:a14="http://schemas.microsoft.com/office/drawing/2010/main" val="0"/>
+              </a:ext>
+            </a:extLst>
+          </a:blip>
+          <a:srcRect/>
+          <a:stretch>
+            <a:fillRect/>
+          </a:stretch>
+        </p:blipFill>
+        <p:spPr bwMode="auto">
+          <a:xfrm>
+            <a:off x="8071900" y="36518060"/>
+            <a:ext cx="3819525" cy="2647950"/>
+          </a:xfrm>
+          <a:prstGeom prst="rect">
+            <a:avLst/>
+          </a:prstGeom>
+          <a:noFill/>
+          <a:extLst>
+            <a:ext uri="{909E8E84-426E-40DD-AFC4-6F175D3DCCD1}">
+              <a14:hiddenFill xmlns:a14="http://schemas.microsoft.com/office/drawing/2010/main">
+                <a:solidFill>
+                  <a:srgbClr val="FFFFFF"/>
+                </a:solidFill>
+              </a14:hiddenFill>
+            </a:ext>
+          </a:extLst>
+        </p:spPr>
+      </p:pic>
+      <p:pic>
+        <p:nvPicPr>
+          <p:cNvPr id="16" name="Picture 4">
+            <a:extLst>
+              <a:ext uri="{FF2B5EF4-FFF2-40B4-BE49-F238E27FC236}">
+                <a16:creationId xmlns:a16="http://schemas.microsoft.com/office/drawing/2014/main" id="{5CD89329-B065-4914-9B04-8F02FCEAF0AC}"/>
+              </a:ext>
+            </a:extLst>
+          </p:cNvPr>
+          <p:cNvPicPr>
+            <a:picLocks noChangeAspect="1" noChangeArrowheads="1"/>
+          </p:cNvPicPr>
+          <p:nvPr/>
+        </p:nvPicPr>
+        <p:blipFill>
+          <a:blip r:embed="rId16">
+            <a:extLst>
+              <a:ext uri="{28A0092B-C50C-407E-A947-70E740481C1C}">
+                <a14:useLocalDpi xmlns:a14="http://schemas.microsoft.com/office/drawing/2010/main" val="0"/>
+              </a:ext>
+            </a:extLst>
+          </a:blip>
+          <a:srcRect/>
+          <a:stretch>
+            <a:fillRect/>
+          </a:stretch>
+        </p:blipFill>
+        <p:spPr bwMode="auto">
+          <a:xfrm>
+            <a:off x="12249642" y="21816512"/>
+            <a:ext cx="7545209" cy="5230843"/>
+          </a:xfrm>
+          <a:prstGeom prst="rect">
+            <a:avLst/>
+          </a:prstGeom>
+          <a:noFill/>
+          <a:extLst>
+            <a:ext uri="{909E8E84-426E-40DD-AFC4-6F175D3DCCD1}">
+              <a14:hiddenFill xmlns:a14="http://schemas.microsoft.com/office/drawing/2010/main">
+                <a:solidFill>
+                  <a:srgbClr val="FFFFFF"/>
+                </a:solidFill>
+              </a14:hiddenFill>
+            </a:ext>
+          </a:extLst>
+        </p:spPr>
+      </p:pic>
     </p:spTree>
   </p:cSld>
   <p:clrMapOvr>

--- a/final/presentation_poster.pptx
+++ b/final/presentation_poster.pptx
@@ -3372,33 +3372,6 @@
               <a:buFont typeface="Arial"/>
               <a:buNone/>
             </a:pPr>
-            <a:endParaRPr lang="en-US" sz="4800" dirty="0">
-              <a:solidFill>
-                <a:schemeClr val="dk1"/>
-              </a:solidFill>
-              <a:latin typeface="+mn-lt"/>
-              <a:ea typeface="Cambria"/>
-              <a:cs typeface="Cambria"/>
-              <a:sym typeface="Cambria"/>
-            </a:endParaRPr>
-          </a:p>
-          <a:p>
-            <a:pPr marL="0" marR="0" lvl="0" indent="0" rtl="0">
-              <a:lnSpc>
-                <a:spcPct val="100000"/>
-              </a:lnSpc>
-              <a:spcBef>
-                <a:spcPts val="0"/>
-              </a:spcBef>
-              <a:spcAft>
-                <a:spcPts val="0"/>
-              </a:spcAft>
-              <a:buClr>
-                <a:srgbClr val="000000"/>
-              </a:buClr>
-              <a:buFont typeface="Arial"/>
-              <a:buNone/>
-            </a:pPr>
             <a:r>
               <a:rPr lang="en-US" sz="4800" dirty="0">
                 <a:solidFill>
@@ -3409,7 +3382,7 @@
                 <a:cs typeface="Cambria"/>
                 <a:sym typeface="Cambria"/>
               </a:rPr>
-              <a:t>Here is a topic sentence for these results. Here is another sentence introducing the plots. This discussion can continue until the end of the bubble</a:t>
+              <a:t>Here we show results during training and testing for our set of 5 DQN-variety models. We additionally vary these results over a high- and low-learning-rate setup to compare the training between each.</a:t>
             </a:r>
           </a:p>
         </p:txBody>
@@ -5283,171 +5256,6 @@
           </a:prstGeom>
         </p:spPr>
       </p:pic>
-      <p:pic>
-        <p:nvPicPr>
-          <p:cNvPr id="9" name="Picture 8">
-            <a:extLst>
-              <a:ext uri="{FF2B5EF4-FFF2-40B4-BE49-F238E27FC236}">
-                <a16:creationId xmlns:a16="http://schemas.microsoft.com/office/drawing/2014/main" id="{09B76B76-C0AE-4E7A-BE7C-5BE50EA2D896}"/>
-              </a:ext>
-            </a:extLst>
-          </p:cNvPr>
-          <p:cNvPicPr>
-            <a:picLocks noChangeAspect="1"/>
-          </p:cNvPicPr>
-          <p:nvPr/>
-        </p:nvPicPr>
-        <p:blipFill>
-          <a:blip r:embed="rId13"/>
-          <a:stretch>
-            <a:fillRect/>
-          </a:stretch>
-        </p:blipFill>
-        <p:spPr>
-          <a:xfrm>
-            <a:off x="13252434" y="7329642"/>
-            <a:ext cx="5852172" cy="4389129"/>
-          </a:xfrm>
-          <a:prstGeom prst="rect">
-            <a:avLst/>
-          </a:prstGeom>
-        </p:spPr>
-      </p:pic>
-      <p:sp>
-        <p:nvSpPr>
-          <p:cNvPr id="10" name="TextBox 9">
-            <a:extLst>
-              <a:ext uri="{FF2B5EF4-FFF2-40B4-BE49-F238E27FC236}">
-                <a16:creationId xmlns:a16="http://schemas.microsoft.com/office/drawing/2014/main" id="{D8BB50B6-AEA0-4414-AF39-52B4B67571B5}"/>
-              </a:ext>
-            </a:extLst>
-          </p:cNvPr>
-          <p:cNvSpPr txBox="1"/>
-          <p:nvPr/>
-        </p:nvSpPr>
-        <p:spPr>
-          <a:xfrm>
-            <a:off x="15298152" y="12055149"/>
-            <a:ext cx="4560086" cy="769441"/>
-          </a:xfrm>
-          <a:prstGeom prst="rect">
-            <a:avLst/>
-          </a:prstGeom>
-          <a:noFill/>
-        </p:spPr>
-        <p:txBody>
-          <a:bodyPr wrap="square" rtlCol="0">
-            <a:spAutoFit/>
-          </a:bodyPr>
-          <a:lstStyle/>
-          <a:p>
-            <a:r>
-              <a:rPr lang="en-US" sz="4400" dirty="0"/>
-              <a:t>DQN</a:t>
-            </a:r>
-          </a:p>
-        </p:txBody>
-      </p:sp>
-      <p:sp>
-        <p:nvSpPr>
-          <p:cNvPr id="27" name="TextBox 26">
-            <a:extLst>
-              <a:ext uri="{FF2B5EF4-FFF2-40B4-BE49-F238E27FC236}">
-                <a16:creationId xmlns:a16="http://schemas.microsoft.com/office/drawing/2014/main" id="{96860623-D799-4C5C-951C-A2D6D5A9C6DC}"/>
-              </a:ext>
-            </a:extLst>
-          </p:cNvPr>
-          <p:cNvSpPr txBox="1"/>
-          <p:nvPr/>
-        </p:nvSpPr>
-        <p:spPr>
-          <a:xfrm>
-            <a:off x="26462025" y="13153238"/>
-            <a:ext cx="4560086" cy="769441"/>
-          </a:xfrm>
-          <a:prstGeom prst="rect">
-            <a:avLst/>
-          </a:prstGeom>
-          <a:noFill/>
-        </p:spPr>
-        <p:txBody>
-          <a:bodyPr wrap="square" rtlCol="0">
-            <a:spAutoFit/>
-          </a:bodyPr>
-          <a:lstStyle/>
-          <a:p>
-            <a:r>
-              <a:rPr lang="en-US" sz="4400" dirty="0"/>
-              <a:t>Dueling DQN</a:t>
-            </a:r>
-          </a:p>
-        </p:txBody>
-      </p:sp>
-      <p:sp>
-        <p:nvSpPr>
-          <p:cNvPr id="28" name="TextBox 27">
-            <a:extLst>
-              <a:ext uri="{FF2B5EF4-FFF2-40B4-BE49-F238E27FC236}">
-                <a16:creationId xmlns:a16="http://schemas.microsoft.com/office/drawing/2014/main" id="{832D38A3-D8C5-4174-849E-3733C83DCD9C}"/>
-              </a:ext>
-            </a:extLst>
-          </p:cNvPr>
-          <p:cNvSpPr txBox="1"/>
-          <p:nvPr/>
-        </p:nvSpPr>
-        <p:spPr>
-          <a:xfrm>
-            <a:off x="21823337" y="12650812"/>
-            <a:ext cx="4560086" cy="769441"/>
-          </a:xfrm>
-          <a:prstGeom prst="rect">
-            <a:avLst/>
-          </a:prstGeom>
-          <a:noFill/>
-        </p:spPr>
-        <p:txBody>
-          <a:bodyPr wrap="square" rtlCol="0">
-            <a:spAutoFit/>
-          </a:bodyPr>
-          <a:lstStyle/>
-          <a:p>
-            <a:r>
-              <a:rPr lang="en-US" sz="4400" dirty="0"/>
-              <a:t>Double DQN</a:t>
-            </a:r>
-          </a:p>
-        </p:txBody>
-      </p:sp>
-      <p:pic>
-        <p:nvPicPr>
-          <p:cNvPr id="14" name="Picture 13" descr="Chart, line chart&#10;&#10;Description automatically generated">
-            <a:extLst>
-              <a:ext uri="{FF2B5EF4-FFF2-40B4-BE49-F238E27FC236}">
-                <a16:creationId xmlns:a16="http://schemas.microsoft.com/office/drawing/2014/main" id="{48910F3E-0B8B-4C87-88AD-F2D0F260D7A5}"/>
-              </a:ext>
-            </a:extLst>
-          </p:cNvPr>
-          <p:cNvPicPr>
-            <a:picLocks noChangeAspect="1"/>
-          </p:cNvPicPr>
-          <p:nvPr/>
-        </p:nvPicPr>
-        <p:blipFill>
-          <a:blip r:embed="rId14"/>
-          <a:stretch>
-            <a:fillRect/>
-          </a:stretch>
-        </p:blipFill>
-        <p:spPr>
-          <a:xfrm>
-            <a:off x="13630578" y="12528050"/>
-            <a:ext cx="5241533" cy="3931150"/>
-          </a:xfrm>
-          <a:prstGeom prst="rect">
-            <a:avLst/>
-          </a:prstGeom>
-        </p:spPr>
-      </p:pic>
       <p:sp>
         <p:nvSpPr>
           <p:cNvPr id="12" name="TextBox 11">
@@ -5503,7 +5311,7 @@
           <p:nvPr/>
         </p:nvPicPr>
         <p:blipFill>
-          <a:blip r:embed="rId15">
+          <a:blip r:embed="rId13">
             <a:extLst>
               <a:ext uri="{28A0092B-C50C-407E-A947-70E740481C1C}">
                 <a14:useLocalDpi xmlns:a14="http://schemas.microsoft.com/office/drawing/2010/main" val="0"/>
@@ -5550,7 +5358,7 @@
           <p:nvPr/>
         </p:nvPicPr>
         <p:blipFill>
-          <a:blip r:embed="rId16">
+          <a:blip r:embed="rId14">
             <a:extLst>
               <a:ext uri="{28A0092B-C50C-407E-A947-70E740481C1C}">
                 <a14:useLocalDpi xmlns:a14="http://schemas.microsoft.com/office/drawing/2010/main" val="0"/>
@@ -5580,6 +5388,66 @@
               </a14:hiddenFill>
             </a:ext>
           </a:extLst>
+        </p:spPr>
+      </p:pic>
+      <p:pic>
+        <p:nvPicPr>
+          <p:cNvPr id="17" name="Picture 16" descr="Chart, line chart&#10;&#10;Description automatically generated">
+            <a:extLst>
+              <a:ext uri="{FF2B5EF4-FFF2-40B4-BE49-F238E27FC236}">
+                <a16:creationId xmlns:a16="http://schemas.microsoft.com/office/drawing/2014/main" id="{A0C84321-8F10-4E62-B353-C7C758A9A680}"/>
+              </a:ext>
+            </a:extLst>
+          </p:cNvPr>
+          <p:cNvPicPr>
+            <a:picLocks noChangeAspect="1"/>
+          </p:cNvPicPr>
+          <p:nvPr/>
+        </p:nvPicPr>
+        <p:blipFill>
+          <a:blip r:embed="rId15"/>
+          <a:stretch>
+            <a:fillRect/>
+          </a:stretch>
+        </p:blipFill>
+        <p:spPr>
+          <a:xfrm>
+            <a:off x="22386264" y="8085203"/>
+            <a:ext cx="10523465" cy="7259364"/>
+          </a:xfrm>
+          <a:prstGeom prst="rect">
+            <a:avLst/>
+          </a:prstGeom>
+        </p:spPr>
+      </p:pic>
+      <p:pic>
+        <p:nvPicPr>
+          <p:cNvPr id="19" name="Picture 18" descr="Chart, histogram&#10;&#10;Description automatically generated">
+            <a:extLst>
+              <a:ext uri="{FF2B5EF4-FFF2-40B4-BE49-F238E27FC236}">
+                <a16:creationId xmlns:a16="http://schemas.microsoft.com/office/drawing/2014/main" id="{F912F72E-D31B-435D-B09E-912F20CA0D83}"/>
+              </a:ext>
+            </a:extLst>
+          </p:cNvPr>
+          <p:cNvPicPr>
+            <a:picLocks noChangeAspect="1"/>
+          </p:cNvPicPr>
+          <p:nvPr/>
+        </p:nvPicPr>
+        <p:blipFill>
+          <a:blip r:embed="rId16"/>
+          <a:stretch>
+            <a:fillRect/>
+          </a:stretch>
+        </p:blipFill>
+        <p:spPr>
+          <a:xfrm>
+            <a:off x="12446246" y="8045138"/>
+            <a:ext cx="9844532" cy="7259364"/>
+          </a:xfrm>
+          <a:prstGeom prst="rect">
+            <a:avLst/>
+          </a:prstGeom>
         </p:spPr>
       </p:pic>
     </p:spTree>

--- a/final/presentation_poster.pptx
+++ b/final/presentation_poster.pptx
@@ -5271,7 +5271,7 @@
         <p:spPr>
           <a:xfrm>
             <a:off x="14281705" y="24615258"/>
-            <a:ext cx="5852172" cy="830997"/>
+            <a:ext cx="5852172" cy="2308324"/>
           </a:xfrm>
           <a:prstGeom prst="rect">
             <a:avLst/>
@@ -5286,13 +5286,8 @@
           <a:p>
             <a:r>
               <a:rPr lang="en-US" sz="4800" dirty="0"/>
-              <a:t>DQN^   </a:t>
+              <a:t>DQN Family on Discrete MountainCar-v0</a:t>
             </a:r>
-            <a:r>
-              <a:rPr lang="en-US" sz="4800" dirty="0" err="1"/>
-              <a:t>vDDQN</a:t>
-            </a:r>
-            <a:endParaRPr lang="en-US" sz="4800" dirty="0"/>
           </a:p>
         </p:txBody>
       </p:sp>
@@ -5345,53 +5340,6 @@
       </p:pic>
       <p:pic>
         <p:nvPicPr>
-          <p:cNvPr id="16" name="Picture 4">
-            <a:extLst>
-              <a:ext uri="{FF2B5EF4-FFF2-40B4-BE49-F238E27FC236}">
-                <a16:creationId xmlns:a16="http://schemas.microsoft.com/office/drawing/2014/main" id="{5CD89329-B065-4914-9B04-8F02FCEAF0AC}"/>
-              </a:ext>
-            </a:extLst>
-          </p:cNvPr>
-          <p:cNvPicPr>
-            <a:picLocks noChangeAspect="1" noChangeArrowheads="1"/>
-          </p:cNvPicPr>
-          <p:nvPr/>
-        </p:nvPicPr>
-        <p:blipFill>
-          <a:blip r:embed="rId14">
-            <a:extLst>
-              <a:ext uri="{28A0092B-C50C-407E-A947-70E740481C1C}">
-                <a14:useLocalDpi xmlns:a14="http://schemas.microsoft.com/office/drawing/2010/main" val="0"/>
-              </a:ext>
-            </a:extLst>
-          </a:blip>
-          <a:srcRect/>
-          <a:stretch>
-            <a:fillRect/>
-          </a:stretch>
-        </p:blipFill>
-        <p:spPr bwMode="auto">
-          <a:xfrm>
-            <a:off x="12249642" y="21816512"/>
-            <a:ext cx="7545209" cy="5230843"/>
-          </a:xfrm>
-          <a:prstGeom prst="rect">
-            <a:avLst/>
-          </a:prstGeom>
-          <a:noFill/>
-          <a:extLst>
-            <a:ext uri="{909E8E84-426E-40DD-AFC4-6F175D3DCCD1}">
-              <a14:hiddenFill xmlns:a14="http://schemas.microsoft.com/office/drawing/2010/main">
-                <a:solidFill>
-                  <a:srgbClr val="FFFFFF"/>
-                </a:solidFill>
-              </a14:hiddenFill>
-            </a:ext>
-          </a:extLst>
-        </p:spPr>
-      </p:pic>
-      <p:pic>
-        <p:nvPicPr>
           <p:cNvPr id="17" name="Picture 16" descr="Chart, line chart&#10;&#10;Description automatically generated">
             <a:extLst>
               <a:ext uri="{FF2B5EF4-FFF2-40B4-BE49-F238E27FC236}">
@@ -5405,7 +5353,7 @@
           <p:nvPr/>
         </p:nvPicPr>
         <p:blipFill>
-          <a:blip r:embed="rId15"/>
+          <a:blip r:embed="rId14"/>
           <a:stretch>
             <a:fillRect/>
           </a:stretch>
@@ -5435,7 +5383,7 @@
           <p:nvPr/>
         </p:nvPicPr>
         <p:blipFill>
-          <a:blip r:embed="rId16"/>
+          <a:blip r:embed="rId15"/>
           <a:stretch>
             <a:fillRect/>
           </a:stretch>
@@ -5448,6 +5396,53 @@
           <a:prstGeom prst="rect">
             <a:avLst/>
           </a:prstGeom>
+        </p:spPr>
+      </p:pic>
+      <p:pic>
+        <p:nvPicPr>
+          <p:cNvPr id="3" name="Picture 2">
+            <a:extLst>
+              <a:ext uri="{FF2B5EF4-FFF2-40B4-BE49-F238E27FC236}">
+                <a16:creationId xmlns:a16="http://schemas.microsoft.com/office/drawing/2014/main" id="{52EE5A9A-0FBF-4163-BF67-37E0BA4721A4}"/>
+              </a:ext>
+            </a:extLst>
+          </p:cNvPr>
+          <p:cNvPicPr>
+            <a:picLocks noChangeAspect="1" noChangeArrowheads="1"/>
+          </p:cNvPicPr>
+          <p:nvPr/>
+        </p:nvPicPr>
+        <p:blipFill>
+          <a:blip r:embed="rId16">
+            <a:extLst>
+              <a:ext uri="{28A0092B-C50C-407E-A947-70E740481C1C}">
+                <a14:useLocalDpi xmlns:a14="http://schemas.microsoft.com/office/drawing/2010/main" val="0"/>
+              </a:ext>
+            </a:extLst>
+          </a:blip>
+          <a:srcRect/>
+          <a:stretch>
+            <a:fillRect/>
+          </a:stretch>
+        </p:blipFill>
+        <p:spPr bwMode="auto">
+          <a:xfrm>
+            <a:off x="12815470" y="20464889"/>
+            <a:ext cx="6732838" cy="4667653"/>
+          </a:xfrm>
+          <a:prstGeom prst="rect">
+            <a:avLst/>
+          </a:prstGeom>
+          <a:noFill/>
+          <a:extLst>
+            <a:ext uri="{909E8E84-426E-40DD-AFC4-6F175D3DCCD1}">
+              <a14:hiddenFill xmlns:a14="http://schemas.microsoft.com/office/drawing/2010/main">
+                <a:solidFill>
+                  <a:srgbClr val="FFFFFF"/>
+                </a:solidFill>
+              </a14:hiddenFill>
+            </a:ext>
+          </a:extLst>
         </p:spPr>
       </p:pic>
     </p:spTree>

--- a/final/presentation_poster.pptx
+++ b/final/presentation_poster.pptx
@@ -4259,7 +4259,7 @@
               <a:buAutoNum type="arabicPeriod"/>
             </a:pPr>
             <a:r>
-              <a:rPr lang="en-US" sz="5100" dirty="0">
+              <a:rPr lang="en-US" sz="3200" dirty="0">
                 <a:solidFill>
                   <a:schemeClr val="dk1"/>
                 </a:solidFill>
@@ -4267,7 +4267,7 @@
               </a:rPr>
               <a:t>Gym.openai.com</a:t>
             </a:r>
-            <a:endParaRPr lang="en-US" sz="5100" i="0" u="none" strike="noStrike" cap="none" dirty="0">
+            <a:endParaRPr lang="en-US" sz="3200" i="0" u="none" strike="noStrike" cap="none" dirty="0">
               <a:solidFill>
                 <a:schemeClr val="dk1"/>
               </a:solidFill>
@@ -4295,7 +4295,7 @@
               <a:buAutoNum type="arabicPeriod"/>
             </a:pPr>
             <a:r>
-              <a:rPr lang="en-US" sz="5100" dirty="0">
+              <a:rPr lang="en-US" sz="3200" dirty="0">
                 <a:solidFill>
                   <a:schemeClr val="dk1"/>
                 </a:solidFill>
@@ -4322,7 +4322,7 @@
               <a:buAutoNum type="arabicPeriod"/>
             </a:pPr>
             <a:r>
-              <a:rPr lang="en-US" sz="5100" dirty="0" err="1">
+              <a:rPr lang="en-US" sz="3200" dirty="0" err="1">
                 <a:solidFill>
                   <a:schemeClr val="dk1"/>
                 </a:solidFill>
@@ -4331,7 +4331,7 @@
               <a:t>Mnih</a:t>
             </a:r>
             <a:r>
-              <a:rPr lang="en-US" sz="5100" dirty="0">
+              <a:rPr lang="en-US" sz="3200" dirty="0">
                 <a:solidFill>
                   <a:schemeClr val="dk1"/>
                 </a:solidFill>
@@ -4339,7 +4339,46 @@
               </a:rPr>
               <a:t> et al. 2013: Atari with Deep Reinforcement Learning</a:t>
             </a:r>
-            <a:endParaRPr lang="en-US" sz="5100" i="0" u="none" strike="noStrike" cap="none" dirty="0">
+          </a:p>
+          <a:p>
+            <a:pPr marL="914400" indent="-914400">
+              <a:buClr>
+                <a:srgbClr val="000000"/>
+              </a:buClr>
+              <a:buFont typeface="Arial"/>
+              <a:buAutoNum type="arabicPeriod"/>
+            </a:pPr>
+            <a:r>
+              <a:rPr lang="en-US" sz="3200" i="0" u="none" strike="noStrike" cap="none" dirty="0">
+                <a:solidFill>
+                  <a:schemeClr val="dk1"/>
+                </a:solidFill>
+                <a:latin typeface="+mn-lt"/>
+                <a:ea typeface="Arial"/>
+                <a:cs typeface="Arial"/>
+                <a:sym typeface="Arial"/>
+              </a:rPr>
+              <a:t>Rainbow: https://paperswithcode.com/method/rainbow-dqn</a:t>
+            </a:r>
+          </a:p>
+          <a:p>
+            <a:pPr marL="914400" marR="0" lvl="0" indent="-914400" rtl="0">
+              <a:lnSpc>
+                <a:spcPct val="100000"/>
+              </a:lnSpc>
+              <a:spcBef>
+                <a:spcPts val="0"/>
+              </a:spcBef>
+              <a:spcAft>
+                <a:spcPts val="0"/>
+              </a:spcAft>
+              <a:buClr>
+                <a:srgbClr val="000000"/>
+              </a:buClr>
+              <a:buFont typeface="Arial"/>
+              <a:buAutoNum type="arabicPeriod"/>
+            </a:pPr>
+            <a:endParaRPr lang="en-US" sz="3200" i="0" u="none" strike="noStrike" cap="none" dirty="0">
               <a:solidFill>
                 <a:schemeClr val="dk1"/>
               </a:solidFill>
@@ -4439,7 +4478,7 @@
               <a:buNone/>
             </a:pPr>
             <a:r>
-              <a:rPr lang="en-US" sz="4800" i="0" u="none" strike="noStrike" cap="none" dirty="0">
+              <a:rPr lang="en-US" sz="4400" i="0" u="none" strike="noStrike" cap="none" dirty="0">
                 <a:solidFill>
                   <a:schemeClr val="dk1"/>
                 </a:solidFill>
@@ -4448,7 +4487,61 @@
                 <a:cs typeface="Arial"/>
                 <a:sym typeface="Arial"/>
               </a:rPr>
-              <a:t>Here is the discussion on the experimental results. This can include some bullet points and a general discussion of our thoughts, shortcomings, or just our feelings.</a:t>
+              <a:t>Here we have explored the effects of discrete and continuous action spaces, as well as investigated the effect of learning rate on a large swathe of models.</a:t>
+            </a:r>
+          </a:p>
+          <a:p>
+            <a:pPr marL="0" marR="0" lvl="0" indent="0" rtl="0">
+              <a:lnSpc>
+                <a:spcPct val="120000"/>
+              </a:lnSpc>
+              <a:spcBef>
+                <a:spcPts val="0"/>
+              </a:spcBef>
+              <a:spcAft>
+                <a:spcPts val="0"/>
+              </a:spcAft>
+              <a:buClr>
+                <a:srgbClr val="000000"/>
+              </a:buClr>
+              <a:buFont typeface="Arial"/>
+              <a:buNone/>
+            </a:pPr>
+            <a:r>
+              <a:rPr lang="en-US" sz="4400" dirty="0">
+                <a:solidFill>
+                  <a:schemeClr val="dk1"/>
+                </a:solidFill>
+                <a:latin typeface="+mn-lt"/>
+              </a:rPr>
+              <a:t>We make conclusions about the nature of some reinforcement learning models, the overwhelming importance of hyperparameter selection, and the complications in asking what the “best” reinforcement learning models are.</a:t>
+            </a:r>
+          </a:p>
+          <a:p>
+            <a:pPr marL="0" marR="0" lvl="0" indent="0" rtl="0">
+              <a:lnSpc>
+                <a:spcPct val="120000"/>
+              </a:lnSpc>
+              <a:spcBef>
+                <a:spcPts val="0"/>
+              </a:spcBef>
+              <a:spcAft>
+                <a:spcPts val="0"/>
+              </a:spcAft>
+              <a:buClr>
+                <a:srgbClr val="000000"/>
+              </a:buClr>
+              <a:buFont typeface="Arial"/>
+              <a:buNone/>
+            </a:pPr>
+            <a:r>
+              <a:rPr lang="en-US" sz="4400" dirty="0">
+                <a:solidFill>
+                  <a:schemeClr val="dk1"/>
+                </a:solidFill>
+                <a:latin typeface="+mn-lt"/>
+              </a:rPr>
+              <a:t>Last, we propose standards for how benchmarking research should be done based on our experience with the process of model comparison.</a:t>
             </a:r>
             <a:endParaRPr lang="en-US" sz="4800" dirty="0">
               <a:solidFill>
@@ -4497,36 +4590,6 @@
                 <a:sym typeface="Arial"/>
               </a:rPr>
               <a:t>, part of our inspiration:</a:t>
-            </a:r>
-          </a:p>
-          <a:p>
-            <a:pPr marL="0" marR="0" lvl="0" indent="0" rtl="0">
-              <a:lnSpc>
-                <a:spcPct val="120000"/>
-              </a:lnSpc>
-              <a:spcBef>
-                <a:spcPts val="0"/>
-              </a:spcBef>
-              <a:spcAft>
-                <a:spcPts val="0"/>
-              </a:spcAft>
-              <a:buClr>
-                <a:srgbClr val="000000"/>
-              </a:buClr>
-              <a:buFont typeface="Arial"/>
-              <a:buNone/>
-            </a:pPr>
-            <a:r>
-              <a:rPr lang="en-US" sz="4800" i="0" u="none" strike="noStrike" cap="none" dirty="0">
-                <a:solidFill>
-                  <a:schemeClr val="dk1"/>
-                </a:solidFill>
-                <a:latin typeface="+mn-lt"/>
-                <a:ea typeface="Arial"/>
-                <a:cs typeface="Arial"/>
-                <a:sym typeface="Arial"/>
-              </a:rPr>
-              <a:t>https://paperswithcode.com/method/rainbow-dqn</a:t>
             </a:r>
           </a:p>
         </p:txBody>
@@ -5248,7 +5311,7 @@
         </p:blipFill>
         <p:spPr>
           <a:xfrm>
-            <a:off x="33535275" y="21768168"/>
+            <a:off x="33714668" y="21768168"/>
             <a:ext cx="5286358" cy="5358245"/>
           </a:xfrm>
           <a:prstGeom prst="rect">

--- a/final/presentation_poster.pptx
+++ b/final/presentation_poster.pptx
@@ -237,6 +237,7 @@
 <p1510:revInfo xmlns:a="http://schemas.openxmlformats.org/drawingml/2006/main" xmlns:r="http://schemas.openxmlformats.org/officeDocument/2006/relationships" xmlns:p1510="http://schemas.microsoft.com/office/powerpoint/2015/10/main">
   <p1510:revLst>
     <p1510:client id="{737BB19E-EE9B-48F6-AADA-1BCD1C462E4B}" v="21" dt="2020-12-08T06:30:55.529"/>
+    <p1510:client id="{966A8B95-43F3-278D-101C-CCD05A2D0637}" v="206" dt="2020-12-09T14:23:19.403"/>
   </p1510:revLst>
 </p1510:revInfo>
 </file>
@@ -4543,54 +4544,15 @@
               </a:rPr>
               <a:t>Last, we propose standards for how benchmarking research should be done based on our experience with the process of model comparison.</a:t>
             </a:r>
-            <a:endParaRPr lang="en-US" sz="4800" dirty="0">
+            <a:endParaRPr lang="en-US" sz="4800" i="0" u="none" strike="noStrike" cap="none" dirty="0">
               <a:solidFill>
                 <a:schemeClr val="dk1"/>
               </a:solidFill>
               <a:latin typeface="+mn-lt"/>
+              <a:ea typeface="Arial"/>
+              <a:cs typeface="Arial"/>
+              <a:sym typeface="Arial"/>
             </a:endParaRPr>
-          </a:p>
-          <a:p>
-            <a:pPr marL="0" marR="0" lvl="0" indent="0" rtl="0">
-              <a:lnSpc>
-                <a:spcPct val="120000"/>
-              </a:lnSpc>
-              <a:spcBef>
-                <a:spcPts val="0"/>
-              </a:spcBef>
-              <a:spcAft>
-                <a:spcPts val="0"/>
-              </a:spcAft>
-              <a:buClr>
-                <a:srgbClr val="000000"/>
-              </a:buClr>
-              <a:buFont typeface="Arial"/>
-              <a:buNone/>
-            </a:pPr>
-            <a:r>
-              <a:rPr lang="en-US" sz="4800" b="1" i="0" u="none" strike="noStrike" cap="none" dirty="0">
-                <a:solidFill>
-                  <a:schemeClr val="dk1"/>
-                </a:solidFill>
-                <a:latin typeface="+mn-lt"/>
-                <a:ea typeface="Arial"/>
-                <a:cs typeface="Arial"/>
-                <a:sym typeface="Arial"/>
-              </a:rPr>
-              <a:t>Rainbow</a:t>
-            </a:r>
-            <a:r>
-              <a:rPr lang="en-US" sz="4800" i="0" u="none" strike="noStrike" cap="none" dirty="0">
-                <a:solidFill>
-                  <a:schemeClr val="dk1"/>
-                </a:solidFill>
-                <a:latin typeface="+mn-lt"/>
-                <a:ea typeface="Arial"/>
-                <a:cs typeface="Arial"/>
-                <a:sym typeface="Arial"/>
-              </a:rPr>
-              <a:t>, part of our inspiration:</a:t>
-            </a:r>
           </a:p>
         </p:txBody>
       </p:sp>
@@ -4878,87 +4840,113 @@
             </a:endParaRPr>
           </a:p>
           <a:p>
-            <a:pPr marL="0" marR="0" lvl="0" indent="0" rtl="0">
-              <a:lnSpc>
-                <a:spcPct val="100000"/>
-              </a:lnSpc>
-              <a:spcBef>
-                <a:spcPts val="0"/>
-              </a:spcBef>
-              <a:spcAft>
-                <a:spcPts val="0"/>
-              </a:spcAft>
+            <a:pPr>
               <a:buClr>
                 <a:srgbClr val="000000"/>
               </a:buClr>
-              <a:buFont typeface="Arial"/>
-              <a:buNone/>
             </a:pPr>
-            <a:endParaRPr lang="en-US" sz="7200" dirty="0">
+            <a:r>
+              <a:rPr lang="en-US" sz="4800" dirty="0">
+                <a:solidFill>
+                  <a:schemeClr val="dk1"/>
+                </a:solidFill>
+                <a:latin typeface="+mn-lt"/>
+                <a:ea typeface="Cambria"/>
+                <a:cs typeface="Cambria"/>
+              </a:rPr>
+              <a:t>Here we have results on the mountain</a:t>
+            </a:r>
+            <a:br>
+              <a:rPr lang="en-US" sz="4800" dirty="0">
+                <a:solidFill>
+                  <a:schemeClr val="dk1"/>
+                </a:solidFill>
+                <a:latin typeface="+mn-lt"/>
+                <a:ea typeface="Cambria"/>
+                <a:cs typeface="Cambria"/>
+              </a:rPr>
+            </a:br>
+            <a:r>
+              <a:rPr lang="en-US" sz="4800" dirty="0">
+                <a:solidFill>
+                  <a:schemeClr val="dk1"/>
+                </a:solidFill>
+                <a:latin typeface="+mn-lt"/>
+                <a:ea typeface="Cambria"/>
+                <a:cs typeface="Cambria"/>
+              </a:rPr>
+              <a:t>car task.  The models that we trained</a:t>
+            </a:r>
+            <a:br>
+              <a:rPr lang="en-US" sz="4800" dirty="0">
+                <a:solidFill>
+                  <a:schemeClr val="dk1"/>
+                </a:solidFill>
+                <a:latin typeface="+mn-lt"/>
+                <a:ea typeface="Cambria"/>
+                <a:cs typeface="Cambria"/>
+              </a:rPr>
+            </a:br>
+            <a:r>
+              <a:rPr lang="en-US" sz="4800" dirty="0">
+                <a:solidFill>
+                  <a:schemeClr val="dk1"/>
+                </a:solidFill>
+                <a:latin typeface="+mn-lt"/>
+                <a:ea typeface="Cambria"/>
+                <a:cs typeface="Cambria"/>
+              </a:rPr>
+              <a:t>and tested found different solutions to</a:t>
+            </a:r>
+            <a:br>
+              <a:rPr lang="en-US" sz="4800" dirty="0">
+                <a:solidFill>
+                  <a:schemeClr val="dk1"/>
+                </a:solidFill>
+                <a:latin typeface="+mn-lt"/>
+                <a:ea typeface="Cambria"/>
+                <a:cs typeface="Cambria"/>
+              </a:rPr>
+            </a:br>
+            <a:r>
+              <a:rPr lang="en-US" sz="4800" dirty="0">
+                <a:solidFill>
+                  <a:schemeClr val="dk1"/>
+                </a:solidFill>
+                <a:latin typeface="+mn-lt"/>
+                <a:ea typeface="Cambria"/>
+                <a:cs typeface="Cambria"/>
+              </a:rPr>
+              <a:t>the problem and converged at</a:t>
+            </a:r>
+            <a:br>
+              <a:rPr lang="en-US" sz="4800" dirty="0">
+                <a:solidFill>
+                  <a:schemeClr val="dk1"/>
+                </a:solidFill>
+                <a:latin typeface="+mn-lt"/>
+                <a:ea typeface="Cambria"/>
+                <a:cs typeface="Cambria"/>
+              </a:rPr>
+            </a:br>
+            <a:r>
+              <a:rPr lang="en-US" sz="4800" dirty="0">
+                <a:solidFill>
+                  <a:schemeClr val="dk1"/>
+                </a:solidFill>
+                <a:latin typeface="+mn-lt"/>
+                <a:ea typeface="Cambria"/>
+                <a:cs typeface="Cambria"/>
+              </a:rPr>
+              <a:t>different rates during training.</a:t>
+            </a:r>
+            <a:endParaRPr lang="en-US" dirty="0">
               <a:solidFill>
                 <a:schemeClr val="dk1"/>
               </a:solidFill>
               <a:latin typeface="+mn-lt"/>
               <a:ea typeface="Cambria"/>
               <a:cs typeface="Cambria"/>
-              <a:sym typeface="Cambria"/>
-            </a:endParaRPr>
-          </a:p>
-          <a:p>
-            <a:pPr marL="0" marR="0" lvl="0" indent="0" rtl="0">
-              <a:lnSpc>
-                <a:spcPct val="100000"/>
-              </a:lnSpc>
-              <a:spcBef>
-                <a:spcPts val="0"/>
-              </a:spcBef>
-              <a:spcAft>
-                <a:spcPts val="0"/>
-              </a:spcAft>
-              <a:buClr>
-                <a:srgbClr val="000000"/>
-              </a:buClr>
-              <a:buFont typeface="Arial"/>
-              <a:buNone/>
-            </a:pPr>
-            <a:r>
-              <a:rPr lang="en-US" sz="4800" dirty="0">
-                <a:solidFill>
-                  <a:schemeClr val="dk1"/>
-                </a:solidFill>
-                <a:latin typeface="+mn-lt"/>
-                <a:ea typeface="Cambria"/>
-                <a:cs typeface="Cambria"/>
-                <a:sym typeface="Cambria"/>
-              </a:rPr>
-              <a:t>Here is a topic sentence for these results. Here is another sentence introducing the plots. This discussion can continue until the end of the bubble</a:t>
-            </a:r>
-          </a:p>
-          <a:p>
-            <a:pPr marL="0" marR="0" lvl="0" indent="0" algn="ctr" rtl="0">
-              <a:lnSpc>
-                <a:spcPct val="100000"/>
-              </a:lnSpc>
-              <a:spcBef>
-                <a:spcPts val="0"/>
-              </a:spcBef>
-              <a:spcAft>
-                <a:spcPts val="0"/>
-              </a:spcAft>
-              <a:buClr>
-                <a:srgbClr val="000000"/>
-              </a:buClr>
-              <a:buFont typeface="Arial"/>
-              <a:buNone/>
-            </a:pPr>
-            <a:endParaRPr sz="7200" b="1" i="0" u="none" strike="noStrike" cap="none" dirty="0">
-              <a:solidFill>
-                <a:schemeClr val="dk1"/>
-              </a:solidFill>
-              <a:latin typeface="+mn-lt"/>
-              <a:ea typeface="Arial"/>
-              <a:cs typeface="Arial"/>
-              <a:sym typeface="Arial"/>
             </a:endParaRPr>
           </a:p>
         </p:txBody>
@@ -4993,147 +4981,6 @@
           </a:prstGeom>
         </p:spPr>
       </p:pic>
-      <p:pic>
-        <p:nvPicPr>
-          <p:cNvPr id="1026" name="Picture 2">
-            <a:extLst>
-              <a:ext uri="{FF2B5EF4-FFF2-40B4-BE49-F238E27FC236}">
-                <a16:creationId xmlns:a16="http://schemas.microsoft.com/office/drawing/2014/main" id="{7AE4124A-53F5-4251-A608-09E11A5783D6}"/>
-              </a:ext>
-            </a:extLst>
-          </p:cNvPr>
-          <p:cNvPicPr>
-            <a:picLocks noChangeAspect="1" noChangeArrowheads="1"/>
-          </p:cNvPicPr>
-          <p:nvPr/>
-        </p:nvPicPr>
-        <p:blipFill>
-          <a:blip r:embed="rId5">
-            <a:extLst>
-              <a:ext uri="{28A0092B-C50C-407E-A947-70E740481C1C}">
-                <a14:useLocalDpi xmlns:a14="http://schemas.microsoft.com/office/drawing/2010/main" val="0"/>
-              </a:ext>
-            </a:extLst>
-          </a:blip>
-          <a:srcRect/>
-          <a:stretch>
-            <a:fillRect/>
-          </a:stretch>
-        </p:blipFill>
-        <p:spPr bwMode="auto">
-          <a:xfrm>
-            <a:off x="25694068" y="24669920"/>
-            <a:ext cx="6096000" cy="4572000"/>
-          </a:xfrm>
-          <a:prstGeom prst="rect">
-            <a:avLst/>
-          </a:prstGeom>
-          <a:noFill/>
-          <a:extLst>
-            <a:ext uri="{909E8E84-426E-40DD-AFC4-6F175D3DCCD1}">
-              <a14:hiddenFill xmlns:a14="http://schemas.microsoft.com/office/drawing/2010/main">
-                <a:solidFill>
-                  <a:srgbClr val="FFFFFF"/>
-                </a:solidFill>
-              </a14:hiddenFill>
-            </a:ext>
-          </a:extLst>
-        </p:spPr>
-      </p:pic>
-      <p:pic>
-        <p:nvPicPr>
-          <p:cNvPr id="1028" name="Picture 4">
-            <a:extLst>
-              <a:ext uri="{FF2B5EF4-FFF2-40B4-BE49-F238E27FC236}">
-                <a16:creationId xmlns:a16="http://schemas.microsoft.com/office/drawing/2014/main" id="{A7B3AD53-5382-4C25-965D-322B90E5023B}"/>
-              </a:ext>
-            </a:extLst>
-          </p:cNvPr>
-          <p:cNvPicPr>
-            <a:picLocks noChangeAspect="1" noChangeArrowheads="1"/>
-          </p:cNvPicPr>
-          <p:nvPr/>
-        </p:nvPicPr>
-        <p:blipFill>
-          <a:blip r:embed="rId6">
-            <a:extLst>
-              <a:ext uri="{28A0092B-C50C-407E-A947-70E740481C1C}">
-                <a14:useLocalDpi xmlns:a14="http://schemas.microsoft.com/office/drawing/2010/main" val="0"/>
-              </a:ext>
-            </a:extLst>
-          </a:blip>
-          <a:srcRect/>
-          <a:stretch>
-            <a:fillRect/>
-          </a:stretch>
-        </p:blipFill>
-        <p:spPr bwMode="auto">
-          <a:xfrm>
-            <a:off x="25551322" y="20225889"/>
-            <a:ext cx="6096000" cy="4572000"/>
-          </a:xfrm>
-          <a:prstGeom prst="rect">
-            <a:avLst/>
-          </a:prstGeom>
-          <a:noFill/>
-          <a:extLst>
-            <a:ext uri="{909E8E84-426E-40DD-AFC4-6F175D3DCCD1}">
-              <a14:hiddenFill xmlns:a14="http://schemas.microsoft.com/office/drawing/2010/main">
-                <a:solidFill>
-                  <a:srgbClr val="FFFFFF"/>
-                </a:solidFill>
-              </a14:hiddenFill>
-            </a:ext>
-          </a:extLst>
-        </p:spPr>
-      </p:pic>
-      <p:pic>
-        <p:nvPicPr>
-          <p:cNvPr id="2" name="Picture 2">
-            <a:extLst>
-              <a:ext uri="{FF2B5EF4-FFF2-40B4-BE49-F238E27FC236}">
-                <a16:creationId xmlns:a16="http://schemas.microsoft.com/office/drawing/2014/main" id="{0217C5AC-EA8A-45BB-94BF-515F1B14F14A}"/>
-              </a:ext>
-            </a:extLst>
-          </p:cNvPr>
-          <p:cNvPicPr>
-            <a:picLocks noChangeAspect="1" noChangeArrowheads="1"/>
-          </p:cNvPicPr>
-          <p:nvPr/>
-        </p:nvPicPr>
-        <p:blipFill>
-          <a:blip r:embed="rId7">
-            <a:extLst>
-              <a:ext uri="{28A0092B-C50C-407E-A947-70E740481C1C}">
-                <a14:useLocalDpi xmlns:a14="http://schemas.microsoft.com/office/drawing/2010/main" val="0"/>
-              </a:ext>
-            </a:extLst>
-          </a:blip>
-          <a:srcRect/>
-          <a:stretch>
-            <a:fillRect/>
-          </a:stretch>
-        </p:blipFill>
-        <p:spPr bwMode="auto">
-          <a:xfrm>
-            <a:off x="38587289" y="21709953"/>
-            <a:ext cx="4420625" cy="5337402"/>
-          </a:xfrm>
-          <a:prstGeom prst="rect">
-            <a:avLst/>
-          </a:prstGeom>
-          <a:noFill/>
-          <a:extLst>
-            <a:ext uri="{909E8E84-426E-40DD-AFC4-6F175D3DCCD1}">
-              <a14:hiddenFill xmlns:a14="http://schemas.microsoft.com/office/drawing/2010/main">
-                <a:solidFill>
-                  <a:srgbClr val="FFFFFF"/>
-                </a:solidFill>
-              </a14:hiddenFill>
-            </a:ext>
-          </a:extLst>
-        </p:spPr>
-      </p:pic>
       <p:sp>
         <p:nvSpPr>
           <p:cNvPr id="4" name="TextBox 3">
@@ -5184,7 +5031,7 @@
           <p:nvPr/>
         </p:nvPicPr>
         <p:blipFill>
-          <a:blip r:embed="rId8"/>
+          <a:blip r:embed="rId5"/>
           <a:stretch>
             <a:fillRect/>
           </a:stretch>
@@ -5214,7 +5061,7 @@
           <p:nvPr/>
         </p:nvPicPr>
         <p:blipFill>
-          <a:blip r:embed="rId9"/>
+          <a:blip r:embed="rId6"/>
           <a:stretch>
             <a:fillRect/>
           </a:stretch>
@@ -5223,36 +5070,6 @@
           <a:xfrm>
             <a:off x="6194322" y="26241529"/>
             <a:ext cx="4601496" cy="5124142"/>
-          </a:xfrm>
-          <a:prstGeom prst="rect">
-            <a:avLst/>
-          </a:prstGeom>
-        </p:spPr>
-      </p:pic>
-      <p:pic>
-        <p:nvPicPr>
-          <p:cNvPr id="5" name="Picture 4" descr="Chart, line chart&#10;&#10;Description automatically generated">
-            <a:extLst>
-              <a:ext uri="{FF2B5EF4-FFF2-40B4-BE49-F238E27FC236}">
-                <a16:creationId xmlns:a16="http://schemas.microsoft.com/office/drawing/2014/main" id="{9C88683D-20E1-4723-8CB1-53BC7745BAAE}"/>
-              </a:ext>
-            </a:extLst>
-          </p:cNvPr>
-          <p:cNvPicPr>
-            <a:picLocks noChangeAspect="1"/>
-          </p:cNvPicPr>
-          <p:nvPr/>
-        </p:nvPicPr>
-        <p:blipFill>
-          <a:blip r:embed="rId10"/>
-          <a:stretch>
-            <a:fillRect/>
-          </a:stretch>
-        </p:blipFill>
-        <p:spPr>
-          <a:xfrm>
-            <a:off x="19460178" y="24852791"/>
-            <a:ext cx="5852172" cy="4389129"/>
           </a:xfrm>
           <a:prstGeom prst="rect">
             <a:avLst/>
@@ -5274,15 +5091,15 @@
           <p:nvPr/>
         </p:nvPicPr>
         <p:blipFill>
-          <a:blip r:embed="rId11"/>
+          <a:blip r:embed="rId7"/>
           <a:stretch>
             <a:fillRect/>
           </a:stretch>
         </p:blipFill>
         <p:spPr>
           <a:xfrm>
-            <a:off x="19317432" y="20482766"/>
-            <a:ext cx="5852172" cy="4389129"/>
+            <a:off x="38431340" y="22429553"/>
+            <a:ext cx="4967269" cy="3725452"/>
           </a:xfrm>
           <a:prstGeom prst="rect">
             <a:avLst/>
@@ -5304,7 +5121,7 @@
           <p:nvPr/>
         </p:nvPicPr>
         <p:blipFill>
-          <a:blip r:embed="rId12"/>
+          <a:blip r:embed="rId8"/>
           <a:stretch>
             <a:fillRect/>
           </a:stretch>
@@ -5317,88 +5134,6 @@
           <a:prstGeom prst="rect">
             <a:avLst/>
           </a:prstGeom>
-        </p:spPr>
-      </p:pic>
-      <p:sp>
-        <p:nvSpPr>
-          <p:cNvPr id="12" name="TextBox 11">
-            <a:extLst>
-              <a:ext uri="{FF2B5EF4-FFF2-40B4-BE49-F238E27FC236}">
-                <a16:creationId xmlns:a16="http://schemas.microsoft.com/office/drawing/2014/main" id="{2E5D63A6-4874-44A3-8E2C-B332FF15D961}"/>
-              </a:ext>
-            </a:extLst>
-          </p:cNvPr>
-          <p:cNvSpPr txBox="1"/>
-          <p:nvPr/>
-        </p:nvSpPr>
-        <p:spPr>
-          <a:xfrm>
-            <a:off x="14281705" y="24615258"/>
-            <a:ext cx="5852172" cy="2308324"/>
-          </a:xfrm>
-          <a:prstGeom prst="rect">
-            <a:avLst/>
-          </a:prstGeom>
-          <a:noFill/>
-        </p:spPr>
-        <p:txBody>
-          <a:bodyPr wrap="square" rtlCol="0">
-            <a:spAutoFit/>
-          </a:bodyPr>
-          <a:lstStyle/>
-          <a:p>
-            <a:r>
-              <a:rPr lang="en-US" sz="4800" dirty="0"/>
-              <a:t>DQN Family on Discrete MountainCar-v0</a:t>
-            </a:r>
-          </a:p>
-        </p:txBody>
-      </p:sp>
-      <p:pic>
-        <p:nvPicPr>
-          <p:cNvPr id="15" name="Picture 2">
-            <a:extLst>
-              <a:ext uri="{FF2B5EF4-FFF2-40B4-BE49-F238E27FC236}">
-                <a16:creationId xmlns:a16="http://schemas.microsoft.com/office/drawing/2014/main" id="{599E9E9B-41B5-4195-831D-07E01B481EA2}"/>
-              </a:ext>
-            </a:extLst>
-          </p:cNvPr>
-          <p:cNvPicPr>
-            <a:picLocks noChangeAspect="1" noChangeArrowheads="1"/>
-          </p:cNvPicPr>
-          <p:nvPr/>
-        </p:nvPicPr>
-        <p:blipFill>
-          <a:blip r:embed="rId13">
-            <a:extLst>
-              <a:ext uri="{28A0092B-C50C-407E-A947-70E740481C1C}">
-                <a14:useLocalDpi xmlns:a14="http://schemas.microsoft.com/office/drawing/2010/main" val="0"/>
-              </a:ext>
-            </a:extLst>
-          </a:blip>
-          <a:srcRect/>
-          <a:stretch>
-            <a:fillRect/>
-          </a:stretch>
-        </p:blipFill>
-        <p:spPr bwMode="auto">
-          <a:xfrm>
-            <a:off x="8071900" y="36518060"/>
-            <a:ext cx="3819525" cy="2647950"/>
-          </a:xfrm>
-          <a:prstGeom prst="rect">
-            <a:avLst/>
-          </a:prstGeom>
-          <a:noFill/>
-          <a:extLst>
-            <a:ext uri="{909E8E84-426E-40DD-AFC4-6F175D3DCCD1}">
-              <a14:hiddenFill xmlns:a14="http://schemas.microsoft.com/office/drawing/2010/main">
-                <a:solidFill>
-                  <a:srgbClr val="FFFFFF"/>
-                </a:solidFill>
-              </a14:hiddenFill>
-            </a:ext>
-          </a:extLst>
         </p:spPr>
       </p:pic>
       <p:pic>
@@ -5416,7 +5151,7 @@
           <p:nvPr/>
         </p:nvPicPr>
         <p:blipFill>
-          <a:blip r:embed="rId14"/>
+          <a:blip r:embed="rId9"/>
           <a:stretch>
             <a:fillRect/>
           </a:stretch>
@@ -5446,7 +5181,7 @@
           <p:nvPr/>
         </p:nvPicPr>
         <p:blipFill>
-          <a:blip r:embed="rId15"/>
+          <a:blip r:embed="rId10"/>
           <a:stretch>
             <a:fillRect/>
           </a:stretch>
@@ -5476,7 +5211,7 @@
           <p:nvPr/>
         </p:nvPicPr>
         <p:blipFill>
-          <a:blip r:embed="rId16">
+          <a:blip r:embed="rId11">
             <a:extLst>
               <a:ext uri="{28A0092B-C50C-407E-A947-70E740481C1C}">
                 <a14:useLocalDpi xmlns:a14="http://schemas.microsoft.com/office/drawing/2010/main" val="0"/>
@@ -5490,8 +5225,8 @@
         </p:blipFill>
         <p:spPr bwMode="auto">
           <a:xfrm>
-            <a:off x="12815470" y="20464889"/>
-            <a:ext cx="6732838" cy="4667653"/>
+            <a:off x="23478553" y="26836193"/>
+            <a:ext cx="8015947" cy="5641046"/>
           </a:xfrm>
           <a:prstGeom prst="rect">
             <a:avLst/>
@@ -5506,6 +5241,66 @@
               </a14:hiddenFill>
             </a:ext>
           </a:extLst>
+        </p:spPr>
+      </p:pic>
+      <p:pic>
+        <p:nvPicPr>
+          <p:cNvPr id="9" name="Picture 9" descr="Chart, histogram&#10;&#10;Description automatically generated">
+            <a:extLst>
+              <a:ext uri="{FF2B5EF4-FFF2-40B4-BE49-F238E27FC236}">
+                <a16:creationId xmlns:a16="http://schemas.microsoft.com/office/drawing/2014/main" id="{F2EF679C-750C-4CED-A5B1-4A1F655B79C3}"/>
+              </a:ext>
+            </a:extLst>
+          </p:cNvPr>
+          <p:cNvPicPr>
+            <a:picLocks noChangeAspect="1"/>
+          </p:cNvPicPr>
+          <p:nvPr/>
+        </p:nvPicPr>
+        <p:blipFill>
+          <a:blip r:embed="rId12"/>
+          <a:stretch>
+            <a:fillRect/>
+          </a:stretch>
+        </p:blipFill>
+        <p:spPr>
+          <a:xfrm>
+            <a:off x="14246941" y="21182370"/>
+            <a:ext cx="7344697" cy="5552769"/>
+          </a:xfrm>
+          <a:prstGeom prst="rect">
+            <a:avLst/>
+          </a:prstGeom>
+        </p:spPr>
+      </p:pic>
+      <p:pic>
+        <p:nvPicPr>
+          <p:cNvPr id="10" name="Picture 13" descr="Chart, line chart&#10;&#10;Description automatically generated">
+            <a:extLst>
+              <a:ext uri="{FF2B5EF4-FFF2-40B4-BE49-F238E27FC236}">
+                <a16:creationId xmlns:a16="http://schemas.microsoft.com/office/drawing/2014/main" id="{78B1034D-DD94-4DA9-90DC-89BC7B0F492E}"/>
+              </a:ext>
+            </a:extLst>
+          </p:cNvPr>
+          <p:cNvPicPr>
+            <a:picLocks noChangeAspect="1"/>
+          </p:cNvPicPr>
+          <p:nvPr/>
+        </p:nvPicPr>
+        <p:blipFill>
+          <a:blip r:embed="rId13"/>
+          <a:stretch>
+            <a:fillRect/>
+          </a:stretch>
+        </p:blipFill>
+        <p:spPr>
+          <a:xfrm>
+            <a:off x="23936632" y="21182371"/>
+            <a:ext cx="7388942" cy="5420032"/>
+          </a:xfrm>
+          <a:prstGeom prst="rect">
+            <a:avLst/>
+          </a:prstGeom>
         </p:spPr>
       </p:pic>
     </p:spTree>

--- a/final/presentation_poster.pptx
+++ b/final/presentation_poster.pptx
@@ -3018,48 +3018,6 @@
           </a:bodyPr>
           <a:lstStyle/>
           <a:p>
-            <a:pPr marL="0" marR="0" lvl="0" indent="0" algn="ctr" rtl="0">
-              <a:lnSpc>
-                <a:spcPct val="100000"/>
-              </a:lnSpc>
-              <a:spcBef>
-                <a:spcPts val="0"/>
-              </a:spcBef>
-              <a:spcAft>
-                <a:spcPts val="0"/>
-              </a:spcAft>
-              <a:buClr>
-                <a:srgbClr val="000000"/>
-              </a:buClr>
-              <a:buFont typeface="Arial"/>
-              <a:buNone/>
-            </a:pPr>
-            <a:r>
-              <a:rPr lang="en-US" sz="7200" b="1" i="0" u="none" strike="noStrike" cap="none" dirty="0">
-                <a:solidFill>
-                  <a:schemeClr val="dk1"/>
-                </a:solidFill>
-                <a:latin typeface="+mn-lt"/>
-                <a:ea typeface="Cambria"/>
-                <a:cs typeface="Cambria"/>
-                <a:sym typeface="Cambria"/>
-              </a:rPr>
-              <a:t>Breakout-v0 </a:t>
-            </a:r>
-            <a:r>
-              <a:rPr lang="en-US" sz="7200" b="1" dirty="0">
-                <a:solidFill>
-                  <a:schemeClr val="dk1"/>
-                </a:solidFill>
-                <a:latin typeface="+mn-lt"/>
-                <a:ea typeface="Cambria"/>
-                <a:cs typeface="Cambria"/>
-                <a:sym typeface="Cambria"/>
-              </a:rPr>
-              <a:t>Task Results</a:t>
-            </a:r>
-          </a:p>
-          <a:p>
             <a:pPr marL="0" marR="0" lvl="0" indent="0" rtl="0">
               <a:lnSpc>
                 <a:spcPct val="100000"/>
@@ -3373,18 +3331,15 @@
               <a:buFont typeface="Arial"/>
               <a:buNone/>
             </a:pPr>
-            <a:r>
-              <a:rPr lang="en-US" sz="4800" dirty="0">
-                <a:solidFill>
-                  <a:schemeClr val="dk1"/>
-                </a:solidFill>
-                <a:latin typeface="+mn-lt"/>
-                <a:ea typeface="Cambria"/>
-                <a:cs typeface="Cambria"/>
-                <a:sym typeface="Cambria"/>
-              </a:rPr>
-              <a:t>Here we show results during training and testing for our set of 5 DQN-variety models. We additionally vary these results over a high- and low-learning-rate setup to compare the training between each.</a:t>
-            </a:r>
+            <a:endParaRPr lang="en-US" sz="4800" dirty="0">
+              <a:solidFill>
+                <a:schemeClr val="dk1"/>
+              </a:solidFill>
+              <a:latin typeface="+mn-lt"/>
+              <a:ea typeface="Cambria"/>
+              <a:cs typeface="Cambria"/>
+              <a:sym typeface="Cambria"/>
+            </a:endParaRPr>
           </a:p>
         </p:txBody>
       </p:sp>
@@ -5048,6 +5003,36 @@
       </p:pic>
       <p:pic>
         <p:nvPicPr>
+          <p:cNvPr id="19" name="Picture 18" descr="Chart, histogram&#10;&#10;Description automatically generated">
+            <a:extLst>
+              <a:ext uri="{FF2B5EF4-FFF2-40B4-BE49-F238E27FC236}">
+                <a16:creationId xmlns:a16="http://schemas.microsoft.com/office/drawing/2014/main" id="{F912F72E-D31B-435D-B09E-912F20CA0D83}"/>
+              </a:ext>
+            </a:extLst>
+          </p:cNvPr>
+          <p:cNvPicPr>
+            <a:picLocks noChangeAspect="1"/>
+          </p:cNvPicPr>
+          <p:nvPr/>
+        </p:nvPicPr>
+        <p:blipFill>
+          <a:blip r:embed="rId6"/>
+          <a:stretch>
+            <a:fillRect/>
+          </a:stretch>
+        </p:blipFill>
+        <p:spPr>
+          <a:xfrm>
+            <a:off x="12544091" y="6183261"/>
+            <a:ext cx="9047547" cy="6671666"/>
+          </a:xfrm>
+          <a:prstGeom prst="rect">
+            <a:avLst/>
+          </a:prstGeom>
+        </p:spPr>
+      </p:pic>
+      <p:pic>
+        <p:nvPicPr>
           <p:cNvPr id="8" name="Picture 9" descr="Diagram&#10;&#10;Description automatically generated">
             <a:extLst>
               <a:ext uri="{FF2B5EF4-FFF2-40B4-BE49-F238E27FC236}">
@@ -5061,7 +5046,7 @@
           <p:nvPr/>
         </p:nvPicPr>
         <p:blipFill>
-          <a:blip r:embed="rId6"/>
+          <a:blip r:embed="rId7"/>
           <a:stretch>
             <a:fillRect/>
           </a:stretch>
@@ -5091,7 +5076,7 @@
           <p:nvPr/>
         </p:nvPicPr>
         <p:blipFill>
-          <a:blip r:embed="rId7"/>
+          <a:blip r:embed="rId8"/>
           <a:stretch>
             <a:fillRect/>
           </a:stretch>
@@ -5121,7 +5106,7 @@
           <p:nvPr/>
         </p:nvPicPr>
         <p:blipFill>
-          <a:blip r:embed="rId8"/>
+          <a:blip r:embed="rId9"/>
           <a:stretch>
             <a:fillRect/>
           </a:stretch>
@@ -5151,36 +5136,6 @@
           <p:nvPr/>
         </p:nvPicPr>
         <p:blipFill>
-          <a:blip r:embed="rId9"/>
-          <a:stretch>
-            <a:fillRect/>
-          </a:stretch>
-        </p:blipFill>
-        <p:spPr>
-          <a:xfrm>
-            <a:off x="22386264" y="8085203"/>
-            <a:ext cx="10523465" cy="7259364"/>
-          </a:xfrm>
-          <a:prstGeom prst="rect">
-            <a:avLst/>
-          </a:prstGeom>
-        </p:spPr>
-      </p:pic>
-      <p:pic>
-        <p:nvPicPr>
-          <p:cNvPr id="19" name="Picture 18" descr="Chart, histogram&#10;&#10;Description automatically generated">
-            <a:extLst>
-              <a:ext uri="{FF2B5EF4-FFF2-40B4-BE49-F238E27FC236}">
-                <a16:creationId xmlns:a16="http://schemas.microsoft.com/office/drawing/2014/main" id="{F912F72E-D31B-435D-B09E-912F20CA0D83}"/>
-              </a:ext>
-            </a:extLst>
-          </p:cNvPr>
-          <p:cNvPicPr>
-            <a:picLocks noChangeAspect="1"/>
-          </p:cNvPicPr>
-          <p:nvPr/>
-        </p:nvPicPr>
-        <p:blipFill>
           <a:blip r:embed="rId10"/>
           <a:stretch>
             <a:fillRect/>
@@ -5188,8 +5143,8 @@
         </p:blipFill>
         <p:spPr>
           <a:xfrm>
-            <a:off x="12446246" y="8045138"/>
-            <a:ext cx="9844532" cy="7259364"/>
+            <a:off x="12597887" y="12467993"/>
+            <a:ext cx="9701677" cy="6692474"/>
           </a:xfrm>
           <a:prstGeom prst="rect">
             <a:avLst/>
@@ -5297,6 +5252,66 @@
           <a:xfrm>
             <a:off x="23936632" y="21182371"/>
             <a:ext cx="7388942" cy="5420032"/>
+          </a:xfrm>
+          <a:prstGeom prst="rect">
+            <a:avLst/>
+          </a:prstGeom>
+        </p:spPr>
+      </p:pic>
+      <p:pic>
+        <p:nvPicPr>
+          <p:cNvPr id="5" name="Picture 4" descr="Chart, histogram&#10;&#10;Description automatically generated">
+            <a:extLst>
+              <a:ext uri="{FF2B5EF4-FFF2-40B4-BE49-F238E27FC236}">
+                <a16:creationId xmlns:a16="http://schemas.microsoft.com/office/drawing/2014/main" id="{32C59B61-2402-4A88-BB81-12A6958D372F}"/>
+              </a:ext>
+            </a:extLst>
+          </p:cNvPr>
+          <p:cNvPicPr>
+            <a:picLocks noChangeAspect="1"/>
+          </p:cNvPicPr>
+          <p:nvPr/>
+        </p:nvPicPr>
+        <p:blipFill>
+          <a:blip r:embed="rId14"/>
+          <a:stretch>
+            <a:fillRect/>
+          </a:stretch>
+        </p:blipFill>
+        <p:spPr>
+          <a:xfrm>
+            <a:off x="23567266" y="6183261"/>
+            <a:ext cx="9047547" cy="6689410"/>
+          </a:xfrm>
+          <a:prstGeom prst="rect">
+            <a:avLst/>
+          </a:prstGeom>
+        </p:spPr>
+      </p:pic>
+      <p:pic>
+        <p:nvPicPr>
+          <p:cNvPr id="14" name="Picture 13" descr="Chart, line chart&#10;&#10;Description automatically generated">
+            <a:extLst>
+              <a:ext uri="{FF2B5EF4-FFF2-40B4-BE49-F238E27FC236}">
+                <a16:creationId xmlns:a16="http://schemas.microsoft.com/office/drawing/2014/main" id="{F8926C31-0851-4C7A-B75E-5EC7788EB85B}"/>
+              </a:ext>
+            </a:extLst>
+          </p:cNvPr>
+          <p:cNvPicPr>
+            <a:picLocks noChangeAspect="1"/>
+          </p:cNvPicPr>
+          <p:nvPr/>
+        </p:nvPicPr>
+        <p:blipFill>
+          <a:blip r:embed="rId15"/>
+          <a:stretch>
+            <a:fillRect/>
+          </a:stretch>
+        </p:blipFill>
+        <p:spPr>
+          <a:xfrm>
+            <a:off x="23641388" y="12596635"/>
+            <a:ext cx="8973425" cy="6634608"/>
           </a:xfrm>
           <a:prstGeom prst="rect">
             <a:avLst/>

--- a/final/presentation_poster.pptx
+++ b/final/presentation_poster.pptx
@@ -2991,7 +2991,7 @@
         </p:nvSpPr>
         <p:spPr>
           <a:xfrm>
-            <a:off x="12328150" y="5999375"/>
+            <a:off x="12370197" y="5954776"/>
             <a:ext cx="20813200" cy="12937237"/>
           </a:xfrm>
           <a:prstGeom prst="roundRect">
@@ -3018,7 +3018,7 @@
           </a:bodyPr>
           <a:lstStyle/>
           <a:p>
-            <a:pPr marL="0" marR="0" lvl="0" indent="0" rtl="0">
+            <a:pPr marL="0" marR="0" lvl="0" indent="0" algn="ctr" rtl="0">
               <a:lnSpc>
                 <a:spcPct val="100000"/>
               </a:lnSpc>
@@ -3034,304 +3034,28 @@
               <a:buFont typeface="Arial"/>
               <a:buNone/>
             </a:pPr>
-            <a:endParaRPr lang="en-US" sz="4800" dirty="0">
-              <a:solidFill>
-                <a:schemeClr val="dk1"/>
-              </a:solidFill>
-              <a:latin typeface="+mn-lt"/>
-              <a:ea typeface="Cambria"/>
-              <a:cs typeface="Cambria"/>
-              <a:sym typeface="Cambria"/>
-            </a:endParaRPr>
-          </a:p>
-          <a:p>
-            <a:pPr marL="0" marR="0" lvl="0" indent="0" rtl="0">
-              <a:lnSpc>
-                <a:spcPct val="100000"/>
-              </a:lnSpc>
-              <a:spcBef>
-                <a:spcPts val="0"/>
-              </a:spcBef>
-              <a:spcAft>
-                <a:spcPts val="0"/>
-              </a:spcAft>
-              <a:buClr>
-                <a:srgbClr val="000000"/>
-              </a:buClr>
-              <a:buFont typeface="Arial"/>
-              <a:buNone/>
-            </a:pPr>
-            <a:endParaRPr lang="en-US" sz="4800" dirty="0">
-              <a:solidFill>
-                <a:schemeClr val="dk1"/>
-              </a:solidFill>
-              <a:latin typeface="+mn-lt"/>
-              <a:ea typeface="Cambria"/>
-              <a:cs typeface="Cambria"/>
-              <a:sym typeface="Cambria"/>
-            </a:endParaRPr>
-          </a:p>
-          <a:p>
-            <a:pPr marL="0" marR="0" lvl="0" indent="0" rtl="0">
-              <a:lnSpc>
-                <a:spcPct val="100000"/>
-              </a:lnSpc>
-              <a:spcBef>
-                <a:spcPts val="0"/>
-              </a:spcBef>
-              <a:spcAft>
-                <a:spcPts val="0"/>
-              </a:spcAft>
-              <a:buClr>
-                <a:srgbClr val="000000"/>
-              </a:buClr>
-              <a:buFont typeface="Arial"/>
-              <a:buNone/>
-            </a:pPr>
-            <a:endParaRPr lang="en-US" sz="4800" dirty="0">
-              <a:solidFill>
-                <a:schemeClr val="dk1"/>
-              </a:solidFill>
-              <a:latin typeface="+mn-lt"/>
-              <a:ea typeface="Cambria"/>
-              <a:cs typeface="Cambria"/>
-              <a:sym typeface="Cambria"/>
-            </a:endParaRPr>
-          </a:p>
-          <a:p>
-            <a:pPr marL="0" marR="0" lvl="0" indent="0" rtl="0">
-              <a:lnSpc>
-                <a:spcPct val="100000"/>
-              </a:lnSpc>
-              <a:spcBef>
-                <a:spcPts val="0"/>
-              </a:spcBef>
-              <a:spcAft>
-                <a:spcPts val="0"/>
-              </a:spcAft>
-              <a:buClr>
-                <a:srgbClr val="000000"/>
-              </a:buClr>
-              <a:buFont typeface="Arial"/>
-              <a:buNone/>
-            </a:pPr>
-            <a:endParaRPr lang="en-US" sz="4800" dirty="0">
-              <a:solidFill>
-                <a:schemeClr val="dk1"/>
-              </a:solidFill>
-              <a:latin typeface="+mn-lt"/>
-              <a:ea typeface="Cambria"/>
-              <a:cs typeface="Cambria"/>
-              <a:sym typeface="Cambria"/>
-            </a:endParaRPr>
-          </a:p>
-          <a:p>
-            <a:pPr marL="0" marR="0" lvl="0" indent="0" rtl="0">
-              <a:lnSpc>
-                <a:spcPct val="100000"/>
-              </a:lnSpc>
-              <a:spcBef>
-                <a:spcPts val="0"/>
-              </a:spcBef>
-              <a:spcAft>
-                <a:spcPts val="0"/>
-              </a:spcAft>
-              <a:buClr>
-                <a:srgbClr val="000000"/>
-              </a:buClr>
-              <a:buFont typeface="Arial"/>
-              <a:buNone/>
-            </a:pPr>
-            <a:endParaRPr lang="en-US" sz="4800" dirty="0">
-              <a:solidFill>
-                <a:schemeClr val="dk1"/>
-              </a:solidFill>
-              <a:latin typeface="+mn-lt"/>
-              <a:ea typeface="Cambria"/>
-              <a:cs typeface="Cambria"/>
-              <a:sym typeface="Cambria"/>
-            </a:endParaRPr>
-          </a:p>
-          <a:p>
-            <a:pPr marL="0" marR="0" lvl="0" indent="0" rtl="0">
-              <a:lnSpc>
-                <a:spcPct val="100000"/>
-              </a:lnSpc>
-              <a:spcBef>
-                <a:spcPts val="0"/>
-              </a:spcBef>
-              <a:spcAft>
-                <a:spcPts val="0"/>
-              </a:spcAft>
-              <a:buClr>
-                <a:srgbClr val="000000"/>
-              </a:buClr>
-              <a:buFont typeface="Arial"/>
-              <a:buNone/>
-            </a:pPr>
-            <a:endParaRPr lang="en-US" sz="4800" dirty="0">
-              <a:solidFill>
-                <a:schemeClr val="dk1"/>
-              </a:solidFill>
-              <a:latin typeface="+mn-lt"/>
-              <a:ea typeface="Cambria"/>
-              <a:cs typeface="Cambria"/>
-              <a:sym typeface="Cambria"/>
-            </a:endParaRPr>
-          </a:p>
-          <a:p>
-            <a:pPr marL="0" marR="0" lvl="0" indent="0" rtl="0">
-              <a:lnSpc>
-                <a:spcPct val="100000"/>
-              </a:lnSpc>
-              <a:spcBef>
-                <a:spcPts val="0"/>
-              </a:spcBef>
-              <a:spcAft>
-                <a:spcPts val="0"/>
-              </a:spcAft>
-              <a:buClr>
-                <a:srgbClr val="000000"/>
-              </a:buClr>
-              <a:buFont typeface="Arial"/>
-              <a:buNone/>
-            </a:pPr>
-            <a:endParaRPr lang="en-US" sz="4800" dirty="0">
-              <a:solidFill>
-                <a:schemeClr val="dk1"/>
-              </a:solidFill>
-              <a:latin typeface="+mn-lt"/>
-              <a:ea typeface="Cambria"/>
-              <a:cs typeface="Cambria"/>
-              <a:sym typeface="Cambria"/>
-            </a:endParaRPr>
-          </a:p>
-          <a:p>
-            <a:pPr marL="0" marR="0" lvl="0" indent="0" rtl="0">
-              <a:lnSpc>
-                <a:spcPct val="100000"/>
-              </a:lnSpc>
-              <a:spcBef>
-                <a:spcPts val="0"/>
-              </a:spcBef>
-              <a:spcAft>
-                <a:spcPts val="0"/>
-              </a:spcAft>
-              <a:buClr>
-                <a:srgbClr val="000000"/>
-              </a:buClr>
-              <a:buFont typeface="Arial"/>
-              <a:buNone/>
-            </a:pPr>
-            <a:endParaRPr lang="en-US" sz="4800" dirty="0">
-              <a:solidFill>
-                <a:schemeClr val="dk1"/>
-              </a:solidFill>
-              <a:latin typeface="+mn-lt"/>
-              <a:ea typeface="Cambria"/>
-              <a:cs typeface="Cambria"/>
-              <a:sym typeface="Cambria"/>
-            </a:endParaRPr>
-          </a:p>
-          <a:p>
-            <a:pPr marL="0" marR="0" lvl="0" indent="0" rtl="0">
-              <a:lnSpc>
-                <a:spcPct val="100000"/>
-              </a:lnSpc>
-              <a:spcBef>
-                <a:spcPts val="0"/>
-              </a:spcBef>
-              <a:spcAft>
-                <a:spcPts val="0"/>
-              </a:spcAft>
-              <a:buClr>
-                <a:srgbClr val="000000"/>
-              </a:buClr>
-              <a:buFont typeface="Arial"/>
-              <a:buNone/>
-            </a:pPr>
-            <a:endParaRPr lang="en-US" sz="4800" dirty="0">
-              <a:solidFill>
-                <a:schemeClr val="dk1"/>
-              </a:solidFill>
-              <a:latin typeface="+mn-lt"/>
-              <a:ea typeface="Cambria"/>
-              <a:cs typeface="Cambria"/>
-              <a:sym typeface="Cambria"/>
-            </a:endParaRPr>
-          </a:p>
-          <a:p>
-            <a:pPr marL="0" marR="0" lvl="0" indent="0" rtl="0">
-              <a:lnSpc>
-                <a:spcPct val="100000"/>
-              </a:lnSpc>
-              <a:spcBef>
-                <a:spcPts val="0"/>
-              </a:spcBef>
-              <a:spcAft>
-                <a:spcPts val="0"/>
-              </a:spcAft>
-              <a:buClr>
-                <a:srgbClr val="000000"/>
-              </a:buClr>
-              <a:buFont typeface="Arial"/>
-              <a:buNone/>
-            </a:pPr>
-            <a:endParaRPr lang="en-US" sz="4800" dirty="0">
-              <a:solidFill>
-                <a:schemeClr val="dk1"/>
-              </a:solidFill>
-              <a:latin typeface="+mn-lt"/>
-              <a:ea typeface="Cambria"/>
-              <a:cs typeface="Cambria"/>
-              <a:sym typeface="Cambria"/>
-            </a:endParaRPr>
-          </a:p>
-          <a:p>
-            <a:pPr marL="0" marR="0" lvl="0" indent="0" rtl="0">
-              <a:lnSpc>
-                <a:spcPct val="100000"/>
-              </a:lnSpc>
-              <a:spcBef>
-                <a:spcPts val="0"/>
-              </a:spcBef>
-              <a:spcAft>
-                <a:spcPts val="0"/>
-              </a:spcAft>
-              <a:buClr>
-                <a:srgbClr val="000000"/>
-              </a:buClr>
-              <a:buFont typeface="Arial"/>
-              <a:buNone/>
-            </a:pPr>
-            <a:endParaRPr lang="en-US" sz="4800" dirty="0">
-              <a:solidFill>
-                <a:schemeClr val="dk1"/>
-              </a:solidFill>
-              <a:latin typeface="+mn-lt"/>
-              <a:ea typeface="Cambria"/>
-              <a:cs typeface="Cambria"/>
-              <a:sym typeface="Cambria"/>
-            </a:endParaRPr>
-          </a:p>
-          <a:p>
-            <a:pPr marL="0" marR="0" lvl="0" indent="0" rtl="0">
-              <a:lnSpc>
-                <a:spcPct val="100000"/>
-              </a:lnSpc>
-              <a:spcBef>
-                <a:spcPts val="0"/>
-              </a:spcBef>
-              <a:spcAft>
-                <a:spcPts val="0"/>
-              </a:spcAft>
-              <a:buClr>
-                <a:srgbClr val="000000"/>
-              </a:buClr>
-              <a:buFont typeface="Arial"/>
-              <a:buNone/>
-            </a:pPr>
-            <a:endParaRPr lang="en-US" sz="4800" dirty="0">
+            <a:r>
+              <a:rPr lang="en-US" sz="7200" b="1" dirty="0">
+                <a:solidFill>
+                  <a:schemeClr val="dk1"/>
+                </a:solidFill>
+                <a:latin typeface="+mn-lt"/>
+              </a:rPr>
+              <a:t>Breakout </a:t>
+            </a:r>
+            <a:r>
+              <a:rPr lang="en-US" sz="7200" b="1" i="0" u="none" strike="noStrike" cap="none" dirty="0">
+                <a:solidFill>
+                  <a:schemeClr val="dk1"/>
+                </a:solidFill>
+                <a:latin typeface="+mn-lt"/>
+                <a:ea typeface="Arial"/>
+                <a:cs typeface="Arial"/>
+                <a:sym typeface="Arial"/>
+              </a:rPr>
+              <a:t>Task Results</a:t>
+            </a:r>
+            <a:endParaRPr lang="en-US" sz="9600" b="1" dirty="0">
               <a:solidFill>
                 <a:schemeClr val="dk1"/>
               </a:solidFill>
@@ -5003,36 +4727,6 @@
       </p:pic>
       <p:pic>
         <p:nvPicPr>
-          <p:cNvPr id="19" name="Picture 18" descr="Chart, histogram&#10;&#10;Description automatically generated">
-            <a:extLst>
-              <a:ext uri="{FF2B5EF4-FFF2-40B4-BE49-F238E27FC236}">
-                <a16:creationId xmlns:a16="http://schemas.microsoft.com/office/drawing/2014/main" id="{F912F72E-D31B-435D-B09E-912F20CA0D83}"/>
-              </a:ext>
-            </a:extLst>
-          </p:cNvPr>
-          <p:cNvPicPr>
-            <a:picLocks noChangeAspect="1"/>
-          </p:cNvPicPr>
-          <p:nvPr/>
-        </p:nvPicPr>
-        <p:blipFill>
-          <a:blip r:embed="rId6"/>
-          <a:stretch>
-            <a:fillRect/>
-          </a:stretch>
-        </p:blipFill>
-        <p:spPr>
-          <a:xfrm>
-            <a:off x="12544091" y="6183261"/>
-            <a:ext cx="9047547" cy="6671666"/>
-          </a:xfrm>
-          <a:prstGeom prst="rect">
-            <a:avLst/>
-          </a:prstGeom>
-        </p:spPr>
-      </p:pic>
-      <p:pic>
-        <p:nvPicPr>
           <p:cNvPr id="8" name="Picture 9" descr="Diagram&#10;&#10;Description automatically generated">
             <a:extLst>
               <a:ext uri="{FF2B5EF4-FFF2-40B4-BE49-F238E27FC236}">
@@ -5046,7 +4740,7 @@
           <p:nvPr/>
         </p:nvPicPr>
         <p:blipFill>
-          <a:blip r:embed="rId7"/>
+          <a:blip r:embed="rId6"/>
           <a:stretch>
             <a:fillRect/>
           </a:stretch>
@@ -5076,7 +4770,7 @@
           <p:nvPr/>
         </p:nvPicPr>
         <p:blipFill>
-          <a:blip r:embed="rId8"/>
+          <a:blip r:embed="rId7"/>
           <a:stretch>
             <a:fillRect/>
           </a:stretch>
@@ -5106,7 +4800,7 @@
           <p:nvPr/>
         </p:nvPicPr>
         <p:blipFill>
-          <a:blip r:embed="rId9"/>
+          <a:blip r:embed="rId8"/>
           <a:stretch>
             <a:fillRect/>
           </a:stretch>
@@ -5136,15 +4830,15 @@
           <p:nvPr/>
         </p:nvPicPr>
         <p:blipFill>
-          <a:blip r:embed="rId10"/>
+          <a:blip r:embed="rId9"/>
           <a:stretch>
             <a:fillRect/>
           </a:stretch>
         </p:blipFill>
         <p:spPr>
           <a:xfrm>
-            <a:off x="12597887" y="12467993"/>
-            <a:ext cx="9701677" cy="6692474"/>
+            <a:off x="12751250" y="11535307"/>
+            <a:ext cx="10664574" cy="7356706"/>
           </a:xfrm>
           <a:prstGeom prst="rect">
             <a:avLst/>
@@ -5166,7 +4860,7 @@
           <p:nvPr/>
         </p:nvPicPr>
         <p:blipFill>
-          <a:blip r:embed="rId11">
+          <a:blip r:embed="rId10">
             <a:extLst>
               <a:ext uri="{28A0092B-C50C-407E-A947-70E740481C1C}">
                 <a14:useLocalDpi xmlns:a14="http://schemas.microsoft.com/office/drawing/2010/main" val="0"/>
@@ -5213,7 +4907,7 @@
           <p:nvPr/>
         </p:nvPicPr>
         <p:blipFill>
-          <a:blip r:embed="rId12"/>
+          <a:blip r:embed="rId11"/>
           <a:stretch>
             <a:fillRect/>
           </a:stretch>
@@ -5243,7 +4937,7 @@
           <p:nvPr/>
         </p:nvPicPr>
         <p:blipFill>
-          <a:blip r:embed="rId13"/>
+          <a:blip r:embed="rId12"/>
           <a:stretch>
             <a:fillRect/>
           </a:stretch>
@@ -5252,36 +4946,6 @@
           <a:xfrm>
             <a:off x="23936632" y="21182371"/>
             <a:ext cx="7388942" cy="5420032"/>
-          </a:xfrm>
-          <a:prstGeom prst="rect">
-            <a:avLst/>
-          </a:prstGeom>
-        </p:spPr>
-      </p:pic>
-      <p:pic>
-        <p:nvPicPr>
-          <p:cNvPr id="5" name="Picture 4" descr="Chart, histogram&#10;&#10;Description automatically generated">
-            <a:extLst>
-              <a:ext uri="{FF2B5EF4-FFF2-40B4-BE49-F238E27FC236}">
-                <a16:creationId xmlns:a16="http://schemas.microsoft.com/office/drawing/2014/main" id="{32C59B61-2402-4A88-BB81-12A6958D372F}"/>
-              </a:ext>
-            </a:extLst>
-          </p:cNvPr>
-          <p:cNvPicPr>
-            <a:picLocks noChangeAspect="1"/>
-          </p:cNvPicPr>
-          <p:nvPr/>
-        </p:nvPicPr>
-        <p:blipFill>
-          <a:blip r:embed="rId14"/>
-          <a:stretch>
-            <a:fillRect/>
-          </a:stretch>
-        </p:blipFill>
-        <p:spPr>
-          <a:xfrm>
-            <a:off x="23567266" y="6183261"/>
-            <a:ext cx="9047547" cy="6689410"/>
           </a:xfrm>
           <a:prstGeom prst="rect">
             <a:avLst/>
@@ -5303,21 +4967,99 @@
           <p:nvPr/>
         </p:nvPicPr>
         <p:blipFill>
-          <a:blip r:embed="rId15"/>
+          <a:blip r:embed="rId13"/>
           <a:stretch>
             <a:fillRect/>
           </a:stretch>
         </p:blipFill>
         <p:spPr>
           <a:xfrm>
-            <a:off x="23641388" y="12596635"/>
-            <a:ext cx="8973425" cy="6634608"/>
+            <a:off x="21882214" y="7599765"/>
+            <a:ext cx="11102097" cy="8208466"/>
           </a:xfrm>
           <a:prstGeom prst="rect">
             <a:avLst/>
           </a:prstGeom>
         </p:spPr>
       </p:pic>
+      <p:sp>
+        <p:nvSpPr>
+          <p:cNvPr id="2" name="TextBox 1">
+            <a:extLst>
+              <a:ext uri="{FF2B5EF4-FFF2-40B4-BE49-F238E27FC236}">
+                <a16:creationId xmlns:a16="http://schemas.microsoft.com/office/drawing/2014/main" id="{022B2D27-1D5D-471E-B0B4-FD9DCBA0437F}"/>
+              </a:ext>
+            </a:extLst>
+          </p:cNvPr>
+          <p:cNvSpPr txBox="1"/>
+          <p:nvPr/>
+        </p:nvSpPr>
+        <p:spPr>
+          <a:xfrm>
+            <a:off x="12751250" y="8022754"/>
+            <a:ext cx="9040063" cy="3170099"/>
+          </a:xfrm>
+          <a:prstGeom prst="rect">
+            <a:avLst/>
+          </a:prstGeom>
+          <a:noFill/>
+        </p:spPr>
+        <p:txBody>
+          <a:bodyPr wrap="square" rtlCol="0">
+            <a:spAutoFit/>
+          </a:bodyPr>
+          <a:lstStyle/>
+          <a:p>
+            <a:r>
+              <a:rPr lang="en-US" sz="4000" dirty="0"/>
+              <a:t>Notice the drastically different model results both for different agents in the same scenario, and between learning rates. </a:t>
+            </a:r>
+            <a:r>
+              <a:rPr lang="en-US" sz="4000" dirty="0" err="1"/>
+              <a:t>Doube</a:t>
+            </a:r>
+            <a:r>
+              <a:rPr lang="en-US" sz="4000" dirty="0"/>
+              <a:t> DQN goes from by far the worse to by far the best model.</a:t>
+            </a:r>
+          </a:p>
+        </p:txBody>
+      </p:sp>
+      <p:sp>
+        <p:nvSpPr>
+          <p:cNvPr id="12" name="TextBox 11">
+            <a:extLst>
+              <a:ext uri="{FF2B5EF4-FFF2-40B4-BE49-F238E27FC236}">
+                <a16:creationId xmlns:a16="http://schemas.microsoft.com/office/drawing/2014/main" id="{40483073-913B-4563-AE74-953A29EA7D26}"/>
+              </a:ext>
+            </a:extLst>
+          </p:cNvPr>
+          <p:cNvSpPr txBox="1"/>
+          <p:nvPr/>
+        </p:nvSpPr>
+        <p:spPr>
+          <a:xfrm>
+            <a:off x="22940543" y="16231220"/>
+            <a:ext cx="9377382" cy="1754326"/>
+          </a:xfrm>
+          <a:prstGeom prst="rect">
+            <a:avLst/>
+          </a:prstGeom>
+          <a:noFill/>
+        </p:spPr>
+        <p:txBody>
+          <a:bodyPr wrap="square" rtlCol="0">
+            <a:spAutoFit/>
+          </a:bodyPr>
+          <a:lstStyle/>
+          <a:p>
+            <a:r>
+              <a:rPr lang="en-US" sz="5400" dirty="0"/>
+              <a:t>Testing results for High- and Low-learning rates for Q</a:t>
+            </a:r>
+          </a:p>
+        </p:txBody>
+      </p:sp>
     </p:spTree>
   </p:cSld>
   <p:clrMapOvr>

--- a/final/presentation_poster.pptx
+++ b/final/presentation_poster.pptx
@@ -4817,36 +4817,6 @@
       </p:pic>
       <p:pic>
         <p:nvPicPr>
-          <p:cNvPr id="17" name="Picture 16" descr="Chart, line chart&#10;&#10;Description automatically generated">
-            <a:extLst>
-              <a:ext uri="{FF2B5EF4-FFF2-40B4-BE49-F238E27FC236}">
-                <a16:creationId xmlns:a16="http://schemas.microsoft.com/office/drawing/2014/main" id="{A0C84321-8F10-4E62-B353-C7C758A9A680}"/>
-              </a:ext>
-            </a:extLst>
-          </p:cNvPr>
-          <p:cNvPicPr>
-            <a:picLocks noChangeAspect="1"/>
-          </p:cNvPicPr>
-          <p:nvPr/>
-        </p:nvPicPr>
-        <p:blipFill>
-          <a:blip r:embed="rId9"/>
-          <a:stretch>
-            <a:fillRect/>
-          </a:stretch>
-        </p:blipFill>
-        <p:spPr>
-          <a:xfrm>
-            <a:off x="12751250" y="11535307"/>
-            <a:ext cx="10664574" cy="7356706"/>
-          </a:xfrm>
-          <a:prstGeom prst="rect">
-            <a:avLst/>
-          </a:prstGeom>
-        </p:spPr>
-      </p:pic>
-      <p:pic>
-        <p:nvPicPr>
           <p:cNvPr id="3" name="Picture 2">
             <a:extLst>
               <a:ext uri="{FF2B5EF4-FFF2-40B4-BE49-F238E27FC236}">
@@ -4860,7 +4830,7 @@
           <p:nvPr/>
         </p:nvPicPr>
         <p:blipFill>
-          <a:blip r:embed="rId10">
+          <a:blip r:embed="rId9">
             <a:extLst>
               <a:ext uri="{28A0092B-C50C-407E-A947-70E740481C1C}">
                 <a14:useLocalDpi xmlns:a14="http://schemas.microsoft.com/office/drawing/2010/main" val="0"/>
@@ -4907,7 +4877,7 @@
           <p:nvPr/>
         </p:nvPicPr>
         <p:blipFill>
-          <a:blip r:embed="rId11"/>
+          <a:blip r:embed="rId10"/>
           <a:stretch>
             <a:fillRect/>
           </a:stretch>
@@ -4937,7 +4907,7 @@
           <p:nvPr/>
         </p:nvPicPr>
         <p:blipFill>
-          <a:blip r:embed="rId12"/>
+          <a:blip r:embed="rId11"/>
           <a:stretch>
             <a:fillRect/>
           </a:stretch>
@@ -4946,36 +4916,6 @@
           <a:xfrm>
             <a:off x="23936632" y="21182371"/>
             <a:ext cx="7388942" cy="5420032"/>
-          </a:xfrm>
-          <a:prstGeom prst="rect">
-            <a:avLst/>
-          </a:prstGeom>
-        </p:spPr>
-      </p:pic>
-      <p:pic>
-        <p:nvPicPr>
-          <p:cNvPr id="14" name="Picture 13" descr="Chart, line chart&#10;&#10;Description automatically generated">
-            <a:extLst>
-              <a:ext uri="{FF2B5EF4-FFF2-40B4-BE49-F238E27FC236}">
-                <a16:creationId xmlns:a16="http://schemas.microsoft.com/office/drawing/2014/main" id="{F8926C31-0851-4C7A-B75E-5EC7788EB85B}"/>
-              </a:ext>
-            </a:extLst>
-          </p:cNvPr>
-          <p:cNvPicPr>
-            <a:picLocks noChangeAspect="1"/>
-          </p:cNvPicPr>
-          <p:nvPr/>
-        </p:nvPicPr>
-        <p:blipFill>
-          <a:blip r:embed="rId13"/>
-          <a:stretch>
-            <a:fillRect/>
-          </a:stretch>
-        </p:blipFill>
-        <p:spPr>
-          <a:xfrm>
-            <a:off x="21882214" y="7599765"/>
-            <a:ext cx="11102097" cy="8208466"/>
           </a:xfrm>
           <a:prstGeom prst="rect">
             <a:avLst/>
@@ -5060,6 +5000,66 @@
           </a:p>
         </p:txBody>
       </p:sp>
+      <p:pic>
+        <p:nvPicPr>
+          <p:cNvPr id="15" name="Picture 14" descr="Chart, line chart&#10;&#10;Description automatically generated">
+            <a:extLst>
+              <a:ext uri="{FF2B5EF4-FFF2-40B4-BE49-F238E27FC236}">
+                <a16:creationId xmlns:a16="http://schemas.microsoft.com/office/drawing/2014/main" id="{260269C2-0CAC-431E-AAD6-87E7392EC306}"/>
+              </a:ext>
+            </a:extLst>
+          </p:cNvPr>
+          <p:cNvPicPr>
+            <a:picLocks noChangeAspect="1"/>
+          </p:cNvPicPr>
+          <p:nvPr/>
+        </p:nvPicPr>
+        <p:blipFill>
+          <a:blip r:embed="rId12"/>
+          <a:stretch>
+            <a:fillRect/>
+          </a:stretch>
+        </p:blipFill>
+        <p:spPr>
+          <a:xfrm>
+            <a:off x="12574093" y="11333557"/>
+            <a:ext cx="10265628" cy="7569881"/>
+          </a:xfrm>
+          <a:prstGeom prst="rect">
+            <a:avLst/>
+          </a:prstGeom>
+        </p:spPr>
+      </p:pic>
+      <p:pic>
+        <p:nvPicPr>
+          <p:cNvPr id="20" name="Picture 19" descr="Chart, line chart&#10;&#10;Description automatically generated">
+            <a:extLst>
+              <a:ext uri="{FF2B5EF4-FFF2-40B4-BE49-F238E27FC236}">
+                <a16:creationId xmlns:a16="http://schemas.microsoft.com/office/drawing/2014/main" id="{9C623E98-6B5D-46F6-8029-CDFF637F954E}"/>
+              </a:ext>
+            </a:extLst>
+          </p:cNvPr>
+          <p:cNvPicPr>
+            <a:picLocks noChangeAspect="1"/>
+          </p:cNvPicPr>
+          <p:nvPr/>
+        </p:nvPicPr>
+        <p:blipFill>
+          <a:blip r:embed="rId13"/>
+          <a:stretch>
+            <a:fillRect/>
+          </a:stretch>
+        </p:blipFill>
+        <p:spPr>
+          <a:xfrm>
+            <a:off x="22580925" y="7754872"/>
+            <a:ext cx="10265628" cy="7569881"/>
+          </a:xfrm>
+          <a:prstGeom prst="rect">
+            <a:avLst/>
+          </a:prstGeom>
+        </p:spPr>
+      </p:pic>
     </p:spTree>
   </p:cSld>
   <p:clrMapOvr>

--- a/final/presentation_poster.pptx
+++ b/final/presentation_poster.pptx
@@ -4952,15 +4952,7 @@
           <a:p>
             <a:r>
               <a:rPr lang="en-US" sz="4000" dirty="0"/>
-              <a:t>Notice the drastically different model results both for different agents in the same scenario, and between learning rates. </a:t>
-            </a:r>
-            <a:r>
-              <a:rPr lang="en-US" sz="4000" dirty="0" err="1"/>
-              <a:t>Doube</a:t>
-            </a:r>
-            <a:r>
-              <a:rPr lang="en-US" sz="4000" dirty="0"/>
-              <a:t> DQN goes from by far the worse to by far the best model.</a:t>
+              <a:t>Notice the drastically different model results both for different agents in the same scenario, and between learning rates. Double DQN goes from by far the worse to by far the best model.</a:t>
             </a:r>
           </a:p>
         </p:txBody>
@@ -4979,8 +4971,8 @@
         </p:nvSpPr>
         <p:spPr>
           <a:xfrm>
-            <a:off x="22940543" y="16231220"/>
-            <a:ext cx="9377382" cy="1754326"/>
+            <a:off x="23343391" y="15558543"/>
+            <a:ext cx="9377382" cy="2585323"/>
           </a:xfrm>
           <a:prstGeom prst="rect">
             <a:avLst/>
@@ -4996,6 +4988,12 @@
             <a:r>
               <a:rPr lang="en-US" sz="5400" dirty="0"/>
               <a:t>Testing results for High- and Low-learning rates for Q</a:t>
+            </a:r>
+          </a:p>
+          <a:p>
+            <a:r>
+              <a:rPr lang="en-US" sz="5400" dirty="0"/>
+              <a:t>(.0001, .027)</a:t>
             </a:r>
           </a:p>
         </p:txBody>

--- a/final/presentation_poster.pptx
+++ b/final/presentation_poster.pptx
@@ -5000,10 +5000,10 @@
       </p:sp>
       <p:pic>
         <p:nvPicPr>
-          <p:cNvPr id="15" name="Picture 14" descr="Chart, line chart&#10;&#10;Description automatically generated">
+          <p:cNvPr id="14" name="Picture 13" descr="Chart, line chart&#10;&#10;Description automatically generated">
             <a:extLst>
               <a:ext uri="{FF2B5EF4-FFF2-40B4-BE49-F238E27FC236}">
-                <a16:creationId xmlns:a16="http://schemas.microsoft.com/office/drawing/2014/main" id="{260269C2-0CAC-431E-AAD6-87E7392EC306}"/>
+                <a16:creationId xmlns:a16="http://schemas.microsoft.com/office/drawing/2014/main" id="{89F6EC76-D0DE-4331-953C-0637349ACA4E}"/>
               </a:ext>
             </a:extLst>
           </p:cNvPr>
@@ -5020,8 +5020,8 @@
         </p:blipFill>
         <p:spPr>
           <a:xfrm>
-            <a:off x="12574093" y="11333557"/>
-            <a:ext cx="10265628" cy="7569881"/>
+            <a:off x="12796630" y="11601081"/>
+            <a:ext cx="9332389" cy="6881710"/>
           </a:xfrm>
           <a:prstGeom prst="rect">
             <a:avLst/>
@@ -5030,10 +5030,10 @@
       </p:pic>
       <p:pic>
         <p:nvPicPr>
-          <p:cNvPr id="20" name="Picture 19" descr="Chart, line chart&#10;&#10;Description automatically generated">
+          <p:cNvPr id="17" name="Picture 16" descr="Chart, line chart&#10;&#10;Description automatically generated">
             <a:extLst>
               <a:ext uri="{FF2B5EF4-FFF2-40B4-BE49-F238E27FC236}">
-                <a16:creationId xmlns:a16="http://schemas.microsoft.com/office/drawing/2014/main" id="{9C623E98-6B5D-46F6-8029-CDFF637F954E}"/>
+                <a16:creationId xmlns:a16="http://schemas.microsoft.com/office/drawing/2014/main" id="{D2AF6215-57D7-49AB-8E3A-534E6E101563}"/>
               </a:ext>
             </a:extLst>
           </p:cNvPr>
@@ -5050,7 +5050,7 @@
         </p:blipFill>
         <p:spPr>
           <a:xfrm>
-            <a:off x="22580925" y="7754872"/>
+            <a:off x="22395192" y="7559491"/>
             <a:ext cx="10265628" cy="7569881"/>
           </a:xfrm>
           <a:prstGeom prst="rect">

--- a/final/presentation_poster.pptx
+++ b/final/presentation_poster.pptx
@@ -4554,7 +4554,7 @@
                 <a:ea typeface="Cambria"/>
                 <a:cs typeface="Cambria"/>
               </a:rPr>
-              <a:t>car task.  The models that we trained</a:t>
+              <a:t>car task. The models that we trained</a:t>
             </a:r>
             <a:br>
               <a:rPr lang="en-US" sz="4800" dirty="0">
@@ -4575,9 +4575,16 @@
                 <a:ea typeface="Cambria"/>
                 <a:cs typeface="Cambria"/>
               </a:rPr>
-              <a:t>and tested found different solutions to</a:t>
+              <a:t>and tested found different strategy</a:t>
             </a:r>
-            <a:br>
+          </a:p>
+          <a:p>
+            <a:pPr>
+              <a:buClr>
+                <a:srgbClr val="000000"/>
+              </a:buClr>
+            </a:pPr>
+            <a:r>
               <a:rPr lang="en-US" sz="4800" dirty="0">
                 <a:solidFill>
                   <a:schemeClr val="dk1"/>
@@ -4586,7 +4593,15 @@
                 <a:ea typeface="Cambria"/>
                 <a:cs typeface="Cambria"/>
               </a:rPr>
-            </a:br>
+              <a:t>minima to the problem and converged</a:t>
+            </a:r>
+          </a:p>
+          <a:p>
+            <a:pPr>
+              <a:buClr>
+                <a:srgbClr val="000000"/>
+              </a:buClr>
+            </a:pPr>
             <a:r>
               <a:rPr lang="en-US" sz="4800" dirty="0">
                 <a:solidFill>
@@ -4596,28 +4611,7 @@
                 <a:ea typeface="Cambria"/>
                 <a:cs typeface="Cambria"/>
               </a:rPr>
-              <a:t>the problem and converged at</a:t>
-            </a:r>
-            <a:br>
-              <a:rPr lang="en-US" sz="4800" dirty="0">
-                <a:solidFill>
-                  <a:schemeClr val="dk1"/>
-                </a:solidFill>
-                <a:latin typeface="+mn-lt"/>
-                <a:ea typeface="Cambria"/>
-                <a:cs typeface="Cambria"/>
-              </a:rPr>
-            </a:br>
-            <a:r>
-              <a:rPr lang="en-US" sz="4800" dirty="0">
-                <a:solidFill>
-                  <a:schemeClr val="dk1"/>
-                </a:solidFill>
-                <a:latin typeface="+mn-lt"/>
-                <a:ea typeface="Cambria"/>
-                <a:cs typeface="Cambria"/>
-              </a:rPr>
-              <a:t>different rates during training.</a:t>
+              <a:t> at different rates during training.</a:t>
             </a:r>
             <a:endParaRPr lang="en-US" dirty="0">
               <a:solidFill>
@@ -4844,8 +4838,8 @@
         </p:blipFill>
         <p:spPr bwMode="auto">
           <a:xfrm>
-            <a:off x="23478553" y="26836193"/>
-            <a:ext cx="8015947" cy="5641046"/>
+            <a:off x="13003963" y="20843209"/>
+            <a:ext cx="9699296" cy="6825666"/>
           </a:xfrm>
           <a:prstGeom prst="rect">
             <a:avLst/>
@@ -4884,8 +4878,8 @@
         </p:blipFill>
         <p:spPr>
           <a:xfrm>
-            <a:off x="14246941" y="21182370"/>
-            <a:ext cx="7344697" cy="5552769"/>
+            <a:off x="23499592" y="26278438"/>
+            <a:ext cx="8079167" cy="6108046"/>
           </a:xfrm>
           <a:prstGeom prst="rect">
             <a:avLst/>
@@ -4914,8 +4908,8 @@
         </p:blipFill>
         <p:spPr>
           <a:xfrm>
-            <a:off x="23936632" y="21182371"/>
-            <a:ext cx="7388942" cy="5420032"/>
+            <a:off x="23439135" y="20842976"/>
+            <a:ext cx="8127836" cy="5962035"/>
           </a:xfrm>
           <a:prstGeom prst="rect">
             <a:avLst/>
@@ -4936,8 +4930,8 @@
         </p:nvSpPr>
         <p:spPr>
           <a:xfrm>
-            <a:off x="12751250" y="8022754"/>
-            <a:ext cx="9040063" cy="3170099"/>
+            <a:off x="12655681" y="7905972"/>
+            <a:ext cx="9861342" cy="3170099"/>
           </a:xfrm>
           <a:prstGeom prst="rect">
             <a:avLst/>
@@ -4952,7 +4946,7 @@
           <a:p>
             <a:r>
               <a:rPr lang="en-US" sz="4000" dirty="0"/>
-              <a:t>Notice the drastically different model results both for different agents in the same scenario, and between learning rates. Double DQN goes from by far the worse to by far the best model.</a:t>
+              <a:t>Notice the difference in model results both for different agents in the same scenario, and between learning rates. Double DQN goes from the worse to by far the best model with a slight change to learning rate.</a:t>
             </a:r>
           </a:p>
         </p:txBody>
@@ -4971,7 +4965,7 @@
         </p:nvSpPr>
         <p:spPr>
           <a:xfrm>
-            <a:off x="23343391" y="15558543"/>
+            <a:off x="23343391" y="15551319"/>
             <a:ext cx="9377382" cy="2585323"/>
           </a:xfrm>
           <a:prstGeom prst="rect">
@@ -4987,23 +4981,17 @@
           <a:p>
             <a:r>
               <a:rPr lang="en-US" sz="5400" dirty="0"/>
-              <a:t>Testing results for High- and Low-learning rates for Q</a:t>
-            </a:r>
-          </a:p>
-          <a:p>
-            <a:r>
-              <a:rPr lang="en-US" sz="5400" dirty="0"/>
-              <a:t>(.0001, .027)</a:t>
+              <a:t>High- and Low-learning rates for Q-learning yield dramatic differences in testing</a:t>
             </a:r>
           </a:p>
         </p:txBody>
       </p:sp>
       <p:pic>
         <p:nvPicPr>
-          <p:cNvPr id="14" name="Picture 13" descr="Chart, line chart&#10;&#10;Description automatically generated">
+          <p:cNvPr id="15" name="Picture 14" descr="Chart, line chart&#10;&#10;Description automatically generated">
             <a:extLst>
               <a:ext uri="{FF2B5EF4-FFF2-40B4-BE49-F238E27FC236}">
-                <a16:creationId xmlns:a16="http://schemas.microsoft.com/office/drawing/2014/main" id="{89F6EC76-D0DE-4331-953C-0637349ACA4E}"/>
+                <a16:creationId xmlns:a16="http://schemas.microsoft.com/office/drawing/2014/main" id="{49D01AB3-35F1-4E73-AD65-5F90978C80C6}"/>
               </a:ext>
             </a:extLst>
           </p:cNvPr>
@@ -5020,8 +5008,8 @@
         </p:blipFill>
         <p:spPr>
           <a:xfrm>
-            <a:off x="12796630" y="11601081"/>
-            <a:ext cx="9332389" cy="6881710"/>
+            <a:off x="12500613" y="11257492"/>
+            <a:ext cx="10265628" cy="7569881"/>
           </a:xfrm>
           <a:prstGeom prst="rect">
             <a:avLst/>
@@ -5030,10 +5018,10 @@
       </p:pic>
       <p:pic>
         <p:nvPicPr>
-          <p:cNvPr id="17" name="Picture 16" descr="Chart, line chart&#10;&#10;Description automatically generated">
+          <p:cNvPr id="18" name="Picture 17" descr="Chart, line chart&#10;&#10;Description automatically generated">
             <a:extLst>
               <a:ext uri="{FF2B5EF4-FFF2-40B4-BE49-F238E27FC236}">
-                <a16:creationId xmlns:a16="http://schemas.microsoft.com/office/drawing/2014/main" id="{D2AF6215-57D7-49AB-8E3A-534E6E101563}"/>
+                <a16:creationId xmlns:a16="http://schemas.microsoft.com/office/drawing/2014/main" id="{B43D8F24-C94C-43C9-B116-EFA589DC3209}"/>
               </a:ext>
             </a:extLst>
           </p:cNvPr>
@@ -5050,7 +5038,7 @@
         </p:blipFill>
         <p:spPr>
           <a:xfrm>
-            <a:off x="22395192" y="7559491"/>
+            <a:off x="22612484" y="7726972"/>
             <a:ext cx="10265628" cy="7569881"/>
           </a:xfrm>
           <a:prstGeom prst="rect">

--- a/final/presentation_poster.pptx
+++ b/final/presentation_poster.pptx
@@ -2991,7 +2991,7 @@
         </p:nvSpPr>
         <p:spPr>
           <a:xfrm>
-            <a:off x="12370197" y="5954776"/>
+            <a:off x="12239569" y="5954776"/>
             <a:ext cx="20813200" cy="12937237"/>
           </a:xfrm>
           <a:prstGeom prst="roundRect">
@@ -3075,7 +3075,7 @@
         </p:nvSpPr>
         <p:spPr>
           <a:xfrm>
-            <a:off x="273896" y="5910621"/>
+            <a:off x="175925" y="5910621"/>
             <a:ext cx="12005400" cy="9741941"/>
           </a:xfrm>
           <a:prstGeom prst="roundRect">
@@ -3398,7 +3398,7 @@
         </p:nvSpPr>
         <p:spPr>
           <a:xfrm>
-            <a:off x="18768484" y="10642821"/>
+            <a:off x="18637856" y="10642821"/>
             <a:ext cx="2209799" cy="461699"/>
           </a:xfrm>
           <a:prstGeom prst="rect">
@@ -3451,7 +3451,7 @@
         </p:nvSpPr>
         <p:spPr>
           <a:xfrm>
-            <a:off x="1307550" y="19927475"/>
+            <a:off x="1242236" y="19927475"/>
             <a:ext cx="3000000" cy="3000000"/>
           </a:xfrm>
           <a:prstGeom prst="rect">
@@ -3504,7 +3504,7 @@
         </p:nvSpPr>
         <p:spPr>
           <a:xfrm>
-            <a:off x="322121" y="15652562"/>
+            <a:off x="136287" y="15652562"/>
             <a:ext cx="12006029" cy="8641982"/>
           </a:xfrm>
           <a:prstGeom prst="roundRect">
@@ -3633,7 +3633,7 @@
         </p:nvSpPr>
         <p:spPr>
           <a:xfrm>
-            <a:off x="217603" y="24294544"/>
+            <a:off x="152289" y="24294544"/>
             <a:ext cx="11982982" cy="8409362"/>
           </a:xfrm>
           <a:prstGeom prst="roundRect">
@@ -4243,7 +4243,7 @@
         </p:nvSpPr>
         <p:spPr>
           <a:xfrm>
-            <a:off x="12328150" y="18936612"/>
+            <a:off x="12197522" y="18936612"/>
             <a:ext cx="20862054" cy="13767237"/>
           </a:xfrm>
           <a:prstGeom prst="roundRect">
@@ -4646,7 +4646,7 @@
         </p:blipFill>
         <p:spPr>
           <a:xfrm>
-            <a:off x="1969864" y="26224990"/>
+            <a:off x="1904550" y="26224990"/>
             <a:ext cx="3656336" cy="5134942"/>
           </a:xfrm>
           <a:prstGeom prst="rect">
@@ -4711,7 +4711,7 @@
         </p:blipFill>
         <p:spPr>
           <a:xfrm>
-            <a:off x="1150374" y="17148136"/>
+            <a:off x="1139598" y="17148136"/>
             <a:ext cx="9999406" cy="6497766"/>
           </a:xfrm>
           <a:prstGeom prst="rect">
@@ -4741,7 +4741,7 @@
         </p:blipFill>
         <p:spPr>
           <a:xfrm>
-            <a:off x="6194322" y="26241529"/>
+            <a:off x="6129008" y="26241529"/>
             <a:ext cx="4601496" cy="5124142"/>
           </a:xfrm>
           <a:prstGeom prst="rect">
@@ -4771,7 +4771,7 @@
         </p:blipFill>
         <p:spPr>
           <a:xfrm>
-            <a:off x="38431340" y="22429553"/>
+            <a:off x="38366026" y="22094709"/>
             <a:ext cx="4967269" cy="3725452"/>
           </a:xfrm>
           <a:prstGeom prst="rect">
@@ -4801,7 +4801,7 @@
         </p:blipFill>
         <p:spPr>
           <a:xfrm>
-            <a:off x="33714668" y="21768168"/>
+            <a:off x="33649354" y="21278313"/>
             <a:ext cx="5286358" cy="5358245"/>
           </a:xfrm>
           <a:prstGeom prst="rect">
@@ -4838,7 +4838,7 @@
         </p:blipFill>
         <p:spPr bwMode="auto">
           <a:xfrm>
-            <a:off x="13003963" y="20843209"/>
+            <a:off x="12873335" y="20843209"/>
             <a:ext cx="9699296" cy="6825666"/>
           </a:xfrm>
           <a:prstGeom prst="rect">
@@ -4878,7 +4878,7 @@
         </p:blipFill>
         <p:spPr>
           <a:xfrm>
-            <a:off x="23499592" y="26278438"/>
+            <a:off x="23368964" y="26278438"/>
             <a:ext cx="8079167" cy="6108046"/>
           </a:xfrm>
           <a:prstGeom prst="rect">
@@ -4908,7 +4908,7 @@
         </p:blipFill>
         <p:spPr>
           <a:xfrm>
-            <a:off x="23439135" y="20842976"/>
+            <a:off x="23308507" y="20842976"/>
             <a:ext cx="8127836" cy="5962035"/>
           </a:xfrm>
           <a:prstGeom prst="rect">
@@ -4930,7 +4930,7 @@
         </p:nvSpPr>
         <p:spPr>
           <a:xfrm>
-            <a:off x="12655681" y="7905972"/>
+            <a:off x="12525053" y="7905972"/>
             <a:ext cx="9861342" cy="3170099"/>
           </a:xfrm>
           <a:prstGeom prst="rect">
@@ -4965,7 +4965,7 @@
         </p:nvSpPr>
         <p:spPr>
           <a:xfrm>
-            <a:off x="23343391" y="15551319"/>
+            <a:off x="23212763" y="15551319"/>
             <a:ext cx="9377382" cy="2585323"/>
           </a:xfrm>
           <a:prstGeom prst="rect">
@@ -5008,7 +5008,7 @@
         </p:blipFill>
         <p:spPr>
           <a:xfrm>
-            <a:off x="12500613" y="11257492"/>
+            <a:off x="12369985" y="11257492"/>
             <a:ext cx="10265628" cy="7569881"/>
           </a:xfrm>
           <a:prstGeom prst="rect">
@@ -5038,7 +5038,7 @@
         </p:blipFill>
         <p:spPr>
           <a:xfrm>
-            <a:off x="22612484" y="7726972"/>
+            <a:off x="22481856" y="7726972"/>
             <a:ext cx="10265628" cy="7569881"/>
           </a:xfrm>
           <a:prstGeom prst="rect">

--- a/final/presentation_poster.pptx
+++ b/final/presentation_poster.pptx
@@ -236,8 +236,8 @@
 <file path=ppt/revisionInfo.xml><?xml version="1.0" encoding="utf-8"?>
 <p1510:revInfo xmlns:a="http://schemas.openxmlformats.org/drawingml/2006/main" xmlns:r="http://schemas.openxmlformats.org/officeDocument/2006/relationships" xmlns:p1510="http://schemas.microsoft.com/office/powerpoint/2015/10/main">
   <p1510:revLst>
+    <p1510:client id="{966A8B95-43F3-278D-101C-CCD05A2D0637}" v="206" dt="2020-12-09T14:23:19.403"/>
     <p1510:client id="{737BB19E-EE9B-48F6-AADA-1BCD1C462E4B}" v="21" dt="2020-12-08T06:30:55.529"/>
-    <p1510:client id="{966A8B95-43F3-278D-101C-CCD05A2D0637}" v="206" dt="2020-12-09T14:23:19.403"/>
   </p1510:revLst>
 </p1510:revInfo>
 </file>
@@ -4078,7 +4078,7 @@
         </p:nvSpPr>
         <p:spPr>
           <a:xfrm>
-            <a:off x="33141350" y="5999374"/>
+            <a:off x="33141350" y="5958734"/>
             <a:ext cx="10597799" cy="21389082"/>
           </a:xfrm>
           <a:prstGeom prst="roundRect">
@@ -4243,7 +4243,7 @@
         </p:nvSpPr>
         <p:spPr>
           <a:xfrm>
-            <a:off x="12197522" y="18936612"/>
+            <a:off x="12197522" y="18977252"/>
             <a:ext cx="20862054" cy="13767237"/>
           </a:xfrm>
           <a:prstGeom prst="roundRect">
@@ -4516,6 +4516,21 @@
               <a:ea typeface="Cambria"/>
               <a:cs typeface="Cambria"/>
               <a:sym typeface="Cambria"/>
+            </a:endParaRPr>
+          </a:p>
+          <a:p>
+            <a:pPr>
+              <a:buClr>
+                <a:srgbClr val="000000"/>
+              </a:buClr>
+            </a:pPr>
+            <a:endParaRPr lang="en-US" sz="4800" dirty="0">
+              <a:solidFill>
+                <a:schemeClr val="dk1"/>
+              </a:solidFill>
+              <a:latin typeface="+mn-lt"/>
+              <a:ea typeface="Cambria"/>
+              <a:cs typeface="Cambria"/>
             </a:endParaRPr>
           </a:p>
           <a:p>
@@ -4771,7 +4786,7 @@
         </p:blipFill>
         <p:spPr>
           <a:xfrm>
-            <a:off x="38366026" y="22094709"/>
+            <a:off x="38366026" y="22135349"/>
             <a:ext cx="4967269" cy="3725452"/>
           </a:xfrm>
           <a:prstGeom prst="rect">
@@ -4801,7 +4816,7 @@
         </p:blipFill>
         <p:spPr>
           <a:xfrm>
-            <a:off x="33649354" y="21278313"/>
+            <a:off x="33649354" y="21318953"/>
             <a:ext cx="5286358" cy="5358245"/>
           </a:xfrm>
           <a:prstGeom prst="rect">
@@ -4838,7 +4853,7 @@
         </p:blipFill>
         <p:spPr bwMode="auto">
           <a:xfrm>
-            <a:off x="12873335" y="20843209"/>
+            <a:off x="12873335" y="20883849"/>
             <a:ext cx="9699296" cy="6825666"/>
           </a:xfrm>
           <a:prstGeom prst="rect">
@@ -4878,7 +4893,7 @@
         </p:blipFill>
         <p:spPr>
           <a:xfrm>
-            <a:off x="23368964" y="26278438"/>
+            <a:off x="23371886" y="26531839"/>
             <a:ext cx="8079167" cy="6108046"/>
           </a:xfrm>
           <a:prstGeom prst="rect">
@@ -4908,7 +4923,7 @@
         </p:blipFill>
         <p:spPr>
           <a:xfrm>
-            <a:off x="23308507" y="20842976"/>
+            <a:off x="23347551" y="20883849"/>
             <a:ext cx="8127836" cy="5962035"/>
           </a:xfrm>
           <a:prstGeom prst="rect">
@@ -4981,7 +4996,7 @@
           <a:p>
             <a:r>
               <a:rPr lang="en-US" sz="5400" dirty="0"/>
-              <a:t>High- and Low-learning rates for Q-learning yield dramatic differences in testing</a:t>
+              <a:t>High- and Low-learning rates for Q-learning yield dramatic differences in testing.</a:t>
             </a:r>
           </a:p>
         </p:txBody>

--- a/final/presentation_poster.pptx
+++ b/final/presentation_poster.pptx
@@ -237,9 +237,37 @@
 <p1510:revInfo xmlns:a="http://schemas.openxmlformats.org/drawingml/2006/main" xmlns:r="http://schemas.openxmlformats.org/officeDocument/2006/relationships" xmlns:p1510="http://schemas.microsoft.com/office/powerpoint/2015/10/main">
   <p1510:revLst>
     <p1510:client id="{966A8B95-43F3-278D-101C-CCD05A2D0637}" v="206" dt="2020-12-09T14:23:19.403"/>
-    <p1510:client id="{737BB19E-EE9B-48F6-AADA-1BCD1C462E4B}" v="21" dt="2020-12-08T06:30:55.529"/>
   </p1510:revLst>
 </p1510:revInfo>
+</file>
+
+<file path=ppt/changesInfos/changesInfo1.xml><?xml version="1.0" encoding="utf-8"?>
+<pc:chgInfo xmlns:a="http://schemas.openxmlformats.org/drawingml/2006/main" xmlns:r="http://schemas.openxmlformats.org/officeDocument/2006/relationships" xmlns:ac="http://schemas.microsoft.com/office/drawing/2013/main/command" xmlns:pc="http://schemas.microsoft.com/office/powerpoint/2013/main/command">
+  <pc:docChgLst>
+    <pc:chgData name="Ben Hershey" userId="c68cb37959f34d75" providerId="LiveId" clId="{490992E0-5D96-4DBC-8A45-0ADFC879010D}"/>
+    <pc:docChg chg="modSld">
+      <pc:chgData name="Ben Hershey" userId="c68cb37959f34d75" providerId="LiveId" clId="{490992E0-5D96-4DBC-8A45-0ADFC879010D}" dt="2020-12-10T02:19:35.161" v="0" actId="20577"/>
+      <pc:docMkLst>
+        <pc:docMk/>
+      </pc:docMkLst>
+      <pc:sldChg chg="modSp mod">
+        <pc:chgData name="Ben Hershey" userId="c68cb37959f34d75" providerId="LiveId" clId="{490992E0-5D96-4DBC-8A45-0ADFC879010D}" dt="2020-12-10T02:19:35.161" v="0" actId="20577"/>
+        <pc:sldMkLst>
+          <pc:docMk/>
+          <pc:sldMk cId="0" sldId="256"/>
+        </pc:sldMkLst>
+        <pc:spChg chg="mod">
+          <ac:chgData name="Ben Hershey" userId="c68cb37959f34d75" providerId="LiveId" clId="{490992E0-5D96-4DBC-8A45-0ADFC879010D}" dt="2020-12-10T02:19:35.161" v="0" actId="20577"/>
+          <ac:spMkLst>
+            <pc:docMk/>
+            <pc:sldMk cId="0" sldId="256"/>
+            <ac:spMk id="4" creationId="{49955954-7F42-4497-90F9-232BC62ED741}"/>
+          </ac:spMkLst>
+        </pc:spChg>
+      </pc:sldChg>
+    </pc:docChg>
+  </pc:docChgLst>
+</pc:chgInfo>
 </file>
 
 <file path=ppt/notesMasters/notesMaster1.xml><?xml version="1.0" encoding="utf-8"?>
@@ -4698,8 +4726,12 @@
           <a:lstStyle/>
           <a:p>
             <a:r>
+              <a:rPr lang="en-US" sz="4800"/>
+              <a:t>Githhub</a:t>
+            </a:r>
+            <a:r>
               <a:rPr lang="en-US" sz="4800" dirty="0"/>
-              <a:t>Gihhub.com/moorea1/cs525</a:t>
+              <a:t>.com/moorea1/cs525</a:t>
             </a:r>
           </a:p>
         </p:txBody>

--- a/final/presentation_poster.pptx
+++ b/final/presentation_poster.pptx
@@ -246,18 +246,18 @@
   <pc:docChgLst>
     <pc:chgData name="Ben Hershey" userId="c68cb37959f34d75" providerId="LiveId" clId="{490992E0-5D96-4DBC-8A45-0ADFC879010D}"/>
     <pc:docChg chg="modSld">
-      <pc:chgData name="Ben Hershey" userId="c68cb37959f34d75" providerId="LiveId" clId="{490992E0-5D96-4DBC-8A45-0ADFC879010D}" dt="2020-12-10T02:19:35.161" v="0" actId="20577"/>
+      <pc:chgData name="Ben Hershey" userId="c68cb37959f34d75" providerId="LiveId" clId="{490992E0-5D96-4DBC-8A45-0ADFC879010D}" dt="2020-12-10T02:21:41.752" v="1" actId="20577"/>
       <pc:docMkLst>
         <pc:docMk/>
       </pc:docMkLst>
       <pc:sldChg chg="modSp mod">
-        <pc:chgData name="Ben Hershey" userId="c68cb37959f34d75" providerId="LiveId" clId="{490992E0-5D96-4DBC-8A45-0ADFC879010D}" dt="2020-12-10T02:19:35.161" v="0" actId="20577"/>
+        <pc:chgData name="Ben Hershey" userId="c68cb37959f34d75" providerId="LiveId" clId="{490992E0-5D96-4DBC-8A45-0ADFC879010D}" dt="2020-12-10T02:21:41.752" v="1" actId="20577"/>
         <pc:sldMkLst>
           <pc:docMk/>
           <pc:sldMk cId="0" sldId="256"/>
         </pc:sldMkLst>
         <pc:spChg chg="mod">
-          <ac:chgData name="Ben Hershey" userId="c68cb37959f34d75" providerId="LiveId" clId="{490992E0-5D96-4DBC-8A45-0ADFC879010D}" dt="2020-12-10T02:19:35.161" v="0" actId="20577"/>
+          <ac:chgData name="Ben Hershey" userId="c68cb37959f34d75" providerId="LiveId" clId="{490992E0-5D96-4DBC-8A45-0ADFC879010D}" dt="2020-12-10T02:21:41.752" v="1" actId="20577"/>
           <ac:spMkLst>
             <pc:docMk/>
             <pc:sldMk cId="0" sldId="256"/>
@@ -4727,7 +4727,7 @@
           <a:p>
             <a:r>
               <a:rPr lang="en-US" sz="4800"/>
-              <a:t>Githhub</a:t>
+              <a:t>Github</a:t>
             </a:r>
             <a:r>
               <a:rPr lang="en-US" sz="4800" dirty="0"/>

--- a/final/presentation_poster.pptx
+++ b/final/presentation_poster.pptx
@@ -237,37 +237,9 @@
 <p1510:revInfo xmlns:a="http://schemas.openxmlformats.org/drawingml/2006/main" xmlns:r="http://schemas.openxmlformats.org/officeDocument/2006/relationships" xmlns:p1510="http://schemas.microsoft.com/office/powerpoint/2015/10/main">
   <p1510:revLst>
     <p1510:client id="{966A8B95-43F3-278D-101C-CCD05A2D0637}" v="206" dt="2020-12-09T14:23:19.403"/>
+    <p1510:client id="{F3109F48-47C3-897D-2C50-1A480B09730B}" v="18" dt="2020-12-10T03:26:07.441"/>
   </p1510:revLst>
 </p1510:revInfo>
-</file>
-
-<file path=ppt/changesInfos/changesInfo1.xml><?xml version="1.0" encoding="utf-8"?>
-<pc:chgInfo xmlns:a="http://schemas.openxmlformats.org/drawingml/2006/main" xmlns:r="http://schemas.openxmlformats.org/officeDocument/2006/relationships" xmlns:ac="http://schemas.microsoft.com/office/drawing/2013/main/command" xmlns:pc="http://schemas.microsoft.com/office/powerpoint/2013/main/command">
-  <pc:docChgLst>
-    <pc:chgData name="Ben Hershey" userId="c68cb37959f34d75" providerId="LiveId" clId="{490992E0-5D96-4DBC-8A45-0ADFC879010D}"/>
-    <pc:docChg chg="modSld">
-      <pc:chgData name="Ben Hershey" userId="c68cb37959f34d75" providerId="LiveId" clId="{490992E0-5D96-4DBC-8A45-0ADFC879010D}" dt="2020-12-10T02:21:41.752" v="1" actId="20577"/>
-      <pc:docMkLst>
-        <pc:docMk/>
-      </pc:docMkLst>
-      <pc:sldChg chg="modSp mod">
-        <pc:chgData name="Ben Hershey" userId="c68cb37959f34d75" providerId="LiveId" clId="{490992E0-5D96-4DBC-8A45-0ADFC879010D}" dt="2020-12-10T02:21:41.752" v="1" actId="20577"/>
-        <pc:sldMkLst>
-          <pc:docMk/>
-          <pc:sldMk cId="0" sldId="256"/>
-        </pc:sldMkLst>
-        <pc:spChg chg="mod">
-          <ac:chgData name="Ben Hershey" userId="c68cb37959f34d75" providerId="LiveId" clId="{490992E0-5D96-4DBC-8A45-0ADFC879010D}" dt="2020-12-10T02:21:41.752" v="1" actId="20577"/>
-          <ac:spMkLst>
-            <pc:docMk/>
-            <pc:sldMk cId="0" sldId="256"/>
-            <ac:spMk id="4" creationId="{49955954-7F42-4497-90F9-232BC62ED741}"/>
-          </ac:spMkLst>
-        </pc:spChg>
-      </pc:sldChg>
-    </pc:docChg>
-  </pc:docChgLst>
-</pc:chgInfo>
 </file>
 
 <file path=ppt/notesMasters/notesMaster1.xml><?xml version="1.0" encoding="utf-8"?>
@@ -4758,7 +4730,7 @@
         </p:blipFill>
         <p:spPr>
           <a:xfrm>
-            <a:off x="1139598" y="17148136"/>
+            <a:off x="1139598" y="17546343"/>
             <a:ext cx="9999406" cy="6497766"/>
           </a:xfrm>
           <a:prstGeom prst="rect">
@@ -4925,38 +4897,8 @@
         </p:blipFill>
         <p:spPr>
           <a:xfrm>
-            <a:off x="23371886" y="26531839"/>
-            <a:ext cx="8079167" cy="6108046"/>
-          </a:xfrm>
-          <a:prstGeom prst="rect">
-            <a:avLst/>
-          </a:prstGeom>
-        </p:spPr>
-      </p:pic>
-      <p:pic>
-        <p:nvPicPr>
-          <p:cNvPr id="10" name="Picture 13" descr="Chart, line chart&#10;&#10;Description automatically generated">
-            <a:extLst>
-              <a:ext uri="{FF2B5EF4-FFF2-40B4-BE49-F238E27FC236}">
-                <a16:creationId xmlns:a16="http://schemas.microsoft.com/office/drawing/2014/main" id="{78B1034D-DD94-4DA9-90DC-89BC7B0F492E}"/>
-              </a:ext>
-            </a:extLst>
-          </p:cNvPr>
-          <p:cNvPicPr>
-            <a:picLocks noChangeAspect="1"/>
-          </p:cNvPicPr>
-          <p:nvPr/>
-        </p:nvPicPr>
-        <p:blipFill>
-          <a:blip r:embed="rId11"/>
-          <a:stretch>
-            <a:fillRect/>
-          </a:stretch>
-        </p:blipFill>
-        <p:spPr>
-          <a:xfrm>
-            <a:off x="23347551" y="20883849"/>
-            <a:ext cx="8127836" cy="5962035"/>
+            <a:off x="23371886" y="27372497"/>
+            <a:ext cx="8344640" cy="5134654"/>
           </a:xfrm>
           <a:prstGeom prst="rect">
             <a:avLst/>
@@ -5048,7 +4990,7 @@
           <p:nvPr/>
         </p:nvPicPr>
         <p:blipFill>
-          <a:blip r:embed="rId12"/>
+          <a:blip r:embed="rId11"/>
           <a:stretch>
             <a:fillRect/>
           </a:stretch>
@@ -5078,7 +5020,7 @@
           <p:nvPr/>
         </p:nvPicPr>
         <p:blipFill>
-          <a:blip r:embed="rId13"/>
+          <a:blip r:embed="rId12"/>
           <a:stretch>
             <a:fillRect/>
           </a:stretch>
@@ -5087,6 +5029,36 @@
           <a:xfrm>
             <a:off x="22481856" y="7726972"/>
             <a:ext cx="10265628" cy="7569881"/>
+          </a:xfrm>
+          <a:prstGeom prst="rect">
+            <a:avLst/>
+          </a:prstGeom>
+        </p:spPr>
+      </p:pic>
+      <p:pic>
+        <p:nvPicPr>
+          <p:cNvPr id="5" name="Picture 13" descr="Chart, line chart&#10;&#10;Description automatically generated">
+            <a:extLst>
+              <a:ext uri="{FF2B5EF4-FFF2-40B4-BE49-F238E27FC236}">
+                <a16:creationId xmlns:a16="http://schemas.microsoft.com/office/drawing/2014/main" id="{8F1EE97D-2419-437F-8BB3-F3BB50F6E151}"/>
+              </a:ext>
+            </a:extLst>
+          </p:cNvPr>
+          <p:cNvPicPr>
+            <a:picLocks noChangeAspect="1"/>
+          </p:cNvPicPr>
+          <p:nvPr/>
+        </p:nvPicPr>
+        <p:blipFill>
+          <a:blip r:embed="rId13"/>
+          <a:stretch>
+            <a:fillRect/>
+          </a:stretch>
+        </p:blipFill>
+        <p:spPr>
+          <a:xfrm>
+            <a:off x="23361446" y="20872654"/>
+            <a:ext cx="9247238" cy="6526161"/>
           </a:xfrm>
           <a:prstGeom prst="rect">
             <a:avLst/>
